--- a/CS205 Poster - Chen Sim 2013.pptx
+++ b/CS205 Poster - Chen Sim 2013.pptx
@@ -203,7 +203,7 @@
             <a:fld id="{E6CC2317-6751-4CD4-9995-8782DD78E936}" type="datetimeFigureOut">
               <a:rPr lang="en-US" smtClean="0"/>
               <a:pPr/>
-              <a:t>11/27/2013</a:t>
+              <a:t>11/28/2013</a:t>
             </a:fld>
             <a:endParaRPr lang="en-US" dirty="0"/>
           </a:p>
@@ -374,7 +374,7 @@
     </p:spTree>
     <p:extLst>
       <p:ext uri="{BB962C8B-B14F-4D97-AF65-F5344CB8AC3E}">
-        <p14:creationId xmlns:p14="http://schemas.microsoft.com/office/powerpoint/2010/main" xmlns="" val="3784840913"/>
+        <p14:creationId xmlns="" xmlns:p14="http://schemas.microsoft.com/office/powerpoint/2010/main" val="3784840913"/>
       </p:ext>
     </p:extLst>
   </p:cSld>
@@ -11640,13 +11640,7 @@
               <a:rPr lang="en-US" sz="3200" u="none" dirty="0" smtClean="0">
                 <a:latin typeface="Constantia" pitchFamily="18" charset="0"/>
               </a:rPr>
-              <a:t> </a:t>
-            </a:r>
-            <a:r>
-              <a:rPr lang="en-US" sz="3200" u="none" dirty="0" smtClean="0">
-                <a:latin typeface="Constantia" pitchFamily="18" charset="0"/>
-              </a:rPr>
-              <a:t>and Heuristic Computations</a:t>
+              <a:t> and Heuristic Computations</a:t>
             </a:r>
             <a:endParaRPr lang="en-US" sz="3200" u="none" dirty="0">
               <a:latin typeface="Constantia" pitchFamily="18" charset="0"/>
@@ -11673,13 +11667,7 @@
               <a:rPr lang="en-US" dirty="0" smtClean="0">
                 <a:latin typeface="Constantia" pitchFamily="18" charset="0"/>
               </a:rPr>
-              <a:t>Discussion/Algorith</a:t>
-            </a:r>
-            <a:r>
-              <a:rPr lang="en-US" dirty="0" smtClean="0">
-                <a:latin typeface="Constantia" pitchFamily="18" charset="0"/>
-              </a:rPr>
-              <a:t>m</a:t>
+              <a:t>Discussion/Algorithm</a:t>
             </a:r>
             <a:endParaRPr lang="en-US" dirty="0">
               <a:latin typeface="Constantia" pitchFamily="18" charset="0"/>
@@ -13167,30 +13155,6 @@
       </p:sp>
       <p:pic>
         <p:nvPicPr>
-          <p:cNvPr id="245" name="Picture Placeholder 244" descr="iacs_revised_rgb_cropwhite.jpeg"/>
-          <p:cNvPicPr>
-            <a:picLocks noGrp="1" noChangeAspect="1"/>
-          </p:cNvPicPr>
-          <p:nvPr>
-            <p:ph type="pic" sz="quarter" idx="15"/>
-          </p:nvPr>
-        </p:nvPicPr>
-        <p:blipFill>
-          <a:blip r:embed="rId2" cstate="print"/>
-          <a:srcRect l="36" r="36"/>
-          <a:stretch>
-            <a:fillRect/>
-          </a:stretch>
-        </p:blipFill>
-        <p:spPr>
-          <a:xfrm>
-            <a:off x="0" y="739775"/>
-            <a:ext cx="8001000" cy="1676400"/>
-          </a:xfrm>
-        </p:spPr>
-      </p:pic>
-      <p:pic>
-        <p:nvPicPr>
           <p:cNvPr id="246" name="Picture 245" descr="SEASLogo.png"/>
           <p:cNvPicPr>
             <a:picLocks noChangeAspect="1"/>
@@ -13198,10 +13162,10 @@
           <p:nvPr/>
         </p:nvPicPr>
         <p:blipFill>
-          <a:blip r:embed="rId3" cstate="print">
+          <a:blip r:embed="rId2" cstate="print">
             <a:extLst>
               <a:ext uri="{28A0092B-C50C-407E-A947-70E740481C1C}">
-                <a14:useLocalDpi xmlns:a14="http://schemas.microsoft.com/office/drawing/2010/main" xmlns="" val="0"/>
+                <a14:useLocalDpi xmlns="" xmlns:a14="http://schemas.microsoft.com/office/drawing/2010/main" val="0"/>
               </a:ext>
             </a:extLst>
           </a:blip>
@@ -13211,7 +13175,7 @@
         </p:blipFill>
         <p:spPr>
           <a:xfrm>
-            <a:off x="25498204" y="442595"/>
+            <a:off x="25686462" y="442595"/>
             <a:ext cx="6358639" cy="2485618"/>
           </a:xfrm>
           <a:prstGeom prst="rect">
@@ -13220,12 +13184,36 @@
           <a:solidFill>
             <a:schemeClr val="bg1"/>
           </a:solidFill>
+        </p:spPr>
+      </p:pic>
+      <p:pic>
+        <p:nvPicPr>
+          <p:cNvPr id="64" name="Picture Placeholder 63" descr="IACS Logo.jpeg"/>
+          <p:cNvPicPr>
+            <a:picLocks noGrp="1" noChangeAspect="1"/>
+          </p:cNvPicPr>
+          <p:nvPr>
+            <p:ph type="pic" sz="quarter" idx="15"/>
+          </p:nvPr>
+        </p:nvPicPr>
+        <p:blipFill>
+          <a:blip r:embed="rId3" cstate="print"/>
+          <a:srcRect t="745" b="745"/>
+          <a:stretch>
+            <a:fillRect/>
+          </a:stretch>
+        </p:blipFill>
+        <p:spPr>
+          <a:xfrm>
+            <a:off x="107577" y="788894"/>
+            <a:ext cx="7745505" cy="1676400"/>
+          </a:xfrm>
         </p:spPr>
       </p:pic>
     </p:spTree>
     <p:extLst>
       <p:ext uri="{BB962C8B-B14F-4D97-AF65-F5344CB8AC3E}">
-        <p14:creationId xmlns:p14="http://schemas.microsoft.com/office/powerpoint/2010/main" xmlns="" val="2212419635"/>
+        <p14:creationId xmlns="" xmlns:p14="http://schemas.microsoft.com/office/powerpoint/2010/main" val="2212419635"/>
       </p:ext>
     </p:extLst>
   </p:cSld>

--- a/CS205 Poster - Chen Sim 2013.pptx
+++ b/CS205 Poster - Chen Sim 2013.pptx
@@ -203,7 +203,7 @@
             <a:fld id="{E6CC2317-6751-4CD4-9995-8782DD78E936}" type="datetimeFigureOut">
               <a:rPr lang="en-US" smtClean="0"/>
               <a:pPr/>
-              <a:t>11/28/2013</a:t>
+              <a:t>12/3/2013</a:t>
             </a:fld>
             <a:endParaRPr lang="en-US" dirty="0"/>
           </a:p>
@@ -374,7 +374,7 @@
     </p:spTree>
     <p:extLst>
       <p:ext uri="{BB962C8B-B14F-4D97-AF65-F5344CB8AC3E}">
-        <p14:creationId xmlns="" xmlns:p14="http://schemas.microsoft.com/office/powerpoint/2010/main" val="3784840913"/>
+        <p14:creationId xmlns:p14="http://schemas.microsoft.com/office/powerpoint/2010/main" xmlns="" val="3784840913"/>
       </p:ext>
     </p:extLst>
   </p:cSld>
@@ -11433,7 +11433,12 @@
             <p:ph type="body" sz="quarter" idx="10"/>
           </p:nvPr>
         </p:nvSpPr>
-        <p:spPr/>
+        <p:spPr>
+          <a:xfrm>
+            <a:off x="678141" y="4140097"/>
+            <a:ext cx="7542610" cy="6362396"/>
+          </a:xfrm>
+        </p:spPr>
         <p:txBody>
           <a:bodyPr/>
           <a:lstStyle/>
@@ -11454,26 +11459,158 @@
               <a:rPr lang="en-US" dirty="0" smtClean="0">
                 <a:latin typeface="Constantia" pitchFamily="18" charset="0"/>
               </a:rPr>
-              <a:t>) is a board game….</a:t>
+              <a:t>) is a </a:t>
+            </a:r>
+            <a:r>
+              <a:rPr lang="en-US" dirty="0" smtClean="0">
+                <a:latin typeface="Constantia" pitchFamily="18" charset="0"/>
+              </a:rPr>
+              <a:t>2-player, zero-sum board game normally played on a 15x15 grid.  The players alternate turns, placing a piece anywher</a:t>
+            </a:r>
+            <a:r>
+              <a:rPr lang="en-US" dirty="0" smtClean="0">
+                <a:latin typeface="Constantia" pitchFamily="18" charset="0"/>
+              </a:rPr>
+              <a:t>e on the grid.  The first to have at least 5 pieces in a row (horizontally, vertically or diagonally) wins.</a:t>
+            </a:r>
+          </a:p>
+          <a:p>
+            <a:r>
+              <a:rPr lang="en-US" dirty="0" smtClean="0">
+                <a:latin typeface="Constantia" pitchFamily="18" charset="0"/>
+              </a:rPr>
+              <a:t>We were inspired to create an AI for Connect-5 after both seeing </a:t>
             </a:r>
             <a:r>
               <a:rPr lang="en-US" dirty="0" err="1" smtClean="0">
                 <a:latin typeface="Constantia" pitchFamily="18" charset="0"/>
               </a:rPr>
-              <a:t>yada</a:t>
+              <a:t>Cris</a:t>
             </a:r>
             <a:r>
               <a:rPr lang="en-US" dirty="0" smtClean="0">
                 <a:latin typeface="Constantia" pitchFamily="18" charset="0"/>
               </a:rPr>
-              <a:t> </a:t>
+              <a:t>’ Connect-4 parallel AI as well as reading about game state trees for tic-tac-toe.  Such zero-sum games are perfect candidates for </a:t>
             </a:r>
             <a:r>
               <a:rPr lang="en-US" dirty="0" err="1" smtClean="0">
                 <a:latin typeface="Constantia" pitchFamily="18" charset="0"/>
               </a:rPr>
-              <a:t>yada</a:t>
-            </a:r>
+              <a:t>minimax</a:t>
+            </a:r>
+            <a:r>
+              <a:rPr lang="en-US" dirty="0" smtClean="0">
+                <a:latin typeface="Constantia" pitchFamily="18" charset="0"/>
+              </a:rPr>
+              <a:t> game state trees with further optimization from </a:t>
+            </a:r>
+            <a:r>
+              <a:rPr lang="el-GR" dirty="0" smtClean="0">
+                <a:latin typeface="Cambria Math"/>
+                <a:ea typeface="Cambria Math"/>
+              </a:rPr>
+              <a:t>α</a:t>
+            </a:r>
+            <a:r>
+              <a:rPr lang="en-US" dirty="0" smtClean="0">
+                <a:latin typeface="Cambria Math"/>
+                <a:ea typeface="Cambria Math"/>
+              </a:rPr>
+              <a:t>-</a:t>
+            </a:r>
+            <a:r>
+              <a:rPr lang="el-GR" dirty="0" smtClean="0">
+                <a:latin typeface="Cambria Math"/>
+                <a:ea typeface="Cambria Math"/>
+              </a:rPr>
+              <a:t>β</a:t>
+            </a:r>
+            <a:r>
+              <a:rPr lang="en-US" dirty="0" smtClean="0">
+                <a:latin typeface="Cambria Math"/>
+                <a:ea typeface="Cambria Math"/>
+              </a:rPr>
+              <a:t> pruning.  An expansion to Connect-5 as compared to Connect-4 brings the follow challenges we seek to address with parallel approaches:</a:t>
+            </a:r>
+          </a:p>
+          <a:p>
+            <a:pPr marL="342900" indent="-342900">
+              <a:buAutoNum type="arabicParenR"/>
+            </a:pPr>
+            <a:r>
+              <a:rPr lang="en-US" dirty="0" smtClean="0">
+                <a:latin typeface="Cambria Math"/>
+                <a:ea typeface="Cambria Math"/>
+              </a:rPr>
+              <a:t>The number of possible moves per turn increases by 20-30 fold depending on the size of the Connect-4 since pieces fall to the bottom in Connect-4 thus making Connect-4 moves 1D compared to the 2D possibilities of Connect-5.  This in turn magnifies our search space per ply as well.</a:t>
+            </a:r>
+          </a:p>
+          <a:p>
+            <a:pPr marL="342900" indent="-342900">
+              <a:buAutoNum type="arabicParenR"/>
+            </a:pPr>
+            <a:r>
+              <a:rPr lang="en-US" dirty="0" smtClean="0">
+                <a:latin typeface="Cambria Math"/>
+                <a:ea typeface="Cambria Math"/>
+              </a:rPr>
+              <a:t>With a larger search space, there will be more room for optimization, with possibly different approaches at different times in the game (early vs. late), including tree-ordering, </a:t>
+            </a:r>
+            <a:r>
+              <a:rPr lang="el-GR" dirty="0" smtClean="0">
+                <a:latin typeface="Cambria Math"/>
+                <a:ea typeface="Cambria Math"/>
+              </a:rPr>
+              <a:t>α</a:t>
+            </a:r>
+            <a:r>
+              <a:rPr lang="en-US" dirty="0" smtClean="0">
+                <a:latin typeface="Cambria Math"/>
+                <a:ea typeface="Cambria Math"/>
+              </a:rPr>
+              <a:t>-</a:t>
+            </a:r>
+            <a:r>
+              <a:rPr lang="el-GR" dirty="0" smtClean="0">
+                <a:latin typeface="Cambria Math"/>
+                <a:ea typeface="Cambria Math"/>
+              </a:rPr>
+              <a:t>β</a:t>
+            </a:r>
+            <a:r>
+              <a:rPr lang="en-US" dirty="0" smtClean="0">
+                <a:latin typeface="Cambria Math"/>
+                <a:ea typeface="Cambria Math"/>
+              </a:rPr>
+              <a:t> pruning and other possible techniques</a:t>
+            </a:r>
+          </a:p>
+          <a:p>
+            <a:pPr marL="342900" indent="-342900">
+              <a:buAutoNum type="arabicParenR"/>
+            </a:pPr>
+            <a:r>
+              <a:rPr lang="en-US" dirty="0" smtClean="0">
+                <a:latin typeface="Cambria Math"/>
+                <a:ea typeface="Cambria Math"/>
+              </a:rPr>
+              <a:t>Extending the winning sequence by 1 results in the possibility of more complex heuristics to score each game state, allowing for various strategies including trap-setting such a double, open-ended 3’s</a:t>
+            </a:r>
+          </a:p>
+          <a:p>
+            <a:pPr marL="342900" indent="-342900">
+              <a:buAutoNum type="arabicParenR"/>
+            </a:pPr>
+            <a:endParaRPr lang="en-US" dirty="0" smtClean="0">
+              <a:latin typeface="Cambria Math"/>
+              <a:ea typeface="Cambria Math"/>
+            </a:endParaRPr>
+          </a:p>
+          <a:p>
+            <a:pPr marL="342900" indent="-342900">
+              <a:buAutoNum type="arabicParenR"/>
+            </a:pPr>
             <a:endParaRPr lang="en-US" dirty="0">
               <a:latin typeface="Constantia" pitchFamily="18" charset="0"/>
             </a:endParaRPr>
@@ -11492,7 +11629,7 @@
         </p:nvSpPr>
         <p:spPr>
           <a:xfrm>
-            <a:off x="691756" y="3464327"/>
+            <a:off x="691756" y="3510047"/>
             <a:ext cx="7536656" cy="624326"/>
           </a:xfrm>
         </p:spPr>
@@ -11522,18 +11659,143 @@
             <p:ph type="body" sz="quarter" idx="19"/>
           </p:nvPr>
         </p:nvSpPr>
-        <p:spPr/>
+        <p:spPr>
+          <a:xfrm>
+            <a:off x="651856" y="12730499"/>
+            <a:ext cx="7543800" cy="1880899"/>
+          </a:xfrm>
+        </p:spPr>
         <p:txBody>
           <a:bodyPr/>
           <a:lstStyle/>
           <a:p>
             <a:r>
               <a:rPr lang="en-US" dirty="0" smtClean="0">
+                <a:solidFill>
+                  <a:srgbClr val="FF0000"/>
+                </a:solidFill>
                 <a:latin typeface="Constantia" pitchFamily="18" charset="0"/>
               </a:rPr>
-              <a:t>Diagram to show the game state tree</a:t>
+              <a:t>Diagram to show the game state </a:t>
+            </a:r>
+            <a:r>
+              <a:rPr lang="en-US" dirty="0" smtClean="0">
+                <a:solidFill>
+                  <a:srgbClr val="FF0000"/>
+                </a:solidFill>
+                <a:latin typeface="Constantia" pitchFamily="18" charset="0"/>
+              </a:rPr>
+              <a:t>tree</a:t>
+            </a:r>
+          </a:p>
+          <a:p>
+            <a:r>
+              <a:rPr lang="en-US" dirty="0" smtClean="0">
+                <a:solidFill>
+                  <a:srgbClr val="FF0000"/>
+                </a:solidFill>
+                <a:latin typeface="Constantia" pitchFamily="18" charset="0"/>
+              </a:rPr>
+              <a:t>Talk about the </a:t>
+            </a:r>
+            <a:r>
+              <a:rPr lang="en-US" dirty="0" err="1" smtClean="0">
+                <a:solidFill>
+                  <a:srgbClr val="FF0000"/>
+                </a:solidFill>
+                <a:latin typeface="Constantia" pitchFamily="18" charset="0"/>
+              </a:rPr>
+              <a:t>minimax</a:t>
+            </a:r>
+            <a:r>
+              <a:rPr lang="en-US" dirty="0" smtClean="0">
+                <a:solidFill>
+                  <a:srgbClr val="FF0000"/>
+                </a:solidFill>
+                <a:latin typeface="Constantia" pitchFamily="18" charset="0"/>
+              </a:rPr>
+              <a:t> recursive design</a:t>
+            </a:r>
+          </a:p>
+          <a:p>
+            <a:r>
+              <a:rPr lang="en-US" dirty="0" smtClean="0">
+                <a:solidFill>
+                  <a:srgbClr val="FF0000"/>
+                </a:solidFill>
+                <a:latin typeface="Constantia" pitchFamily="18" charset="0"/>
+              </a:rPr>
+              <a:t>Talk about the various </a:t>
+            </a:r>
+            <a:r>
+              <a:rPr lang="en-US" dirty="0" err="1" smtClean="0">
+                <a:solidFill>
+                  <a:srgbClr val="FF0000"/>
+                </a:solidFill>
+                <a:latin typeface="Constantia" pitchFamily="18" charset="0"/>
+              </a:rPr>
+              <a:t>herusitcs</a:t>
+            </a:r>
+            <a:r>
+              <a:rPr lang="en-US" dirty="0" smtClean="0">
+                <a:solidFill>
+                  <a:srgbClr val="FF0000"/>
+                </a:solidFill>
+                <a:latin typeface="Constantia" pitchFamily="18" charset="0"/>
+              </a:rPr>
+              <a:t> to use, </a:t>
+            </a:r>
+            <a:r>
+              <a:rPr lang="en-US" dirty="0" err="1" smtClean="0">
+                <a:solidFill>
+                  <a:srgbClr val="FF0000"/>
+                </a:solidFill>
+                <a:latin typeface="Constantia" pitchFamily="18" charset="0"/>
+              </a:rPr>
+              <a:t>includign</a:t>
+            </a:r>
+            <a:r>
+              <a:rPr lang="en-US" dirty="0" smtClean="0">
+                <a:solidFill>
+                  <a:srgbClr val="FF0000"/>
+                </a:solidFill>
+                <a:latin typeface="Constantia" pitchFamily="18" charset="0"/>
+              </a:rPr>
+              <a:t> our current </a:t>
+            </a:r>
+            <a:r>
+              <a:rPr lang="en-US" dirty="0" err="1" smtClean="0">
+                <a:solidFill>
+                  <a:srgbClr val="FF0000"/>
+                </a:solidFill>
+                <a:latin typeface="Constantia" pitchFamily="18" charset="0"/>
+              </a:rPr>
+              <a:t>xinarow</a:t>
+            </a:r>
+            <a:r>
+              <a:rPr lang="en-US" dirty="0" smtClean="0">
+                <a:solidFill>
+                  <a:srgbClr val="FF0000"/>
+                </a:solidFill>
+                <a:latin typeface="Constantia" pitchFamily="18" charset="0"/>
+              </a:rPr>
+              <a:t> counter</a:t>
+            </a:r>
+          </a:p>
+          <a:p>
+            <a:r>
+              <a:rPr lang="en-US" dirty="0" smtClean="0">
+                <a:solidFill>
+                  <a:srgbClr val="FF0000"/>
+                </a:solidFill>
+                <a:latin typeface="Constantia" pitchFamily="18" charset="0"/>
+              </a:rPr>
+              <a:t>Also place a graphic</a:t>
             </a:r>
             <a:endParaRPr lang="en-US" dirty="0">
+              <a:solidFill>
+                <a:srgbClr val="FF0000"/>
+              </a:solidFill>
               <a:latin typeface="Constantia" pitchFamily="18" charset="0"/>
             </a:endParaRPr>
           </a:p>
@@ -11551,7 +11813,7 @@
         </p:nvSpPr>
         <p:spPr>
           <a:xfrm>
-            <a:off x="691754" y="9428843"/>
+            <a:off x="678141" y="11041601"/>
             <a:ext cx="7537847" cy="624326"/>
           </a:xfrm>
         </p:spPr>
@@ -11587,7 +11849,12 @@
             <p:ph type="body" sz="quarter" idx="21"/>
           </p:nvPr>
         </p:nvSpPr>
-        <p:spPr/>
+        <p:spPr>
+          <a:xfrm>
+            <a:off x="8687069" y="4026220"/>
+            <a:ext cx="15540036" cy="7254677"/>
+          </a:xfrm>
+        </p:spPr>
         <p:txBody>
           <a:bodyPr/>
           <a:lstStyle/>
@@ -11596,9 +11863,129 @@
               <a:rPr lang="en-US" dirty="0" smtClean="0">
                 <a:latin typeface="Constantia" pitchFamily="18" charset="0"/>
               </a:rPr>
-              <a:t>Discussion/Algorithm</a:t>
-            </a:r>
-            <a:endParaRPr lang="en-US" dirty="0">
+              <a:t>A </a:t>
+            </a:r>
+            <a:r>
+              <a:rPr lang="en-US" dirty="0" err="1" smtClean="0">
+                <a:latin typeface="Constantia" pitchFamily="18" charset="0"/>
+              </a:rPr>
+              <a:t>minimax</a:t>
+            </a:r>
+            <a:r>
+              <a:rPr lang="en-US" dirty="0" smtClean="0">
+                <a:latin typeface="Constantia" pitchFamily="18" charset="0"/>
+              </a:rPr>
+              <a:t> game tree is an embarrassingly parallel problem.  For each ply, one more depth of all possible moves must be evaluated.  If we do not consider any optimization, which we will not in this section, our full game tree can be evenly divided if we break off the work at the first layer.  Thus, each processor will handle a subset of depth (max-1) trees, or in other words, each processor will examine  all the future moves based on fixing a subset of the immediate next move.  We plan to use MPI communication.  </a:t>
+            </a:r>
+            <a:r>
+              <a:rPr lang="en-US" dirty="0" smtClean="0">
+                <a:latin typeface="Constantia" pitchFamily="18" charset="0"/>
+              </a:rPr>
+              <a:t>Master-slave  approaches may be implemented  but with a pure </a:t>
+            </a:r>
+            <a:r>
+              <a:rPr lang="en-US" dirty="0" err="1" smtClean="0">
+                <a:latin typeface="Constantia" pitchFamily="18" charset="0"/>
+              </a:rPr>
+              <a:t>minimax</a:t>
+            </a:r>
+            <a:r>
+              <a:rPr lang="en-US" dirty="0" smtClean="0">
+                <a:latin typeface="Constantia" pitchFamily="18" charset="0"/>
+              </a:rPr>
+              <a:t> tree, the load will always be balanced and therefore scatter/gather methods may be simpler </a:t>
+            </a:r>
+            <a:r>
+              <a:rPr lang="en-US" smtClean="0">
+                <a:latin typeface="Constantia" pitchFamily="18" charset="0"/>
+              </a:rPr>
+              <a:t>to implement</a:t>
+            </a:r>
+            <a:endParaRPr lang="en-US" dirty="0" smtClean="0">
+              <a:latin typeface="Constantia" pitchFamily="18" charset="0"/>
+            </a:endParaRPr>
+          </a:p>
+          <a:p>
+            <a:endParaRPr lang="en-US" dirty="0" smtClean="0">
+              <a:latin typeface="Constantia" pitchFamily="18" charset="0"/>
+            </a:endParaRPr>
+          </a:p>
+          <a:p>
+            <a:r>
+              <a:rPr lang="en-US" dirty="0" smtClean="0">
+                <a:solidFill>
+                  <a:srgbClr val="FF0000"/>
+                </a:solidFill>
+                <a:latin typeface="Constantia" pitchFamily="18" charset="0"/>
+              </a:rPr>
+              <a:t>Get graphic similar to the one before just with the different primary branches colored differently or boxed for each processor</a:t>
+            </a:r>
+          </a:p>
+          <a:p>
+            <a:endParaRPr lang="en-US" dirty="0" smtClean="0">
+              <a:latin typeface="Constantia" pitchFamily="18" charset="0"/>
+            </a:endParaRPr>
+          </a:p>
+          <a:p>
+            <a:endParaRPr lang="en-US" dirty="0" smtClean="0">
+              <a:latin typeface="Constantia" pitchFamily="18" charset="0"/>
+            </a:endParaRPr>
+          </a:p>
+          <a:p>
+            <a:endParaRPr lang="en-US" dirty="0" smtClean="0">
+              <a:latin typeface="Constantia" pitchFamily="18" charset="0"/>
+            </a:endParaRPr>
+          </a:p>
+          <a:p>
+            <a:endParaRPr lang="en-US" dirty="0" smtClean="0">
+              <a:latin typeface="Constantia" pitchFamily="18" charset="0"/>
+            </a:endParaRPr>
+          </a:p>
+          <a:p>
+            <a:endParaRPr lang="en-US" dirty="0" smtClean="0">
+              <a:latin typeface="Constantia" pitchFamily="18" charset="0"/>
+            </a:endParaRPr>
+          </a:p>
+          <a:p>
+            <a:endParaRPr lang="en-US" dirty="0" smtClean="0">
+              <a:latin typeface="Constantia" pitchFamily="18" charset="0"/>
+            </a:endParaRPr>
+          </a:p>
+          <a:p>
+            <a:endParaRPr lang="en-US" dirty="0" smtClean="0">
+              <a:latin typeface="Constantia" pitchFamily="18" charset="0"/>
+            </a:endParaRPr>
+          </a:p>
+          <a:p>
+            <a:endParaRPr lang="en-US" dirty="0" smtClean="0">
+              <a:latin typeface="Constantia" pitchFamily="18" charset="0"/>
+            </a:endParaRPr>
+          </a:p>
+          <a:p>
+            <a:endParaRPr lang="en-US" dirty="0" smtClean="0">
+              <a:latin typeface="Constantia" pitchFamily="18" charset="0"/>
+            </a:endParaRPr>
+          </a:p>
+          <a:p>
+            <a:endParaRPr lang="en-US" dirty="0" smtClean="0">
+              <a:latin typeface="Constantia" pitchFamily="18" charset="0"/>
+            </a:endParaRPr>
+          </a:p>
+          <a:p>
+            <a:endParaRPr lang="en-US" dirty="0" smtClean="0">
+              <a:latin typeface="Constantia" pitchFamily="18" charset="0"/>
+            </a:endParaRPr>
+          </a:p>
+          <a:p>
+            <a:r>
+              <a:rPr lang="en-US" dirty="0" smtClean="0">
+                <a:latin typeface="Constantia" pitchFamily="18" charset="0"/>
+              </a:rPr>
+              <a:t>In principle, the heuristic computation could also be done by GPU but because of the nature of the various heuristics – only needing to check the immediate squares affected by the last move played, the actual heuristic computation is not as time consuming as simply computing over the space of possible game states.</a:t>
+            </a:r>
+          </a:p>
+          <a:p>
+            <a:endParaRPr lang="en-US" dirty="0" smtClean="0">
               <a:latin typeface="Constantia" pitchFamily="18" charset="0"/>
             </a:endParaRPr>
           </a:p>
@@ -11658,7 +12045,12 @@
             <p:ph type="body" sz="quarter" idx="23"/>
           </p:nvPr>
         </p:nvSpPr>
-        <p:spPr/>
+        <p:spPr>
+          <a:xfrm>
+            <a:off x="8687068" y="17648029"/>
+            <a:ext cx="15540038" cy="3210493"/>
+          </a:xfrm>
+        </p:spPr>
         <p:txBody>
           <a:bodyPr/>
           <a:lstStyle/>
@@ -11667,11 +12059,240 @@
               <a:rPr lang="en-US" dirty="0" smtClean="0">
                 <a:latin typeface="Constantia" pitchFamily="18" charset="0"/>
               </a:rPr>
-              <a:t>Discussion/Algorithm</a:t>
-            </a:r>
-            <a:endParaRPr lang="en-US" dirty="0">
-              <a:latin typeface="Constantia" pitchFamily="18" charset="0"/>
-            </a:endParaRPr>
+              <a:t>Parallelizing search space reduction is an area that we will experiment with.  </a:t>
+            </a:r>
+            <a:r>
+              <a:rPr lang="en-US" dirty="0" smtClean="0">
+                <a:latin typeface="Constantia" pitchFamily="18" charset="0"/>
+              </a:rPr>
+              <a:t>The easiest technique would be  to run this optimization portion serially, - meaning each processor will use the optimization algorithm from its own first node and below.  This should give a speedup over the non-pruned version.  However, this setup will not allow for the information on one branch to prune the other branches.</a:t>
+            </a:r>
+            <a:r>
+              <a:rPr lang="en-US" dirty="0" smtClean="0">
+                <a:latin typeface="Constantia" pitchFamily="18" charset="0"/>
+              </a:rPr>
+              <a:t> </a:t>
+            </a:r>
+            <a:r>
+              <a:rPr lang="en-US" dirty="0" smtClean="0">
+                <a:latin typeface="Constantia" pitchFamily="18" charset="0"/>
+              </a:rPr>
+              <a:t> As discussed above, full </a:t>
+            </a:r>
+            <a:r>
+              <a:rPr lang="el-GR" dirty="0" smtClean="0">
+                <a:latin typeface="Cambria Math"/>
+                <a:ea typeface="Cambria Math"/>
+              </a:rPr>
+              <a:t>α</a:t>
+            </a:r>
+            <a:r>
+              <a:rPr lang="en-US" dirty="0" smtClean="0">
+                <a:latin typeface="Cambria Math"/>
+                <a:ea typeface="Cambria Math"/>
+              </a:rPr>
+              <a:t>-</a:t>
+            </a:r>
+            <a:r>
+              <a:rPr lang="el-GR" dirty="0" smtClean="0">
+                <a:latin typeface="Cambria Math"/>
+                <a:ea typeface="Cambria Math"/>
+              </a:rPr>
+              <a:t>β</a:t>
+            </a:r>
+            <a:r>
+              <a:rPr lang="en-US" dirty="0" smtClean="0">
+                <a:latin typeface="Cambria Math"/>
+                <a:ea typeface="Cambria Math"/>
+              </a:rPr>
+              <a:t> is naturally a serial algorithm as the more that is searched serially allows for more pruning to follow. </a:t>
+            </a:r>
+            <a:r>
+              <a:rPr lang="en-US" dirty="0" smtClean="0">
+                <a:latin typeface="Cambria Math"/>
+                <a:ea typeface="Cambria Math"/>
+              </a:rPr>
+              <a:t> </a:t>
+            </a:r>
+            <a:r>
+              <a:rPr lang="en-US" dirty="0" smtClean="0">
+                <a:latin typeface="Cambria Math"/>
+                <a:ea typeface="Cambria Math"/>
+              </a:rPr>
+              <a:t>Below are a couple of methods we have considered to parallelize </a:t>
+            </a:r>
+            <a:r>
+              <a:rPr lang="el-GR" dirty="0" smtClean="0">
+                <a:latin typeface="Cambria Math"/>
+                <a:ea typeface="Cambria Math"/>
+              </a:rPr>
+              <a:t>α</a:t>
+            </a:r>
+            <a:r>
+              <a:rPr lang="en-US" dirty="0" smtClean="0">
+                <a:latin typeface="Cambria Math"/>
+                <a:ea typeface="Cambria Math"/>
+              </a:rPr>
+              <a:t>-</a:t>
+            </a:r>
+            <a:r>
+              <a:rPr lang="el-GR" dirty="0" smtClean="0">
+                <a:latin typeface="Cambria Math"/>
+                <a:ea typeface="Cambria Math"/>
+              </a:rPr>
+              <a:t>β</a:t>
+            </a:r>
+            <a:r>
+              <a:rPr lang="en-US" dirty="0" smtClean="0">
+                <a:latin typeface="Cambria Math"/>
+                <a:ea typeface="Cambria Math"/>
+              </a:rPr>
+              <a:t> pruning if necessary:</a:t>
+            </a:r>
+          </a:p>
+          <a:p>
+            <a:r>
+              <a:rPr lang="en-US" dirty="0" smtClean="0">
+                <a:latin typeface="Cambria Math"/>
+                <a:ea typeface="Cambria Math"/>
+              </a:rPr>
+              <a:t>1) One processor  will be dedicated to sampling evenly from all the processor’s branches a set of states from which it will constantly update and broadcast the </a:t>
+            </a:r>
+            <a:r>
+              <a:rPr lang="el-GR" dirty="0" smtClean="0">
+                <a:latin typeface="Cambria Math"/>
+                <a:ea typeface="Cambria Math"/>
+              </a:rPr>
+              <a:t>α</a:t>
+            </a:r>
+            <a:r>
+              <a:rPr lang="en-US" dirty="0" smtClean="0">
+                <a:latin typeface="Cambria Math"/>
+                <a:ea typeface="Cambria Math"/>
+              </a:rPr>
+              <a:t>-</a:t>
+            </a:r>
+            <a:r>
+              <a:rPr lang="el-GR" dirty="0" smtClean="0">
+                <a:latin typeface="Cambria Math"/>
+                <a:ea typeface="Cambria Math"/>
+              </a:rPr>
+              <a:t>β</a:t>
+            </a:r>
+            <a:r>
+              <a:rPr lang="en-US" dirty="0" smtClean="0">
+                <a:latin typeface="Cambria Math"/>
+                <a:ea typeface="Cambria Math"/>
+              </a:rPr>
+              <a:t> values that will be used for pruning – this will not always result in the mot optimal </a:t>
+            </a:r>
+            <a:r>
+              <a:rPr lang="el-GR" dirty="0" smtClean="0">
+                <a:latin typeface="Cambria Math"/>
+                <a:ea typeface="Cambria Math"/>
+              </a:rPr>
+              <a:t>α</a:t>
+            </a:r>
+            <a:r>
+              <a:rPr lang="en-US" dirty="0" smtClean="0">
+                <a:latin typeface="Cambria Math"/>
+                <a:ea typeface="Cambria Math"/>
+              </a:rPr>
+              <a:t>-</a:t>
+            </a:r>
+            <a:r>
+              <a:rPr lang="el-GR" dirty="0" smtClean="0">
+                <a:latin typeface="Cambria Math"/>
+                <a:ea typeface="Cambria Math"/>
+              </a:rPr>
+              <a:t>β</a:t>
+            </a:r>
+            <a:r>
+              <a:rPr lang="en-US" dirty="0" smtClean="0">
+                <a:latin typeface="Cambria Math"/>
+                <a:ea typeface="Cambria Math"/>
+              </a:rPr>
+              <a:t> to prune with but will allow the most parallel work to be done</a:t>
+            </a:r>
+          </a:p>
+          <a:p>
+            <a:r>
+              <a:rPr lang="en-US" dirty="0" smtClean="0">
+                <a:latin typeface="Cambria Math"/>
+                <a:ea typeface="Cambria Math"/>
+              </a:rPr>
+              <a:t>2) Each processor will </a:t>
+            </a:r>
+            <a:r>
+              <a:rPr lang="en-US" dirty="0" err="1" smtClean="0">
+                <a:latin typeface="Cambria Math"/>
+                <a:ea typeface="Cambria Math"/>
+              </a:rPr>
+              <a:t>asynchonously</a:t>
+            </a:r>
+            <a:r>
+              <a:rPr lang="en-US" dirty="0" smtClean="0">
+                <a:latin typeface="Cambria Math"/>
+                <a:ea typeface="Cambria Math"/>
+              </a:rPr>
+              <a:t> send and receive current best </a:t>
+            </a:r>
+            <a:r>
+              <a:rPr lang="el-GR" dirty="0" smtClean="0">
+                <a:latin typeface="Cambria Math"/>
+                <a:ea typeface="Cambria Math"/>
+              </a:rPr>
+              <a:t>α</a:t>
+            </a:r>
+            <a:r>
+              <a:rPr lang="en-US" dirty="0" smtClean="0">
+                <a:latin typeface="Cambria Math"/>
+                <a:ea typeface="Cambria Math"/>
+              </a:rPr>
+              <a:t>-</a:t>
+            </a:r>
+            <a:r>
+              <a:rPr lang="el-GR" dirty="0" smtClean="0">
+                <a:latin typeface="Cambria Math"/>
+                <a:ea typeface="Cambria Math"/>
+              </a:rPr>
+              <a:t>β</a:t>
+            </a:r>
+            <a:r>
+              <a:rPr lang="en-US" dirty="0" smtClean="0">
+                <a:latin typeface="Cambria Math"/>
+                <a:ea typeface="Cambria Math"/>
+              </a:rPr>
+              <a:t> values for every other processor to see and use to prune.  This should result in full pruning but may have issues with simultaneous updates when two processors try to update the “new” best </a:t>
+            </a:r>
+            <a:r>
+              <a:rPr lang="el-GR" dirty="0" smtClean="0">
+                <a:latin typeface="Cambria Math"/>
+                <a:ea typeface="Cambria Math"/>
+              </a:rPr>
+              <a:t>α</a:t>
+            </a:r>
+            <a:r>
+              <a:rPr lang="en-US" dirty="0" smtClean="0">
+                <a:latin typeface="Cambria Math"/>
+                <a:ea typeface="Cambria Math"/>
+              </a:rPr>
+              <a:t>-</a:t>
+            </a:r>
+            <a:r>
+              <a:rPr lang="el-GR" dirty="0" smtClean="0">
+                <a:latin typeface="Cambria Math"/>
+                <a:ea typeface="Cambria Math"/>
+              </a:rPr>
+              <a:t>β</a:t>
+            </a:r>
+            <a:r>
+              <a:rPr lang="en-US" dirty="0" smtClean="0">
+                <a:latin typeface="Cambria Math"/>
+                <a:ea typeface="Cambria Math"/>
+              </a:rPr>
+              <a:t> values</a:t>
+            </a:r>
           </a:p>
         </p:txBody>
       </p:sp>
@@ -11687,8 +12308,8 @@
         </p:nvSpPr>
         <p:spPr>
           <a:xfrm>
-            <a:off x="8687068" y="14003665"/>
-            <a:ext cx="15540038" cy="624326"/>
+            <a:off x="8687067" y="16594602"/>
+            <a:ext cx="15540038" cy="1116768"/>
           </a:xfrm>
         </p:spPr>
         <p:txBody>
@@ -11699,19 +12320,124 @@
               <a:rPr lang="en-US" sz="3200" u="none" dirty="0" smtClean="0">
                 <a:latin typeface="Constantia" pitchFamily="18" charset="0"/>
               </a:rPr>
-              <a:t>Parallelizing Complexity Reduction via </a:t>
-            </a:r>
-            <a:r>
-              <a:rPr lang="en-US" sz="3200" u="none" dirty="0" err="1" smtClean="0">
-                <a:latin typeface="Constantia" pitchFamily="18" charset="0"/>
-              </a:rPr>
-              <a:t>Minmax</a:t>
+              <a:t>Parallelizing Complexity Reduction </a:t>
             </a:r>
             <a:r>
               <a:rPr lang="en-US" sz="3200" u="none" dirty="0" smtClean="0">
                 <a:latin typeface="Constantia" pitchFamily="18" charset="0"/>
               </a:rPr>
-              <a:t> Approximation</a:t>
+              <a:t>and Optimization </a:t>
+            </a:r>
+            <a:r>
+              <a:rPr lang="en-US" sz="3200" u="none" dirty="0" smtClean="0">
+                <a:solidFill>
+                  <a:srgbClr val="FF0000"/>
+                </a:solidFill>
+                <a:latin typeface="Constantia" pitchFamily="18" charset="0"/>
+              </a:rPr>
+              <a:t>(</a:t>
+            </a:r>
+            <a:r>
+              <a:rPr lang="en-US" sz="3200" u="none" dirty="0" err="1" smtClean="0">
+                <a:solidFill>
+                  <a:srgbClr val="FF0000"/>
+                </a:solidFill>
+                <a:latin typeface="Constantia" pitchFamily="18" charset="0"/>
+              </a:rPr>
+              <a:t>im</a:t>
+            </a:r>
+            <a:r>
+              <a:rPr lang="en-US" sz="3200" u="none" dirty="0" smtClean="0">
+                <a:solidFill>
+                  <a:srgbClr val="FF0000"/>
+                </a:solidFill>
+                <a:latin typeface="Constantia" pitchFamily="18" charset="0"/>
+              </a:rPr>
+              <a:t> talking about </a:t>
+            </a:r>
+            <a:r>
+              <a:rPr lang="el-GR" sz="3200" u="none" dirty="0" smtClean="0">
+                <a:solidFill>
+                  <a:srgbClr val="FF0000"/>
+                </a:solidFill>
+                <a:latin typeface="Cambria Math"/>
+                <a:ea typeface="Cambria Math"/>
+              </a:rPr>
+              <a:t>α</a:t>
+            </a:r>
+            <a:r>
+              <a:rPr lang="en-US" sz="3200" u="none" dirty="0" smtClean="0">
+                <a:solidFill>
+                  <a:srgbClr val="FF0000"/>
+                </a:solidFill>
+                <a:latin typeface="Cambria Math"/>
+                <a:ea typeface="Cambria Math"/>
+              </a:rPr>
+              <a:t>-</a:t>
+            </a:r>
+            <a:r>
+              <a:rPr lang="el-GR" sz="3200" u="none" dirty="0" smtClean="0">
+                <a:solidFill>
+                  <a:srgbClr val="FF0000"/>
+                </a:solidFill>
+                <a:latin typeface="Cambria Math"/>
+                <a:ea typeface="Cambria Math"/>
+              </a:rPr>
+              <a:t>β</a:t>
+            </a:r>
+            <a:r>
+              <a:rPr lang="en-US" sz="3200" u="none" dirty="0" smtClean="0">
+                <a:solidFill>
+                  <a:srgbClr val="FF0000"/>
+                </a:solidFill>
+                <a:latin typeface="Cambria Math"/>
+                <a:ea typeface="Cambria Math"/>
+              </a:rPr>
+              <a:t> </a:t>
+            </a:r>
+            <a:r>
+              <a:rPr lang="en-US" sz="3200" u="none" dirty="0" smtClean="0">
+                <a:solidFill>
+                  <a:srgbClr val="FF0000"/>
+                </a:solidFill>
+                <a:latin typeface="Constantia" pitchFamily="18" charset="0"/>
+              </a:rPr>
+              <a:t>pruning – hope it makes sense parallel read this for sure)</a:t>
+            </a:r>
+            <a:endParaRPr lang="en-US" sz="3200" u="none" dirty="0">
+              <a:solidFill>
+                <a:srgbClr val="FF0000"/>
+              </a:solidFill>
+              <a:latin typeface="Constantia" pitchFamily="18" charset="0"/>
+            </a:endParaRPr>
+          </a:p>
+        </p:txBody>
+      </p:sp>
+      <p:sp>
+        <p:nvSpPr>
+          <p:cNvPr id="190" name="Text Placeholder 189"/>
+          <p:cNvSpPr>
+            <a:spLocks noGrp="1"/>
+          </p:cNvSpPr>
+          <p:nvPr>
+            <p:ph type="body" sz="quarter" idx="25"/>
+          </p:nvPr>
+        </p:nvSpPr>
+        <p:spPr>
+          <a:xfrm>
+            <a:off x="24679152" y="3464327"/>
+            <a:ext cx="7535264" cy="624326"/>
+          </a:xfrm>
+        </p:spPr>
+        <p:txBody>
+          <a:bodyPr/>
+          <a:lstStyle/>
+          <a:p>
+            <a:r>
+              <a:rPr lang="en-US" sz="3200" u="none" dirty="0" smtClean="0">
+                <a:latin typeface="Constantia" pitchFamily="18" charset="0"/>
+              </a:rPr>
+              <a:t>Current Work</a:t>
             </a:r>
             <a:endParaRPr lang="en-US" sz="3200" u="none" dirty="0">
               <a:latin typeface="Constantia" pitchFamily="18" charset="0"/>
@@ -11721,18 +12447,18 @@
       </p:sp>
       <p:sp>
         <p:nvSpPr>
-          <p:cNvPr id="190" name="Text Placeholder 189"/>
-          <p:cNvSpPr>
-            <a:spLocks noGrp="1"/>
-          </p:cNvSpPr>
-          <p:nvPr>
-            <p:ph type="body" sz="quarter" idx="25"/>
-          </p:nvPr>
-        </p:nvSpPr>
-        <p:spPr>
-          <a:xfrm>
-            <a:off x="24679152" y="3464327"/>
-            <a:ext cx="7535264" cy="624326"/>
+          <p:cNvPr id="191" name="Text Placeholder 190"/>
+          <p:cNvSpPr>
+            <a:spLocks noGrp="1"/>
+          </p:cNvSpPr>
+          <p:nvPr>
+            <p:ph type="body" sz="quarter" idx="26"/>
+          </p:nvPr>
+        </p:nvSpPr>
+        <p:spPr>
+          <a:xfrm>
+            <a:off x="24697336" y="4088653"/>
+            <a:ext cx="7535264" cy="4096890"/>
           </a:xfrm>
         </p:spPr>
         <p:txBody>
@@ -11740,10 +12466,111 @@
           <a:lstStyle/>
           <a:p>
             <a:r>
+              <a:rPr lang="en-US" dirty="0" smtClean="0">
+                <a:latin typeface="Constantia" pitchFamily="18" charset="0"/>
+              </a:rPr>
+              <a:t>We are currently in the midst of parallelizing the </a:t>
+            </a:r>
+            <a:r>
+              <a:rPr lang="en-US" dirty="0" err="1" smtClean="0">
+                <a:latin typeface="Constantia" pitchFamily="18" charset="0"/>
+              </a:rPr>
+              <a:t>minimax</a:t>
+            </a:r>
+            <a:r>
+              <a:rPr lang="en-US" dirty="0" smtClean="0">
+                <a:latin typeface="Constantia" pitchFamily="18" charset="0"/>
+              </a:rPr>
+              <a:t> game tree as well as planning how we chose to parallelize the search space reduction portion.  </a:t>
+            </a:r>
+            <a:r>
+              <a:rPr lang="en-US" dirty="0" smtClean="0">
+                <a:latin typeface="Constantia" pitchFamily="18" charset="0"/>
+              </a:rPr>
+              <a:t>The first step will be to compare the parallelize </a:t>
+            </a:r>
+            <a:r>
+              <a:rPr lang="en-US" dirty="0" err="1" smtClean="0">
+                <a:latin typeface="Constantia" pitchFamily="18" charset="0"/>
+              </a:rPr>
+              <a:t>minimax</a:t>
+            </a:r>
+            <a:r>
+              <a:rPr lang="en-US" dirty="0" smtClean="0">
+                <a:latin typeface="Constantia" pitchFamily="18" charset="0"/>
+              </a:rPr>
+              <a:t> to the </a:t>
+            </a:r>
+            <a:r>
+              <a:rPr lang="en-US" dirty="0" err="1" smtClean="0">
+                <a:latin typeface="Constantia" pitchFamily="18" charset="0"/>
+              </a:rPr>
+              <a:t>serail</a:t>
+            </a:r>
+            <a:r>
+              <a:rPr lang="en-US" dirty="0" smtClean="0">
+                <a:latin typeface="Constantia" pitchFamily="18" charset="0"/>
+              </a:rPr>
+              <a:t> version.  For reference, our serial version, thinking just 2 moves ahead takes 10 seconds per turn pre search-space reduction.  We hope to use these numbers to calculate our efficiency for the parallel version – which we expect something close to 1 – as we are perfectly dividing the number of nodes across the processors if we do not prune the tree beforehand.</a:t>
+            </a:r>
+          </a:p>
+          <a:p>
+            <a:r>
+              <a:rPr lang="en-US" dirty="0" smtClean="0">
+                <a:latin typeface="Constantia" pitchFamily="18" charset="0"/>
+              </a:rPr>
+              <a:t>From there, we will test if further search space parallel methods actually help or are necessary and see how many ply deep we can compute.</a:t>
+            </a:r>
+          </a:p>
+          <a:p>
+            <a:endParaRPr lang="en-US" dirty="0" smtClean="0">
+              <a:latin typeface="Constantia" pitchFamily="18" charset="0"/>
+            </a:endParaRPr>
+          </a:p>
+          <a:p>
+            <a:r>
+              <a:rPr lang="en-US" dirty="0" smtClean="0">
+                <a:solidFill>
+                  <a:srgbClr val="FF0000"/>
+                </a:solidFill>
+                <a:latin typeface="Constantia" pitchFamily="18" charset="0"/>
+              </a:rPr>
+              <a:t>Get graphic of our game board showing a winning state?</a:t>
+            </a:r>
+            <a:endParaRPr lang="en-US" dirty="0">
+              <a:solidFill>
+                <a:srgbClr val="FF0000"/>
+              </a:solidFill>
+              <a:latin typeface="Constantia" pitchFamily="18" charset="0"/>
+            </a:endParaRPr>
+          </a:p>
+        </p:txBody>
+      </p:sp>
+      <p:sp>
+        <p:nvSpPr>
+          <p:cNvPr id="192" name="Text Placeholder 191"/>
+          <p:cNvSpPr>
+            <a:spLocks noGrp="1"/>
+          </p:cNvSpPr>
+          <p:nvPr>
+            <p:ph type="body" sz="quarter" idx="27"/>
+          </p:nvPr>
+        </p:nvSpPr>
+        <p:spPr>
+          <a:xfrm>
+            <a:off x="24675378" y="16650066"/>
+            <a:ext cx="7535264" cy="624326"/>
+          </a:xfrm>
+        </p:spPr>
+        <p:txBody>
+          <a:bodyPr/>
+          <a:lstStyle/>
+          <a:p>
+            <a:r>
               <a:rPr lang="en-US" sz="3200" u="none" dirty="0" smtClean="0">
                 <a:latin typeface="Constantia" pitchFamily="18" charset="0"/>
               </a:rPr>
-              <a:t>Current Work</a:t>
+              <a:t>References</a:t>
             </a:r>
             <a:endParaRPr lang="en-US" sz="3200" u="none" dirty="0">
               <a:latin typeface="Constantia" pitchFamily="18" charset="0"/>
@@ -11753,70 +12580,6 @@
       </p:sp>
       <p:sp>
         <p:nvSpPr>
-          <p:cNvPr id="191" name="Text Placeholder 190"/>
-          <p:cNvSpPr>
-            <a:spLocks noGrp="1"/>
-          </p:cNvSpPr>
-          <p:nvPr>
-            <p:ph type="body" sz="quarter" idx="26"/>
-          </p:nvPr>
-        </p:nvSpPr>
-        <p:spPr>
-          <a:xfrm>
-            <a:off x="24697336" y="4088653"/>
-            <a:ext cx="7535264" cy="883702"/>
-          </a:xfrm>
-        </p:spPr>
-        <p:txBody>
-          <a:bodyPr/>
-          <a:lstStyle/>
-          <a:p>
-            <a:r>
-              <a:rPr lang="en-US" dirty="0" smtClean="0">
-                <a:latin typeface="Constantia" pitchFamily="18" charset="0"/>
-              </a:rPr>
-              <a:t>Plan to implement the proposed parallel algorithm and compare the speedups with the serial version that we have</a:t>
-            </a:r>
-            <a:endParaRPr lang="en-US" dirty="0">
-              <a:latin typeface="Constantia" pitchFamily="18" charset="0"/>
-            </a:endParaRPr>
-          </a:p>
-        </p:txBody>
-      </p:sp>
-      <p:sp>
-        <p:nvSpPr>
-          <p:cNvPr id="192" name="Text Placeholder 191"/>
-          <p:cNvSpPr>
-            <a:spLocks noGrp="1"/>
-          </p:cNvSpPr>
-          <p:nvPr>
-            <p:ph type="body" sz="quarter" idx="27"/>
-          </p:nvPr>
-        </p:nvSpPr>
-        <p:spPr>
-          <a:xfrm>
-            <a:off x="24679152" y="10706977"/>
-            <a:ext cx="7535264" cy="624326"/>
-          </a:xfrm>
-        </p:spPr>
-        <p:txBody>
-          <a:bodyPr/>
-          <a:lstStyle/>
-          <a:p>
-            <a:r>
-              <a:rPr lang="en-US" sz="3200" u="none" dirty="0" smtClean="0">
-                <a:latin typeface="Constantia" pitchFamily="18" charset="0"/>
-              </a:rPr>
-              <a:t>References</a:t>
-            </a:r>
-            <a:endParaRPr lang="en-US" sz="3200" u="none" dirty="0">
-              <a:latin typeface="Constantia" pitchFamily="18" charset="0"/>
-            </a:endParaRPr>
-          </a:p>
-        </p:txBody>
-      </p:sp>
-      <p:sp>
-        <p:nvSpPr>
           <p:cNvPr id="193" name="Text Placeholder 192"/>
           <p:cNvSpPr>
             <a:spLocks noGrp="1"/>
@@ -11827,7 +12590,7 @@
         </p:nvSpPr>
         <p:spPr>
           <a:xfrm>
-            <a:off x="24679152" y="11358130"/>
+            <a:off x="24675378" y="17037270"/>
             <a:ext cx="7539038" cy="606704"/>
           </a:xfrm>
         </p:spPr>
@@ -12720,7 +13483,7 @@
         </p:nvSpPr>
         <p:spPr>
           <a:xfrm>
-            <a:off x="24679152" y="8238320"/>
+            <a:off x="24675378" y="10257255"/>
             <a:ext cx="7535264" cy="624326"/>
           </a:xfrm>
           <a:prstGeom prst="rect">
@@ -12799,8 +13562,8 @@
         </p:nvSpPr>
         <p:spPr>
           <a:xfrm>
-            <a:off x="24697336" y="9125491"/>
-            <a:ext cx="7535264" cy="939102"/>
+            <a:off x="24772732" y="11002087"/>
+            <a:ext cx="7535264" cy="5703483"/>
           </a:xfrm>
           <a:prstGeom prst="rect">
             <a:avLst/>
@@ -12838,7 +13601,55 @@
                 </a:solidFill>
                 <a:latin typeface="Constantia" pitchFamily="18" charset="0"/>
               </a:rPr>
-              <a:t>Discuss symmetry and the more general amortization</a:t>
+              <a:t>There are many ideas to pursue in optimizing our AI.  We recognize that with the limitations on pruning with our parallel case, a well-designed (tree ordering and </a:t>
+            </a:r>
+            <a:r>
+              <a:rPr lang="el-GR" sz="1800" dirty="0" smtClean="0">
+                <a:solidFill>
+                  <a:schemeClr val="accent5">
+                    <a:lumMod val="50000"/>
+                  </a:schemeClr>
+                </a:solidFill>
+                <a:latin typeface="Cambria Math"/>
+                <a:ea typeface="Cambria Math"/>
+              </a:rPr>
+              <a:t>α</a:t>
+            </a:r>
+            <a:r>
+              <a:rPr lang="en-US" sz="1800" dirty="0" smtClean="0">
+                <a:solidFill>
+                  <a:schemeClr val="accent5">
+                    <a:lumMod val="50000"/>
+                  </a:schemeClr>
+                </a:solidFill>
+                <a:latin typeface="Cambria Math"/>
+                <a:ea typeface="Cambria Math"/>
+              </a:rPr>
+              <a:t>-</a:t>
+            </a:r>
+            <a:r>
+              <a:rPr lang="el-GR" sz="1800" dirty="0" smtClean="0">
+                <a:solidFill>
+                  <a:schemeClr val="accent5">
+                    <a:lumMod val="50000"/>
+                  </a:schemeClr>
+                </a:solidFill>
+                <a:latin typeface="Cambria Math"/>
+                <a:ea typeface="Cambria Math"/>
+              </a:rPr>
+              <a:t>β</a:t>
+            </a:r>
+            <a:r>
+              <a:rPr lang="en-US" sz="1800" dirty="0" smtClean="0">
+                <a:solidFill>
+                  <a:schemeClr val="accent5">
+                    <a:lumMod val="50000"/>
+                  </a:schemeClr>
+                </a:solidFill>
+                <a:latin typeface="Cambria Math"/>
+                <a:ea typeface="Cambria Math"/>
+              </a:rPr>
+              <a:t> pruning) may result in faster computations of the game tree during the early stages or when the game board is densely packed.  We would be interested in creating a heuristic in which the AI would determine whether parallel computation would be faster or of serial, full pruning would be faster.</a:t>
             </a:r>
           </a:p>
           <a:p>
@@ -12860,7 +13671,38 @@
               <a:defRPr/>
             </a:pPr>
             <a:r>
-              <a:rPr kumimoji="0" lang="en-US" sz="1800" b="0" i="0" u="none" strike="noStrike" kern="1200" cap="none" spc="0" normalizeH="0" baseline="0" noProof="0" dirty="0" smtClean="0">
+              <a:rPr lang="en-US" sz="1800" noProof="0" dirty="0" smtClean="0">
+                <a:solidFill>
+                  <a:schemeClr val="accent5">
+                    <a:lumMod val="50000"/>
+                  </a:schemeClr>
+                </a:solidFill>
+                <a:latin typeface="Cambria Math"/>
+                <a:ea typeface="Cambria Math"/>
+              </a:rPr>
+              <a:t>We would also like to amortize our game state trees – in which the same game state resulting from a different series of moves would be identified as the same.  A better amortization would even account for symmetry, as our game as 2 reflective and 3 rotational symmetries other than the identity.  This would significantly reduce the computation and would be an ultimate goal, though we find its implementation non-trivial.</a:t>
+            </a:r>
+          </a:p>
+          <a:p>
+            <a:pPr marL="244887" marR="0" lvl="0" indent="-244887" algn="l" defTabSz="3134552" rtl="0" eaLnBrk="1" fontAlgn="auto" latinLnBrk="0" hangingPunct="1">
+              <a:lnSpc>
+                <a:spcPct val="100000"/>
+              </a:lnSpc>
+              <a:spcBef>
+                <a:spcPct val="20000"/>
+              </a:spcBef>
+              <a:spcAft>
+                <a:spcPts val="0"/>
+              </a:spcAft>
+              <a:buClrTx/>
+              <a:buSzTx/>
+              <a:buFont typeface="Arial" pitchFamily="34" charset="0"/>
+              <a:buNone/>
+              <a:tabLst/>
+              <a:defRPr/>
+            </a:pPr>
+            <a:r>
+              <a:rPr kumimoji="0" lang="en-US" sz="1800" b="0" i="0" u="none" strike="noStrike" kern="1200" cap="none" spc="0" normalizeH="0" baseline="0" dirty="0" smtClean="0">
                 <a:ln>
                   <a:noFill/>
                 </a:ln>
@@ -12872,14 +13714,14 @@
                 <a:effectLst/>
                 <a:uLnTx/>
                 <a:uFillTx/>
-                <a:latin typeface="Constantia" pitchFamily="18" charset="0"/>
-                <a:ea typeface="+mn-ea"/>
+                <a:latin typeface="Cambria Math"/>
+                <a:ea typeface="Cambria Math"/>
                 <a:cs typeface="+mn-cs"/>
               </a:rPr>
-              <a:t>Aggressive</a:t>
-            </a:r>
-            <a:r>
-              <a:rPr kumimoji="0" lang="en-US" sz="1800" b="0" i="0" u="none" strike="noStrike" kern="1200" cap="none" spc="0" normalizeH="0" noProof="0" dirty="0" smtClean="0">
+              <a:t>Finally, the nature of the </a:t>
+            </a:r>
+            <a:r>
+              <a:rPr kumimoji="0" lang="en-US" sz="1800" b="0" i="0" u="none" strike="noStrike" kern="1200" cap="none" spc="0" normalizeH="0" baseline="0" dirty="0" err="1" smtClean="0">
                 <a:ln>
                   <a:noFill/>
                 </a:ln>
@@ -12891,11 +13733,73 @@
                 <a:effectLst/>
                 <a:uLnTx/>
                 <a:uFillTx/>
-                <a:latin typeface="Constantia" pitchFamily="18" charset="0"/>
-                <a:ea typeface="+mn-ea"/>
+                <a:latin typeface="Cambria Math"/>
+                <a:ea typeface="Cambria Math"/>
                 <a:cs typeface="+mn-cs"/>
               </a:rPr>
-              <a:t> AIs</a:t>
+              <a:t>minimax</a:t>
+            </a:r>
+            <a:r>
+              <a:rPr kumimoji="0" lang="en-US" sz="1800" b="0" i="0" u="none" strike="noStrike" kern="1200" cap="none" spc="0" normalizeH="0" dirty="0" smtClean="0">
+                <a:ln>
+                  <a:noFill/>
+                </a:ln>
+                <a:solidFill>
+                  <a:schemeClr val="accent5">
+                    <a:lumMod val="50000"/>
+                  </a:schemeClr>
+                </a:solidFill>
+                <a:effectLst/>
+                <a:uLnTx/>
+                <a:uFillTx/>
+                <a:latin typeface="Cambria Math"/>
+                <a:ea typeface="Cambria Math"/>
+                <a:cs typeface="+mn-cs"/>
+              </a:rPr>
+              <a:t> algorithm always assumes perfect play by the opponent and does not capitalize on possible mistakes or traps that a human opponent could make.  Thus it plays very passively but a more aggressive algorithm would deviate from the well-studied </a:t>
+            </a:r>
+            <a:r>
+              <a:rPr kumimoji="0" lang="en-US" sz="1800" b="0" i="0" u="none" strike="noStrike" kern="1200" cap="none" spc="0" normalizeH="0" dirty="0" err="1" smtClean="0">
+                <a:ln>
+                  <a:noFill/>
+                </a:ln>
+                <a:solidFill>
+                  <a:schemeClr val="accent5">
+                    <a:lumMod val="50000"/>
+                  </a:schemeClr>
+                </a:solidFill>
+                <a:effectLst/>
+                <a:uLnTx/>
+                <a:uFillTx/>
+                <a:latin typeface="Cambria Math"/>
+                <a:ea typeface="Cambria Math"/>
+                <a:cs typeface="+mn-cs"/>
+              </a:rPr>
+              <a:t>minimax</a:t>
+            </a:r>
+            <a:r>
+              <a:rPr lang="en-US" sz="1800" dirty="0" smtClean="0">
+                <a:solidFill>
+                  <a:schemeClr val="accent5">
+                    <a:lumMod val="50000"/>
+                  </a:schemeClr>
+                </a:solidFill>
+                <a:latin typeface="Cambria Math"/>
+                <a:ea typeface="Cambria Math"/>
+              </a:rPr>
+              <a:t> </a:t>
+            </a:r>
+            <a:r>
+              <a:rPr lang="en-US" sz="1800" dirty="0" smtClean="0">
+                <a:solidFill>
+                  <a:schemeClr val="accent5">
+                    <a:lumMod val="50000"/>
+                  </a:schemeClr>
+                </a:solidFill>
+                <a:latin typeface="Cambria Math"/>
+                <a:ea typeface="Cambria Math"/>
+              </a:rPr>
+              <a:t>and is also non-trivial.</a:t>
             </a:r>
             <a:endParaRPr kumimoji="0" lang="en-US" sz="1800" b="0" i="0" u="none" strike="noStrike" kern="1200" cap="none" spc="0" normalizeH="0" baseline="0" noProof="0" dirty="0">
               <a:ln>
@@ -12926,8 +13830,8 @@
         </p:nvSpPr>
         <p:spPr>
           <a:xfrm>
-            <a:off x="676949" y="14315828"/>
-            <a:ext cx="7537847" cy="624326"/>
+            <a:off x="8687067" y="10714455"/>
+            <a:ext cx="15540037" cy="624326"/>
           </a:xfrm>
           <a:prstGeom prst="rect">
             <a:avLst/>
@@ -12966,6 +13870,17 @@
                 </a:solidFill>
                 <a:latin typeface="Constantia" pitchFamily="18" charset="0"/>
               </a:rPr>
+              <a:t>Optimization: </a:t>
+            </a:r>
+            <a:r>
+              <a:rPr lang="en-US" sz="3200" b="1" dirty="0" smtClean="0">
+                <a:solidFill>
+                  <a:schemeClr val="accent5">
+                    <a:lumMod val="50000"/>
+                  </a:schemeClr>
+                </a:solidFill>
+                <a:latin typeface="Constantia" pitchFamily="18" charset="0"/>
+              </a:rPr>
               <a:t>α-</a:t>
             </a:r>
             <a:r>
@@ -13016,17 +13931,24 @@
                 <a:ea typeface="+mn-ea"/>
                 <a:cs typeface="+mn-cs"/>
               </a:rPr>
-              <a:t> vs. </a:t>
-            </a:r>
-            <a:r>
-              <a:rPr kumimoji="0" lang="en-US" sz="3200" b="1" i="0" u="none" strike="noStrike" kern="1200" cap="none" spc="0" normalizeH="0" noProof="0" dirty="0" err="1" smtClean="0">
+              <a:t> </a:t>
+            </a:r>
+            <a:r>
+              <a:rPr lang="en-US" sz="3200" b="1" dirty="0" smtClean="0">
+                <a:solidFill>
+                  <a:srgbClr val="FF0000"/>
+                </a:solidFill>
+                <a:latin typeface="Constantia" pitchFamily="18" charset="0"/>
+              </a:rPr>
+              <a:t>or</a:t>
+            </a:r>
+            <a:r>
+              <a:rPr kumimoji="0" lang="en-US" sz="3200" b="1" i="0" u="none" strike="noStrike" kern="1200" cap="none" spc="0" normalizeH="0" noProof="0" dirty="0" smtClean="0">
                 <a:ln>
                   <a:noFill/>
                 </a:ln>
                 <a:solidFill>
-                  <a:schemeClr val="accent5">
-                    <a:lumMod val="50000"/>
-                  </a:schemeClr>
+                  <a:srgbClr val="FF0000"/>
                 </a:solidFill>
                 <a:effectLst/>
                 <a:uLnTx/>
@@ -13035,17 +13957,15 @@
                 <a:ea typeface="+mn-ea"/>
                 <a:cs typeface="+mn-cs"/>
               </a:rPr>
-              <a:t>Minmax</a:t>
-            </a:r>
-            <a:r>
-              <a:rPr kumimoji="0" lang="en-US" sz="3200" b="1" i="0" u="none" strike="noStrike" kern="1200" cap="none" spc="0" normalizeH="0" noProof="0" dirty="0" smtClean="0">
+              <a:t> </a:t>
+            </a:r>
+            <a:r>
+              <a:rPr kumimoji="0" lang="en-US" sz="3200" b="1" i="0" u="none" strike="noStrike" kern="1200" cap="none" spc="0" normalizeH="0" noProof="0" dirty="0" err="1" smtClean="0">
                 <a:ln>
                   <a:noFill/>
                 </a:ln>
                 <a:solidFill>
-                  <a:schemeClr val="accent5">
-                    <a:lumMod val="50000"/>
-                  </a:schemeClr>
+                  <a:srgbClr val="FF0000"/>
                 </a:solidFill>
                 <a:effectLst/>
                 <a:uLnTx/>
@@ -13054,16 +13974,65 @@
                 <a:ea typeface="+mn-ea"/>
                 <a:cs typeface="+mn-cs"/>
               </a:rPr>
-              <a:t> Approx.</a:t>
+              <a:t>Minimax</a:t>
+            </a:r>
+            <a:r>
+              <a:rPr kumimoji="0" lang="en-US" sz="3200" b="1" i="0" u="none" strike="noStrike" kern="1200" cap="none" spc="0" normalizeH="0" noProof="0" dirty="0" smtClean="0">
+                <a:ln>
+                  <a:noFill/>
+                </a:ln>
+                <a:solidFill>
+                  <a:srgbClr val="FF0000"/>
+                </a:solidFill>
+                <a:effectLst/>
+                <a:uLnTx/>
+                <a:uFillTx/>
+                <a:latin typeface="Constantia" pitchFamily="18" charset="0"/>
+                <a:ea typeface="+mn-ea"/>
+                <a:cs typeface="+mn-cs"/>
+              </a:rPr>
+              <a:t> </a:t>
+            </a:r>
+            <a:r>
+              <a:rPr kumimoji="0" lang="en-US" sz="3200" b="1" i="0" u="none" strike="noStrike" kern="1200" cap="none" spc="0" normalizeH="0" noProof="0" dirty="0" smtClean="0">
+                <a:ln>
+                  <a:noFill/>
+                </a:ln>
+                <a:solidFill>
+                  <a:srgbClr val="FF0000"/>
+                </a:solidFill>
+                <a:effectLst/>
+                <a:uLnTx/>
+                <a:uFillTx/>
+                <a:latin typeface="Constantia" pitchFamily="18" charset="0"/>
+                <a:ea typeface="+mn-ea"/>
+                <a:cs typeface="+mn-cs"/>
+              </a:rPr>
+              <a:t>Approx</a:t>
+            </a:r>
+            <a:r>
+              <a:rPr kumimoji="0" lang="en-US" sz="3200" b="1" i="0" u="none" strike="noStrike" kern="1200" cap="none" spc="0" normalizeH="0" noProof="0" dirty="0" smtClean="0">
+                <a:ln>
+                  <a:noFill/>
+                </a:ln>
+                <a:solidFill>
+                  <a:srgbClr val="FF0000"/>
+                </a:solidFill>
+                <a:effectLst/>
+                <a:uLnTx/>
+                <a:uFillTx/>
+                <a:latin typeface="Constantia" pitchFamily="18" charset="0"/>
+                <a:ea typeface="+mn-ea"/>
+                <a:cs typeface="+mn-cs"/>
+              </a:rPr>
+              <a:t>. (the MIT paper) or both?</a:t>
             </a:r>
             <a:endParaRPr kumimoji="0" lang="en-US" sz="3200" b="1" i="0" u="none" strike="noStrike" kern="1200" cap="none" spc="0" normalizeH="0" baseline="0" noProof="0" dirty="0">
               <a:ln>
                 <a:noFill/>
               </a:ln>
               <a:solidFill>
-                <a:schemeClr val="accent5">
-                  <a:lumMod val="50000"/>
-                </a:schemeClr>
+                <a:srgbClr val="FF0000"/>
               </a:solidFill>
               <a:effectLst/>
               <a:uLnTx/>
@@ -13085,8 +14054,8 @@
         </p:nvSpPr>
         <p:spPr>
           <a:xfrm>
-            <a:off x="685801" y="14950500"/>
-            <a:ext cx="7543800" cy="606704"/>
+            <a:off x="8687068" y="11362575"/>
+            <a:ext cx="15540037" cy="606704"/>
           </a:xfrm>
           <a:prstGeom prst="rect">
             <a:avLst/>
@@ -13121,9 +14090,7 @@
                   <a:noFill/>
                 </a:ln>
                 <a:solidFill>
-                  <a:schemeClr val="accent5">
-                    <a:lumMod val="50000"/>
-                  </a:schemeClr>
+                  <a:srgbClr val="FF0000"/>
                 </a:solidFill>
                 <a:effectLst/>
                 <a:uLnTx/>
@@ -13132,16 +14099,31 @@
                 <a:ea typeface="+mn-ea"/>
                 <a:cs typeface="+mn-cs"/>
               </a:rPr>
-              <a:t>Talk about the two serial methods </a:t>
+              <a:t>Talk about the various optimizations or even just pick one +</a:t>
+            </a:r>
+            <a:r>
+              <a:rPr kumimoji="0" lang="en-US" sz="1800" b="0" i="0" u="none" strike="noStrike" kern="1200" cap="none" spc="0" normalizeH="0" noProof="0" dirty="0" smtClean="0">
+                <a:ln>
+                  <a:noFill/>
+                </a:ln>
+                <a:solidFill>
+                  <a:srgbClr val="FF0000"/>
+                </a:solidFill>
+                <a:effectLst/>
+                <a:uLnTx/>
+                <a:uFillTx/>
+                <a:latin typeface="Constantia" pitchFamily="18" charset="0"/>
+                <a:ea typeface="+mn-ea"/>
+                <a:cs typeface="+mn-cs"/>
+              </a:rPr>
+              <a:t> graphic</a:t>
             </a:r>
             <a:endParaRPr kumimoji="0" lang="en-US" sz="1800" b="0" i="0" u="none" strike="noStrike" kern="1200" cap="none" spc="0" normalizeH="0" baseline="0" noProof="0" dirty="0">
               <a:ln>
                 <a:noFill/>
               </a:ln>
               <a:solidFill>
-                <a:schemeClr val="accent5">
-                  <a:lumMod val="50000"/>
-                </a:schemeClr>
+                <a:srgbClr val="FF0000"/>
               </a:solidFill>
               <a:effectLst/>
               <a:uLnTx/>
@@ -13165,7 +14147,7 @@
           <a:blip r:embed="rId2" cstate="print">
             <a:extLst>
               <a:ext uri="{28A0092B-C50C-407E-A947-70E740481C1C}">
-                <a14:useLocalDpi xmlns="" xmlns:a14="http://schemas.microsoft.com/office/drawing/2010/main" val="0"/>
+                <a14:useLocalDpi xmlns:a14="http://schemas.microsoft.com/office/drawing/2010/main" xmlns="" val="0"/>
               </a:ext>
             </a:extLst>
           </a:blip>
@@ -13213,13 +14195,20 @@
     </p:spTree>
     <p:extLst>
       <p:ext uri="{BB962C8B-B14F-4D97-AF65-F5344CB8AC3E}">
-        <p14:creationId xmlns="" xmlns:p14="http://schemas.microsoft.com/office/powerpoint/2010/main" val="2212419635"/>
+        <p14:creationId xmlns:p14="http://schemas.microsoft.com/office/powerpoint/2010/main" xmlns="" val="2212419635"/>
       </p:ext>
     </p:extLst>
   </p:cSld>
   <p:clrMapOvr>
     <a:masterClrMapping/>
   </p:clrMapOvr>
+  <p:timing>
+    <p:tnLst>
+      <p:par>
+        <p:cTn id="1" dur="indefinite" restart="never" nodeType="tmRoot"/>
+      </p:par>
+    </p:tnLst>
+  </p:timing>
 </p:sld>
 </file>
 

--- a/CS205 Poster - Chen Sim 2013.pptx
+++ b/CS205 Poster - Chen Sim 2013.pptx
@@ -374,7 +374,7 @@
     </p:spTree>
     <p:extLst>
       <p:ext uri="{BB962C8B-B14F-4D97-AF65-F5344CB8AC3E}">
-        <p14:creationId xmlns:p14="http://schemas.microsoft.com/office/powerpoint/2010/main" xmlns="" val="3784840913"/>
+        <p14:creationId xmlns="" xmlns:p14="http://schemas.microsoft.com/office/powerpoint/2010/main" val="3784840913"/>
       </p:ext>
     </p:extLst>
   </p:cSld>
@@ -11459,19 +11459,7 @@
               <a:rPr lang="en-US" dirty="0" smtClean="0">
                 <a:latin typeface="Constantia" pitchFamily="18" charset="0"/>
               </a:rPr>
-              <a:t>) is a </a:t>
-            </a:r>
-            <a:r>
-              <a:rPr lang="en-US" dirty="0" smtClean="0">
-                <a:latin typeface="Constantia" pitchFamily="18" charset="0"/>
-              </a:rPr>
-              <a:t>2-player, zero-sum board game normally played on a 15x15 grid.  The players alternate turns, placing a piece anywher</a:t>
-            </a:r>
-            <a:r>
-              <a:rPr lang="en-US" dirty="0" smtClean="0">
-                <a:latin typeface="Constantia" pitchFamily="18" charset="0"/>
-              </a:rPr>
-              <a:t>e on the grid.  The first to have at least 5 pieces in a row (horizontally, vertically or diagonally) wins.</a:t>
+              <a:t>) is a 2-player, zero-sum board game normally played on a 15x15 grid.  The players alternate turns, placing a piece anywhere on the grid.  The first to have at least 5 pieces in a row (horizontally, vertically or diagonally) wins.</a:t>
             </a:r>
           </a:p>
           <a:p>
@@ -11676,16 +11664,7 @@
                 </a:solidFill>
                 <a:latin typeface="Constantia" pitchFamily="18" charset="0"/>
               </a:rPr>
-              <a:t>Diagram to show the game state </a:t>
-            </a:r>
-            <a:r>
-              <a:rPr lang="en-US" dirty="0" smtClean="0">
-                <a:solidFill>
-                  <a:srgbClr val="FF0000"/>
-                </a:solidFill>
-                <a:latin typeface="Constantia" pitchFamily="18" charset="0"/>
-              </a:rPr>
-              <a:t>tree</a:t>
+              <a:t>Diagram to show the game state tree</a:t>
             </a:r>
           </a:p>
           <a:p>
@@ -11875,209 +11854,176 @@
               <a:rPr lang="en-US" dirty="0" smtClean="0">
                 <a:latin typeface="Constantia" pitchFamily="18" charset="0"/>
               </a:rPr>
-              <a:t> game tree is an embarrassingly parallel problem.  For each ply, one more depth of all possible moves must be evaluated.  If we do not consider any optimization, which we will not in this section, our full game tree can be evenly divided if we break off the work at the first layer.  Thus, each processor will handle a subset of depth (max-1) trees, or in other words, each processor will examine  all the future moves based on fixing a subset of the immediate next move.  We plan to use MPI communication.  </a:t>
+              <a:t> game tree is an embarrassingly parallel problem.  For each ply, one more depth of all possible moves must be evaluated.  If we do not consider any optimization, which we will not in this section, our full game tree can be evenly divided if we break off the work at the first layer.  Thus, each processor will handle a subset of depth (max-1) trees, or in other words, each processor will examine  all the future moves based on fixing a subset of the immediate next move.  We plan to use MPI communication.  Master-slave  approaches may be implemented  but with a pure </a:t>
+            </a:r>
+            <a:r>
+              <a:rPr lang="en-US" dirty="0" err="1" smtClean="0">
+                <a:latin typeface="Constantia" pitchFamily="18" charset="0"/>
+              </a:rPr>
+              <a:t>minimax</a:t>
             </a:r>
             <a:r>
               <a:rPr lang="en-US" dirty="0" smtClean="0">
                 <a:latin typeface="Constantia" pitchFamily="18" charset="0"/>
               </a:rPr>
-              <a:t>Master-slave  approaches may be implemented  but with a pure </a:t>
-            </a:r>
-            <a:r>
-              <a:rPr lang="en-US" dirty="0" err="1" smtClean="0">
+              <a:t> tree, the load will always be balanced and therefore scatter/gather methods may be simpler to implement</a:t>
+            </a:r>
+          </a:p>
+          <a:p>
+            <a:endParaRPr lang="en-US" dirty="0" smtClean="0">
+              <a:latin typeface="Constantia" pitchFamily="18" charset="0"/>
+            </a:endParaRPr>
+          </a:p>
+          <a:p>
+            <a:r>
+              <a:rPr lang="en-US" dirty="0" smtClean="0">
+                <a:solidFill>
+                  <a:srgbClr val="FF0000"/>
+                </a:solidFill>
                 <a:latin typeface="Constantia" pitchFamily="18" charset="0"/>
               </a:rPr>
-              <a:t>minimax</a:t>
-            </a:r>
+              <a:t>Get graphic similar to the one before just with the different primary branches colored differently or boxed for each processor</a:t>
+            </a:r>
+          </a:p>
+          <a:p>
+            <a:endParaRPr lang="en-US" dirty="0" smtClean="0">
+              <a:latin typeface="Constantia" pitchFamily="18" charset="0"/>
+            </a:endParaRPr>
+          </a:p>
+          <a:p>
+            <a:endParaRPr lang="en-US" dirty="0" smtClean="0">
+              <a:latin typeface="Constantia" pitchFamily="18" charset="0"/>
+            </a:endParaRPr>
+          </a:p>
+          <a:p>
+            <a:endParaRPr lang="en-US" dirty="0" smtClean="0">
+              <a:latin typeface="Constantia" pitchFamily="18" charset="0"/>
+            </a:endParaRPr>
+          </a:p>
+          <a:p>
+            <a:endParaRPr lang="en-US" dirty="0" smtClean="0">
+              <a:latin typeface="Constantia" pitchFamily="18" charset="0"/>
+            </a:endParaRPr>
+          </a:p>
+          <a:p>
+            <a:endParaRPr lang="en-US" dirty="0" smtClean="0">
+              <a:latin typeface="Constantia" pitchFamily="18" charset="0"/>
+            </a:endParaRPr>
+          </a:p>
+          <a:p>
+            <a:endParaRPr lang="en-US" dirty="0" smtClean="0">
+              <a:latin typeface="Constantia" pitchFamily="18" charset="0"/>
+            </a:endParaRPr>
+          </a:p>
+          <a:p>
+            <a:endParaRPr lang="en-US" dirty="0" smtClean="0">
+              <a:latin typeface="Constantia" pitchFamily="18" charset="0"/>
+            </a:endParaRPr>
+          </a:p>
+          <a:p>
+            <a:endParaRPr lang="en-US" dirty="0" smtClean="0">
+              <a:latin typeface="Constantia" pitchFamily="18" charset="0"/>
+            </a:endParaRPr>
+          </a:p>
+          <a:p>
+            <a:endParaRPr lang="en-US" dirty="0" smtClean="0">
+              <a:latin typeface="Constantia" pitchFamily="18" charset="0"/>
+            </a:endParaRPr>
+          </a:p>
+          <a:p>
+            <a:endParaRPr lang="en-US" dirty="0" smtClean="0">
+              <a:latin typeface="Constantia" pitchFamily="18" charset="0"/>
+            </a:endParaRPr>
+          </a:p>
+          <a:p>
+            <a:endParaRPr lang="en-US" dirty="0" smtClean="0">
+              <a:latin typeface="Constantia" pitchFamily="18" charset="0"/>
+            </a:endParaRPr>
+          </a:p>
+          <a:p>
             <a:r>
               <a:rPr lang="en-US" dirty="0" smtClean="0">
                 <a:latin typeface="Constantia" pitchFamily="18" charset="0"/>
               </a:rPr>
-              <a:t> tree, the load will always be balanced and therefore scatter/gather methods may be simpler </a:t>
-            </a:r>
-            <a:r>
-              <a:rPr lang="en-US" smtClean="0">
-                <a:latin typeface="Constantia" pitchFamily="18" charset="0"/>
-              </a:rPr>
-              <a:t>to implement</a:t>
-            </a:r>
+              <a:t>In principle, the heuristic computation could also be done by GPU but because of the nature of the various heuristics – only needing to check the immediate squares affected by the last move played, the actual heuristic computation is not as time consuming as simply computing over the space of possible game states.</a:t>
+            </a:r>
+          </a:p>
+          <a:p>
             <a:endParaRPr lang="en-US" dirty="0" smtClean="0">
               <a:latin typeface="Constantia" pitchFamily="18" charset="0"/>
             </a:endParaRPr>
           </a:p>
-          <a:p>
-            <a:endParaRPr lang="en-US" dirty="0" smtClean="0">
+        </p:txBody>
+      </p:sp>
+      <p:sp>
+        <p:nvSpPr>
+          <p:cNvPr id="187" name="Text Placeholder 186"/>
+          <p:cNvSpPr>
+            <a:spLocks noGrp="1"/>
+          </p:cNvSpPr>
+          <p:nvPr>
+            <p:ph type="body" sz="quarter" idx="22"/>
+          </p:nvPr>
+        </p:nvSpPr>
+        <p:spPr>
+          <a:xfrm>
+            <a:off x="8687068" y="3464327"/>
+            <a:ext cx="15540038" cy="624326"/>
+          </a:xfrm>
+        </p:spPr>
+        <p:txBody>
+          <a:bodyPr/>
+          <a:lstStyle/>
+          <a:p>
+            <a:r>
+              <a:rPr lang="en-US" sz="3200" u="none" dirty="0" smtClean="0">
+                <a:latin typeface="Constantia" pitchFamily="18" charset="0"/>
+              </a:rPr>
+              <a:t>Parallelizing </a:t>
+            </a:r>
+            <a:r>
+              <a:rPr lang="en-US" sz="3200" u="none" dirty="0" err="1" smtClean="0">
+                <a:latin typeface="Constantia" pitchFamily="18" charset="0"/>
+              </a:rPr>
+              <a:t>Minimax</a:t>
+            </a:r>
+            <a:r>
+              <a:rPr lang="en-US" sz="3200" u="none" dirty="0" smtClean="0">
+                <a:latin typeface="Constantia" pitchFamily="18" charset="0"/>
+              </a:rPr>
+              <a:t> and Heuristic Computations</a:t>
+            </a:r>
+            <a:endParaRPr lang="en-US" sz="3200" u="none" dirty="0">
               <a:latin typeface="Constantia" pitchFamily="18" charset="0"/>
             </a:endParaRPr>
           </a:p>
-          <a:p>
-            <a:r>
-              <a:rPr lang="en-US" dirty="0" smtClean="0">
-                <a:solidFill>
-                  <a:srgbClr val="FF0000"/>
-                </a:solidFill>
-                <a:latin typeface="Constantia" pitchFamily="18" charset="0"/>
-              </a:rPr>
-              <a:t>Get graphic similar to the one before just with the different primary branches colored differently or boxed for each processor</a:t>
-            </a:r>
-          </a:p>
-          <a:p>
-            <a:endParaRPr lang="en-US" dirty="0" smtClean="0">
-              <a:latin typeface="Constantia" pitchFamily="18" charset="0"/>
-            </a:endParaRPr>
-          </a:p>
-          <a:p>
-            <a:endParaRPr lang="en-US" dirty="0" smtClean="0">
-              <a:latin typeface="Constantia" pitchFamily="18" charset="0"/>
-            </a:endParaRPr>
-          </a:p>
-          <a:p>
-            <a:endParaRPr lang="en-US" dirty="0" smtClean="0">
-              <a:latin typeface="Constantia" pitchFamily="18" charset="0"/>
-            </a:endParaRPr>
-          </a:p>
-          <a:p>
-            <a:endParaRPr lang="en-US" dirty="0" smtClean="0">
-              <a:latin typeface="Constantia" pitchFamily="18" charset="0"/>
-            </a:endParaRPr>
-          </a:p>
-          <a:p>
-            <a:endParaRPr lang="en-US" dirty="0" smtClean="0">
-              <a:latin typeface="Constantia" pitchFamily="18" charset="0"/>
-            </a:endParaRPr>
-          </a:p>
-          <a:p>
-            <a:endParaRPr lang="en-US" dirty="0" smtClean="0">
-              <a:latin typeface="Constantia" pitchFamily="18" charset="0"/>
-            </a:endParaRPr>
-          </a:p>
-          <a:p>
-            <a:endParaRPr lang="en-US" dirty="0" smtClean="0">
-              <a:latin typeface="Constantia" pitchFamily="18" charset="0"/>
-            </a:endParaRPr>
-          </a:p>
-          <a:p>
-            <a:endParaRPr lang="en-US" dirty="0" smtClean="0">
-              <a:latin typeface="Constantia" pitchFamily="18" charset="0"/>
-            </a:endParaRPr>
-          </a:p>
-          <a:p>
-            <a:endParaRPr lang="en-US" dirty="0" smtClean="0">
-              <a:latin typeface="Constantia" pitchFamily="18" charset="0"/>
-            </a:endParaRPr>
-          </a:p>
-          <a:p>
-            <a:endParaRPr lang="en-US" dirty="0" smtClean="0">
-              <a:latin typeface="Constantia" pitchFamily="18" charset="0"/>
-            </a:endParaRPr>
-          </a:p>
-          <a:p>
-            <a:endParaRPr lang="en-US" dirty="0" smtClean="0">
-              <a:latin typeface="Constantia" pitchFamily="18" charset="0"/>
-            </a:endParaRPr>
-          </a:p>
+        </p:txBody>
+      </p:sp>
+      <p:sp>
+        <p:nvSpPr>
+          <p:cNvPr id="188" name="Text Placeholder 187"/>
+          <p:cNvSpPr>
+            <a:spLocks noGrp="1"/>
+          </p:cNvSpPr>
+          <p:nvPr>
+            <p:ph type="body" sz="quarter" idx="23"/>
+          </p:nvPr>
+        </p:nvSpPr>
+        <p:spPr>
+          <a:xfrm>
+            <a:off x="8687068" y="17648029"/>
+            <a:ext cx="15540038" cy="3210493"/>
+          </a:xfrm>
+        </p:spPr>
+        <p:txBody>
+          <a:bodyPr/>
+          <a:lstStyle/>
           <a:p>
             <a:r>
               <a:rPr lang="en-US" dirty="0" smtClean="0">
                 <a:latin typeface="Constantia" pitchFamily="18" charset="0"/>
               </a:rPr>
-              <a:t>In principle, the heuristic computation could also be done by GPU but because of the nature of the various heuristics – only needing to check the immediate squares affected by the last move played, the actual heuristic computation is not as time consuming as simply computing over the space of possible game states.</a:t>
-            </a:r>
-          </a:p>
-          <a:p>
-            <a:endParaRPr lang="en-US" dirty="0" smtClean="0">
-              <a:latin typeface="Constantia" pitchFamily="18" charset="0"/>
-            </a:endParaRPr>
-          </a:p>
-        </p:txBody>
-      </p:sp>
-      <p:sp>
-        <p:nvSpPr>
-          <p:cNvPr id="187" name="Text Placeholder 186"/>
-          <p:cNvSpPr>
-            <a:spLocks noGrp="1"/>
-          </p:cNvSpPr>
-          <p:nvPr>
-            <p:ph type="body" sz="quarter" idx="22"/>
-          </p:nvPr>
-        </p:nvSpPr>
-        <p:spPr>
-          <a:xfrm>
-            <a:off x="8687068" y="3464327"/>
-            <a:ext cx="15540038" cy="624326"/>
-          </a:xfrm>
-        </p:spPr>
-        <p:txBody>
-          <a:bodyPr/>
-          <a:lstStyle/>
-          <a:p>
-            <a:r>
-              <a:rPr lang="en-US" sz="3200" u="none" dirty="0" smtClean="0">
-                <a:latin typeface="Constantia" pitchFamily="18" charset="0"/>
-              </a:rPr>
-              <a:t>Parallelizing </a:t>
-            </a:r>
-            <a:r>
-              <a:rPr lang="en-US" sz="3200" u="none" dirty="0" err="1" smtClean="0">
-                <a:latin typeface="Constantia" pitchFamily="18" charset="0"/>
-              </a:rPr>
-              <a:t>Minimax</a:t>
-            </a:r>
-            <a:r>
-              <a:rPr lang="en-US" sz="3200" u="none" dirty="0" smtClean="0">
-                <a:latin typeface="Constantia" pitchFamily="18" charset="0"/>
-              </a:rPr>
-              <a:t> and Heuristic Computations</a:t>
-            </a:r>
-            <a:endParaRPr lang="en-US" sz="3200" u="none" dirty="0">
-              <a:latin typeface="Constantia" pitchFamily="18" charset="0"/>
-            </a:endParaRPr>
-          </a:p>
-        </p:txBody>
-      </p:sp>
-      <p:sp>
-        <p:nvSpPr>
-          <p:cNvPr id="188" name="Text Placeholder 187"/>
-          <p:cNvSpPr>
-            <a:spLocks noGrp="1"/>
-          </p:cNvSpPr>
-          <p:nvPr>
-            <p:ph type="body" sz="quarter" idx="23"/>
-          </p:nvPr>
-        </p:nvSpPr>
-        <p:spPr>
-          <a:xfrm>
-            <a:off x="8687068" y="17648029"/>
-            <a:ext cx="15540038" cy="3210493"/>
-          </a:xfrm>
-        </p:spPr>
-        <p:txBody>
-          <a:bodyPr/>
-          <a:lstStyle/>
-          <a:p>
-            <a:r>
-              <a:rPr lang="en-US" dirty="0" smtClean="0">
-                <a:latin typeface="Constantia" pitchFamily="18" charset="0"/>
-              </a:rPr>
-              <a:t>Parallelizing search space reduction is an area that we will experiment with.  </a:t>
-            </a:r>
-            <a:r>
-              <a:rPr lang="en-US" dirty="0" smtClean="0">
-                <a:latin typeface="Constantia" pitchFamily="18" charset="0"/>
-              </a:rPr>
-              <a:t>The easiest technique would be  to run this optimization portion serially, - meaning each processor will use the optimization algorithm from its own first node and below.  This should give a speedup over the non-pruned version.  However, this setup will not allow for the information on one branch to prune the other branches.</a:t>
-            </a:r>
-            <a:r>
-              <a:rPr lang="en-US" dirty="0" smtClean="0">
-                <a:latin typeface="Constantia" pitchFamily="18" charset="0"/>
-              </a:rPr>
-              <a:t> </a:t>
-            </a:r>
-            <a:r>
-              <a:rPr lang="en-US" dirty="0" smtClean="0">
-                <a:latin typeface="Constantia" pitchFamily="18" charset="0"/>
-              </a:rPr>
-              <a:t> As discussed above, full </a:t>
+              <a:t>Parallelizing search space reduction is an area that we will experiment with.  The easiest technique would be  to run this optimization portion serially, - meaning each processor will use the optimization algorithm from its own first node and below.  This should give a speedup over the non-pruned version.  However, this setup will not allow for the information on one branch to prune the other branches.  As discussed above, full </a:t>
             </a:r>
             <a:r>
               <a:rPr lang="el-GR" dirty="0" smtClean="0">
@@ -12105,21 +12051,44 @@
                 <a:latin typeface="Cambria Math"/>
                 <a:ea typeface="Cambria Math"/>
               </a:rPr>
-              <a:t> is naturally a serial algorithm as the more that is searched serially allows for more pruning to follow. </a:t>
+              <a:t> is naturally a serial algorithm as the more that is searched serially allows for more pruning to follow.  Below are a couple of methods we have considered to parallelize </a:t>
+            </a:r>
+            <a:r>
+              <a:rPr lang="el-GR" dirty="0" smtClean="0">
+                <a:latin typeface="Cambria Math"/>
+                <a:ea typeface="Cambria Math"/>
+              </a:rPr>
+              <a:t>α</a:t>
             </a:r>
             <a:r>
               <a:rPr lang="en-US" dirty="0" smtClean="0">
                 <a:latin typeface="Cambria Math"/>
                 <a:ea typeface="Cambria Math"/>
               </a:rPr>
-              <a:t> </a:t>
+              <a:t>-</a:t>
+            </a:r>
+            <a:r>
+              <a:rPr lang="el-GR" dirty="0" smtClean="0">
+                <a:latin typeface="Cambria Math"/>
+                <a:ea typeface="Cambria Math"/>
+              </a:rPr>
+              <a:t>β</a:t>
             </a:r>
             <a:r>
               <a:rPr lang="en-US" dirty="0" smtClean="0">
                 <a:latin typeface="Cambria Math"/>
                 <a:ea typeface="Cambria Math"/>
               </a:rPr>
-              <a:t>Below are a couple of methods we have considered to parallelize </a:t>
+              <a:t> pruning if necessary:</a:t>
+            </a:r>
+          </a:p>
+          <a:p>
+            <a:r>
+              <a:rPr lang="en-US" dirty="0" smtClean="0">
+                <a:latin typeface="Cambria Math"/>
+                <a:ea typeface="Cambria Math"/>
+              </a:rPr>
+              <a:t>1) One processor  will be dedicated to sampling evenly from all the processor’s branches a set of states from which it will constantly update and broadcast the </a:t>
             </a:r>
             <a:r>
               <a:rPr lang="el-GR" dirty="0" smtClean="0">
@@ -12147,150 +12116,113 @@
                 <a:latin typeface="Cambria Math"/>
                 <a:ea typeface="Cambria Math"/>
               </a:rPr>
-              <a:t> pruning if necessary:</a:t>
-            </a:r>
-          </a:p>
-          <a:p>
+              <a:t> values that will be used for pruning – this will not always result in the mot optimal </a:t>
+            </a:r>
+            <a:r>
+              <a:rPr lang="el-GR" dirty="0" smtClean="0">
+                <a:latin typeface="Cambria Math"/>
+                <a:ea typeface="Cambria Math"/>
+              </a:rPr>
+              <a:t>α</a:t>
+            </a:r>
             <a:r>
               <a:rPr lang="en-US" dirty="0" smtClean="0">
                 <a:latin typeface="Cambria Math"/>
                 <a:ea typeface="Cambria Math"/>
               </a:rPr>
-              <a:t>1) One processor  will be dedicated to sampling evenly from all the processor’s branches a set of states from which it will constantly update and broadcast the </a:t>
+              <a:t>-</a:t>
             </a:r>
             <a:r>
               <a:rPr lang="el-GR" dirty="0" smtClean="0">
                 <a:latin typeface="Cambria Math"/>
                 <a:ea typeface="Cambria Math"/>
               </a:rPr>
-              <a:t>α</a:t>
+              <a:t>β</a:t>
             </a:r>
             <a:r>
               <a:rPr lang="en-US" dirty="0" smtClean="0">
                 <a:latin typeface="Cambria Math"/>
                 <a:ea typeface="Cambria Math"/>
               </a:rPr>
-              <a:t>-</a:t>
+              <a:t> to prune with but will allow the most parallel work to be done</a:t>
+            </a:r>
+          </a:p>
+          <a:p>
+            <a:r>
+              <a:rPr lang="en-US" dirty="0" smtClean="0">
+                <a:latin typeface="Cambria Math"/>
+                <a:ea typeface="Cambria Math"/>
+              </a:rPr>
+              <a:t>2) Each processor will </a:t>
+            </a:r>
+            <a:r>
+              <a:rPr lang="en-US" dirty="0" err="1" smtClean="0">
+                <a:latin typeface="Cambria Math"/>
+                <a:ea typeface="Cambria Math"/>
+              </a:rPr>
+              <a:t>asynchonously</a:t>
+            </a:r>
+            <a:r>
+              <a:rPr lang="en-US" dirty="0" smtClean="0">
+                <a:latin typeface="Cambria Math"/>
+                <a:ea typeface="Cambria Math"/>
+              </a:rPr>
+              <a:t> send and receive current best </a:t>
             </a:r>
             <a:r>
               <a:rPr lang="el-GR" dirty="0" smtClean="0">
                 <a:latin typeface="Cambria Math"/>
                 <a:ea typeface="Cambria Math"/>
               </a:rPr>
-              <a:t>β</a:t>
+              <a:t>α</a:t>
             </a:r>
             <a:r>
               <a:rPr lang="en-US" dirty="0" smtClean="0">
                 <a:latin typeface="Cambria Math"/>
                 <a:ea typeface="Cambria Math"/>
               </a:rPr>
-              <a:t> values that will be used for pruning – this will not always result in the mot optimal </a:t>
+              <a:t>-</a:t>
             </a:r>
             <a:r>
               <a:rPr lang="el-GR" dirty="0" smtClean="0">
                 <a:latin typeface="Cambria Math"/>
                 <a:ea typeface="Cambria Math"/>
               </a:rPr>
-              <a:t>α</a:t>
+              <a:t>β</a:t>
             </a:r>
             <a:r>
               <a:rPr lang="en-US" dirty="0" smtClean="0">
                 <a:latin typeface="Cambria Math"/>
                 <a:ea typeface="Cambria Math"/>
               </a:rPr>
-              <a:t>-</a:t>
+              <a:t> values for every other processor to see and use to prune.  This should result in full pruning but may have issues with simultaneous updates when two processors try to update the “new” best </a:t>
             </a:r>
             <a:r>
               <a:rPr lang="el-GR" dirty="0" smtClean="0">
                 <a:latin typeface="Cambria Math"/>
                 <a:ea typeface="Cambria Math"/>
               </a:rPr>
-              <a:t>β</a:t>
+              <a:t>α</a:t>
             </a:r>
             <a:r>
               <a:rPr lang="en-US" dirty="0" smtClean="0">
                 <a:latin typeface="Cambria Math"/>
                 <a:ea typeface="Cambria Math"/>
               </a:rPr>
-              <a:t> to prune with but will allow the most parallel work to be done</a:t>
-            </a:r>
-          </a:p>
-          <a:p>
+              <a:t>-</a:t>
+            </a:r>
+            <a:r>
+              <a:rPr lang="el-GR" dirty="0" smtClean="0">
+                <a:latin typeface="Cambria Math"/>
+                <a:ea typeface="Cambria Math"/>
+              </a:rPr>
+              <a:t>β</a:t>
+            </a:r>
             <a:r>
               <a:rPr lang="en-US" dirty="0" smtClean="0">
                 <a:latin typeface="Cambria Math"/>
                 <a:ea typeface="Cambria Math"/>
               </a:rPr>
-              <a:t>2) Each processor will </a:t>
-            </a:r>
-            <a:r>
-              <a:rPr lang="en-US" dirty="0" err="1" smtClean="0">
-                <a:latin typeface="Cambria Math"/>
-                <a:ea typeface="Cambria Math"/>
-              </a:rPr>
-              <a:t>asynchonously</a:t>
-            </a:r>
-            <a:r>
-              <a:rPr lang="en-US" dirty="0" smtClean="0">
-                <a:latin typeface="Cambria Math"/>
-                <a:ea typeface="Cambria Math"/>
-              </a:rPr>
-              <a:t> send and receive current best </a:t>
-            </a:r>
-            <a:r>
-              <a:rPr lang="el-GR" dirty="0" smtClean="0">
-                <a:latin typeface="Cambria Math"/>
-                <a:ea typeface="Cambria Math"/>
-              </a:rPr>
-              <a:t>α</a:t>
-            </a:r>
-            <a:r>
-              <a:rPr lang="en-US" dirty="0" smtClean="0">
-                <a:latin typeface="Cambria Math"/>
-                <a:ea typeface="Cambria Math"/>
-              </a:rPr>
-              <a:t>-</a:t>
-            </a:r>
-            <a:r>
-              <a:rPr lang="el-GR" dirty="0" smtClean="0">
-                <a:latin typeface="Cambria Math"/>
-                <a:ea typeface="Cambria Math"/>
-              </a:rPr>
-              <a:t>β</a:t>
-            </a:r>
-            <a:r>
-              <a:rPr lang="en-US" dirty="0" smtClean="0">
-                <a:latin typeface="Cambria Math"/>
-                <a:ea typeface="Cambria Math"/>
-              </a:rPr>
-              <a:t> values for every other processor to see and use to prune.  This should result in full pruning but may have issues with simultaneous updates when two processors try to update the “new” best </a:t>
-            </a:r>
-            <a:r>
-              <a:rPr lang="el-GR" dirty="0" smtClean="0">
-                <a:latin typeface="Cambria Math"/>
-                <a:ea typeface="Cambria Math"/>
-              </a:rPr>
-              <a:t>α</a:t>
-            </a:r>
-            <a:r>
-              <a:rPr lang="en-US" dirty="0" smtClean="0">
-                <a:latin typeface="Cambria Math"/>
-                <a:ea typeface="Cambria Math"/>
-              </a:rPr>
-              <a:t>-</a:t>
-            </a:r>
-            <a:r>
-              <a:rPr lang="el-GR" dirty="0" smtClean="0">
-                <a:latin typeface="Cambria Math"/>
-                <a:ea typeface="Cambria Math"/>
-              </a:rPr>
-              <a:t>β</a:t>
-            </a:r>
-            <a:r>
-              <a:rPr lang="en-US" dirty="0" smtClean="0">
-                <a:latin typeface="Cambria Math"/>
-                <a:ea typeface="Cambria Math"/>
-              </a:rPr>
               <a:t> values</a:t>
             </a:r>
           </a:p>
@@ -12320,13 +12252,7 @@
               <a:rPr lang="en-US" sz="3200" u="none" dirty="0" smtClean="0">
                 <a:latin typeface="Constantia" pitchFamily="18" charset="0"/>
               </a:rPr>
-              <a:t>Parallelizing Complexity Reduction </a:t>
-            </a:r>
-            <a:r>
-              <a:rPr lang="en-US" sz="3200" u="none" dirty="0" smtClean="0">
-                <a:latin typeface="Constantia" pitchFamily="18" charset="0"/>
-              </a:rPr>
-              <a:t>and Optimization </a:t>
+              <a:t>Parallelizing Complexity Reduction and Optimization </a:t>
             </a:r>
             <a:r>
               <a:rPr lang="en-US" sz="3200" u="none" dirty="0" smtClean="0">
@@ -12481,13 +12407,7 @@
               <a:rPr lang="en-US" dirty="0" smtClean="0">
                 <a:latin typeface="Constantia" pitchFamily="18" charset="0"/>
               </a:rPr>
-              <a:t> game tree as well as planning how we chose to parallelize the search space reduction portion.  </a:t>
-            </a:r>
-            <a:r>
-              <a:rPr lang="en-US" dirty="0" smtClean="0">
-                <a:latin typeface="Constantia" pitchFamily="18" charset="0"/>
-              </a:rPr>
-              <a:t>The first step will be to compare the parallelize </a:t>
+              <a:t> game tree as well as planning how we chose to parallelize the search space reduction portion.  The first step will be to compare the parallelize </a:t>
             </a:r>
             <a:r>
               <a:rPr lang="en-US" dirty="0" err="1" smtClean="0">
@@ -12600,11 +12520,17 @@
           <a:p>
             <a:r>
               <a:rPr lang="en-US" dirty="0" smtClean="0">
+                <a:solidFill>
+                  <a:srgbClr val="FF0000"/>
+                </a:solidFill>
                 <a:latin typeface="Constantia" pitchFamily="18" charset="0"/>
               </a:rPr>
               <a:t>Insert our references here</a:t>
             </a:r>
             <a:endParaRPr lang="en-US" dirty="0">
+              <a:solidFill>
+                <a:srgbClr val="FF0000"/>
+              </a:solidFill>
               <a:latin typeface="Constantia" pitchFamily="18" charset="0"/>
             </a:endParaRPr>
           </a:p>
@@ -13787,19 +13713,7 @@
                 <a:latin typeface="Cambria Math"/>
                 <a:ea typeface="Cambria Math"/>
               </a:rPr>
-              <a:t> </a:t>
-            </a:r>
-            <a:r>
-              <a:rPr lang="en-US" sz="1800" dirty="0" smtClean="0">
-                <a:solidFill>
-                  <a:schemeClr val="accent5">
-                    <a:lumMod val="50000"/>
-                  </a:schemeClr>
-                </a:solidFill>
-                <a:latin typeface="Cambria Math"/>
-                <a:ea typeface="Cambria Math"/>
-              </a:rPr>
-              <a:t>and is also non-trivial.</a:t>
+              <a:t> and is also non-trivial.</a:t>
             </a:r>
             <a:endParaRPr kumimoji="0" lang="en-US" sz="1800" b="0" i="0" u="none" strike="noStrike" kern="1200" cap="none" spc="0" normalizeH="0" baseline="0" noProof="0" dirty="0">
               <a:ln>
@@ -13870,18 +13784,7 @@
                 </a:solidFill>
                 <a:latin typeface="Constantia" pitchFamily="18" charset="0"/>
               </a:rPr>
-              <a:t>Optimization: </a:t>
-            </a:r>
-            <a:r>
-              <a:rPr lang="en-US" sz="3200" b="1" dirty="0" smtClean="0">
-                <a:solidFill>
-                  <a:schemeClr val="accent5">
-                    <a:lumMod val="50000"/>
-                  </a:schemeClr>
-                </a:solidFill>
-                <a:latin typeface="Constantia" pitchFamily="18" charset="0"/>
-              </a:rPr>
-              <a:t>α-</a:t>
+              <a:t>Optimization: α-</a:t>
             </a:r>
             <a:r>
               <a:rPr lang="el-GR" sz="3200" b="1" dirty="0" smtClean="0">
@@ -13991,41 +13894,7 @@
                 <a:ea typeface="+mn-ea"/>
                 <a:cs typeface="+mn-cs"/>
               </a:rPr>
-              <a:t> </a:t>
-            </a:r>
-            <a:r>
-              <a:rPr kumimoji="0" lang="en-US" sz="3200" b="1" i="0" u="none" strike="noStrike" kern="1200" cap="none" spc="0" normalizeH="0" noProof="0" dirty="0" smtClean="0">
-                <a:ln>
-                  <a:noFill/>
-                </a:ln>
-                <a:solidFill>
-                  <a:srgbClr val="FF0000"/>
-                </a:solidFill>
-                <a:effectLst/>
-                <a:uLnTx/>
-                <a:uFillTx/>
-                <a:latin typeface="Constantia" pitchFamily="18" charset="0"/>
-                <a:ea typeface="+mn-ea"/>
-                <a:cs typeface="+mn-cs"/>
-              </a:rPr>
-              <a:t>Approx</a:t>
-            </a:r>
-            <a:r>
-              <a:rPr kumimoji="0" lang="en-US" sz="3200" b="1" i="0" u="none" strike="noStrike" kern="1200" cap="none" spc="0" normalizeH="0" noProof="0" dirty="0" smtClean="0">
-                <a:ln>
-                  <a:noFill/>
-                </a:ln>
-                <a:solidFill>
-                  <a:srgbClr val="FF0000"/>
-                </a:solidFill>
-                <a:effectLst/>
-                <a:uLnTx/>
-                <a:uFillTx/>
-                <a:latin typeface="Constantia" pitchFamily="18" charset="0"/>
-                <a:ea typeface="+mn-ea"/>
-                <a:cs typeface="+mn-cs"/>
-              </a:rPr>
-              <a:t>. (the MIT paper) or both?</a:t>
+              <a:t> Approx. (the MIT paper) or both?</a:t>
             </a:r>
             <a:endParaRPr kumimoji="0" lang="en-US" sz="3200" b="1" i="0" u="none" strike="noStrike" kern="1200" cap="none" spc="0" normalizeH="0" baseline="0" noProof="0" dirty="0">
               <a:ln>
@@ -14147,7 +14016,7 @@
           <a:blip r:embed="rId2" cstate="print">
             <a:extLst>
               <a:ext uri="{28A0092B-C50C-407E-A947-70E740481C1C}">
-                <a14:useLocalDpi xmlns:a14="http://schemas.microsoft.com/office/drawing/2010/main" xmlns="" val="0"/>
+                <a14:useLocalDpi xmlns="" xmlns:a14="http://schemas.microsoft.com/office/drawing/2010/main" val="0"/>
               </a:ext>
             </a:extLst>
           </a:blip>
@@ -14195,7 +14064,7 @@
     </p:spTree>
     <p:extLst>
       <p:ext uri="{BB962C8B-B14F-4D97-AF65-F5344CB8AC3E}">
-        <p14:creationId xmlns:p14="http://schemas.microsoft.com/office/powerpoint/2010/main" xmlns="" val="2212419635"/>
+        <p14:creationId xmlns="" xmlns:p14="http://schemas.microsoft.com/office/powerpoint/2010/main" val="2212419635"/>
       </p:ext>
     </p:extLst>
   </p:cSld>

--- a/CS205 Poster - Chen Sim 2013.pptx
+++ b/CS205 Poster - Chen Sim 2013.pptx
@@ -108,6 +108,56 @@
       </a:defRPr>
     </a:lvl9pPr>
   </p:defaultTextStyle>
+  <p:extLst>
+    <p:ext uri="{EFAFB233-063F-42B5-8137-9DF3F51BA10A}">
+      <p15:sldGuideLst xmlns:p15="http://schemas.microsoft.com/office/powerpoint/2012/main">
+        <p15:guide id="1" orient="horz" pos="2212">
+          <p15:clr>
+            <a:srgbClr val="A4A3A4"/>
+          </p15:clr>
+        </p15:guide>
+        <p15:guide id="2" orient="horz" pos="192">
+          <p15:clr>
+            <a:srgbClr val="A4A3A4"/>
+          </p15:clr>
+        </p15:guide>
+        <p15:guide id="3" orient="horz" pos="13440">
+          <p15:clr>
+            <a:srgbClr val="A4A3A4"/>
+          </p15:clr>
+        </p15:guide>
+        <p15:guide id="4" orient="horz">
+          <p15:clr>
+            <a:srgbClr val="A4A3A4"/>
+          </p15:clr>
+        </p15:guide>
+        <p15:guide id="5" pos="436">
+          <p15:clr>
+            <a:srgbClr val="A4A3A4"/>
+          </p15:clr>
+        </p15:guide>
+        <p15:guide id="6" pos="20302">
+          <p15:clr>
+            <a:srgbClr val="A4A3A4"/>
+          </p15:clr>
+        </p15:guide>
+      </p15:sldGuideLst>
+    </p:ext>
+    <p:ext uri="{2D200454-40CA-4A62-9FC3-DE9A4176ACB9}">
+      <p15:notesGuideLst xmlns:p15="http://schemas.microsoft.com/office/powerpoint/2012/main">
+        <p15:guide id="1" orient="horz" pos="2880">
+          <p15:clr>
+            <a:srgbClr val="A4A3A4"/>
+          </p15:clr>
+        </p15:guide>
+        <p15:guide id="2" pos="2160">
+          <p15:clr>
+            <a:srgbClr val="A4A3A4"/>
+          </p15:clr>
+        </p15:guide>
+      </p15:notesGuideLst>
+    </p:ext>
+  </p:extLst>
 </p:presentation>
 </file>
 
@@ -203,7 +253,7 @@
             <a:fld id="{E6CC2317-6751-4CD4-9995-8782DD78E936}" type="datetimeFigureOut">
               <a:rPr lang="en-US" smtClean="0"/>
               <a:pPr/>
-              <a:t>12/3/2013</a:t>
+              <a:t>12/4/2013</a:t>
             </a:fld>
             <a:endParaRPr lang="en-US" dirty="0"/>
           </a:p>
@@ -374,7 +424,7 @@
     </p:spTree>
     <p:extLst>
       <p:ext uri="{BB962C8B-B14F-4D97-AF65-F5344CB8AC3E}">
-        <p14:creationId xmlns="" xmlns:p14="http://schemas.microsoft.com/office/powerpoint/2010/main" val="3784840913"/>
+        <p14:creationId xmlns:p14="http://schemas.microsoft.com/office/powerpoint/2010/main" val="3784840913"/>
       </p:ext>
     </p:extLst>
   </p:cSld>
@@ -11423,6 +11473,47 @@
           <a:chExt cx="0" cy="0"/>
         </a:xfrm>
       </p:grpSpPr>
+      <p:pic>
+        <p:nvPicPr>
+          <p:cNvPr id="69" name="Picture 4" descr="gametree_minimax"/>
+          <p:cNvPicPr>
+            <a:picLocks noChangeAspect="1" noChangeArrowheads="1"/>
+          </p:cNvPicPr>
+          <p:nvPr/>
+        </p:nvPicPr>
+        <p:blipFill>
+          <a:blip r:embed="rId2">
+            <a:extLst>
+              <a:ext uri="{28A0092B-C50C-407E-A947-70E740481C1C}">
+                <a14:useLocalDpi xmlns:a14="http://schemas.microsoft.com/office/drawing/2010/main" val="0"/>
+              </a:ext>
+            </a:extLst>
+          </a:blip>
+          <a:srcRect/>
+          <a:stretch>
+            <a:fillRect/>
+          </a:stretch>
+        </p:blipFill>
+        <p:spPr bwMode="auto">
+          <a:xfrm>
+            <a:off x="15829908" y="4265304"/>
+            <a:ext cx="8163713" cy="6344597"/>
+          </a:xfrm>
+          <a:prstGeom prst="rect">
+            <a:avLst/>
+          </a:prstGeom>
+          <a:noFill/>
+          <a:extLst>
+            <a:ext uri="{909E8E84-426E-40DD-AFC4-6F175D3DCCD1}">
+              <a14:hiddenFill xmlns:a14="http://schemas.microsoft.com/office/drawing/2010/main">
+                <a:solidFill>
+                  <a:srgbClr val="FFFFFF"/>
+                </a:solidFill>
+              </a14:hiddenFill>
+            </a:ext>
+          </a:extLst>
+        </p:spPr>
+      </p:pic>
       <p:sp>
         <p:nvSpPr>
           <p:cNvPr id="180" name="Text Placeholder 179"/>
@@ -11436,7 +11527,7 @@
         <p:spPr>
           <a:xfrm>
             <a:off x="678141" y="4140097"/>
-            <a:ext cx="7542610" cy="6362396"/>
+            <a:ext cx="7542610" cy="9009004"/>
           </a:xfrm>
         </p:spPr>
         <p:txBody>
@@ -11444,54 +11535,377 @@
           <a:lstStyle/>
           <a:p>
             <a:r>
+              <a:rPr lang="en-US" sz="2000" dirty="0" smtClean="0">
+                <a:latin typeface="Constantia" pitchFamily="18" charset="0"/>
+              </a:rPr>
+              <a:t>Connect-5 (also known as </a:t>
+            </a:r>
+            <a:r>
+              <a:rPr lang="en-US" sz="2000" dirty="0" err="1" smtClean="0">
+                <a:latin typeface="Constantia" pitchFamily="18" charset="0"/>
+              </a:rPr>
+              <a:t>Gomoku</a:t>
+            </a:r>
+            <a:r>
+              <a:rPr lang="en-US" sz="2000" dirty="0" smtClean="0">
+                <a:latin typeface="Constantia" pitchFamily="18" charset="0"/>
+              </a:rPr>
+              <a:t>) is a 2-player, zero-sum board game normally played on a 15x15 grid.  The players alternate turns, placing a piece anywhere on the grid.  The first to have at least 5 pieces in a row (horizontally, vertically or diagonally) wins.</a:t>
+            </a:r>
+          </a:p>
+          <a:p>
+            <a:r>
+              <a:rPr lang="en-US" sz="2000" dirty="0" smtClean="0">
+                <a:latin typeface="Constantia" pitchFamily="18" charset="0"/>
+              </a:rPr>
+              <a:t>We were inspired to create an AI for Connect-5 after both seeing </a:t>
+            </a:r>
+            <a:r>
+              <a:rPr lang="en-US" sz="2000" dirty="0" err="1" smtClean="0">
+                <a:latin typeface="Constantia" pitchFamily="18" charset="0"/>
+              </a:rPr>
+              <a:t>Cris</a:t>
+            </a:r>
+            <a:r>
+              <a:rPr lang="en-US" sz="2000" dirty="0" smtClean="0">
+                <a:latin typeface="Constantia" pitchFamily="18" charset="0"/>
+              </a:rPr>
+              <a:t>’ Connect-4 parallel AI as well as reading about game state trees for tic-tac-toe.  Such zero-sum games are perfect candidates for </a:t>
+            </a:r>
+            <a:r>
+              <a:rPr lang="en-US" sz="2000" dirty="0" err="1" smtClean="0">
+                <a:latin typeface="Constantia" pitchFamily="18" charset="0"/>
+              </a:rPr>
+              <a:t>minimax</a:t>
+            </a:r>
+            <a:r>
+              <a:rPr lang="en-US" sz="2000" dirty="0" smtClean="0">
+                <a:latin typeface="Constantia" pitchFamily="18" charset="0"/>
+              </a:rPr>
+              <a:t> game state trees with further optimization from </a:t>
+            </a:r>
+            <a:r>
+              <a:rPr lang="el-GR" sz="2000" dirty="0" smtClean="0">
+                <a:latin typeface="Cambria Math"/>
+                <a:ea typeface="Cambria Math"/>
+              </a:rPr>
+              <a:t>α</a:t>
+            </a:r>
+            <a:r>
+              <a:rPr lang="en-US" sz="2000" dirty="0" smtClean="0">
+                <a:latin typeface="Cambria Math"/>
+                <a:ea typeface="Cambria Math"/>
+              </a:rPr>
+              <a:t>-</a:t>
+            </a:r>
+            <a:r>
+              <a:rPr lang="el-GR" sz="2000" dirty="0" smtClean="0">
+                <a:latin typeface="Cambria Math"/>
+                <a:ea typeface="Cambria Math"/>
+              </a:rPr>
+              <a:t>β</a:t>
+            </a:r>
+            <a:r>
+              <a:rPr lang="en-US" sz="2000" dirty="0" smtClean="0">
+                <a:latin typeface="Cambria Math"/>
+                <a:ea typeface="Cambria Math"/>
+              </a:rPr>
+              <a:t> pruning.  An expansion to Connect-5 as compared to Connect-4 brings the follow challenges we seek to address with parallel approaches:</a:t>
+            </a:r>
+          </a:p>
+          <a:p>
+            <a:pPr marL="342900" indent="-342900">
+              <a:buAutoNum type="arabicParenR"/>
+            </a:pPr>
+            <a:r>
+              <a:rPr lang="en-US" sz="2000" dirty="0" smtClean="0">
+                <a:latin typeface="Cambria Math"/>
+                <a:ea typeface="Cambria Math"/>
+              </a:rPr>
+              <a:t>The number of possible moves per turn increases by 20-30 fold depending on the size of the Connect-4 since pieces fall to the bottom in Connect-4 thus making Connect-4 moves 1D compared to the 2D possibilities of Connect-5.  This in turn magnifies our search space per ply as well.</a:t>
+            </a:r>
+          </a:p>
+          <a:p>
+            <a:pPr marL="342900" indent="-342900">
+              <a:buAutoNum type="arabicParenR"/>
+            </a:pPr>
+            <a:r>
+              <a:rPr lang="en-US" sz="2000" dirty="0" smtClean="0">
+                <a:latin typeface="Cambria Math"/>
+                <a:ea typeface="Cambria Math"/>
+              </a:rPr>
+              <a:t>With a larger search space, there will be more room for optimization, with possibly different approaches at different times in the game (early vs. late), including tree-ordering, </a:t>
+            </a:r>
+            <a:r>
+              <a:rPr lang="el-GR" sz="2000" dirty="0" smtClean="0">
+                <a:latin typeface="Cambria Math"/>
+                <a:ea typeface="Cambria Math"/>
+              </a:rPr>
+              <a:t>α</a:t>
+            </a:r>
+            <a:r>
+              <a:rPr lang="en-US" sz="2000" dirty="0" smtClean="0">
+                <a:latin typeface="Cambria Math"/>
+                <a:ea typeface="Cambria Math"/>
+              </a:rPr>
+              <a:t>-</a:t>
+            </a:r>
+            <a:r>
+              <a:rPr lang="el-GR" sz="2000" dirty="0" smtClean="0">
+                <a:latin typeface="Cambria Math"/>
+                <a:ea typeface="Cambria Math"/>
+              </a:rPr>
+              <a:t>β</a:t>
+            </a:r>
+            <a:r>
+              <a:rPr lang="en-US" sz="2000" dirty="0" smtClean="0">
+                <a:latin typeface="Cambria Math"/>
+                <a:ea typeface="Cambria Math"/>
+              </a:rPr>
+              <a:t> pruning and other possible techniques</a:t>
+            </a:r>
+          </a:p>
+          <a:p>
+            <a:pPr marL="342900" indent="-342900">
+              <a:buAutoNum type="arabicParenR"/>
+            </a:pPr>
+            <a:r>
+              <a:rPr lang="en-US" sz="2000" dirty="0" smtClean="0">
+                <a:latin typeface="Cambria Math"/>
+                <a:ea typeface="Cambria Math"/>
+              </a:rPr>
+              <a:t>Extending the winning sequence by 1 results in the possibility of more complex heuristics to score each game state, allowing for various strategies including trap-setting such a double, open-ended 3’s</a:t>
+            </a:r>
+          </a:p>
+          <a:p>
+            <a:pPr marL="342900" indent="-342900">
+              <a:buAutoNum type="arabicParenR"/>
+            </a:pPr>
+            <a:endParaRPr lang="en-US" sz="2000" dirty="0" smtClean="0">
+              <a:latin typeface="Cambria Math"/>
+              <a:ea typeface="Cambria Math"/>
+            </a:endParaRPr>
+          </a:p>
+          <a:p>
+            <a:pPr marL="342900" indent="-342900">
+              <a:buAutoNum type="arabicParenR"/>
+            </a:pPr>
+            <a:endParaRPr lang="en-US" sz="2000" dirty="0">
+              <a:latin typeface="Constantia" pitchFamily="18" charset="0"/>
+            </a:endParaRPr>
+          </a:p>
+        </p:txBody>
+      </p:sp>
+      <p:sp>
+        <p:nvSpPr>
+          <p:cNvPr id="181" name="Text Placeholder 180"/>
+          <p:cNvSpPr>
+            <a:spLocks noGrp="1"/>
+          </p:cNvSpPr>
+          <p:nvPr>
+            <p:ph type="body" sz="quarter" idx="11"/>
+          </p:nvPr>
+        </p:nvSpPr>
+        <p:spPr>
+          <a:xfrm>
+            <a:off x="691756" y="3510047"/>
+            <a:ext cx="7536656" cy="624326"/>
+          </a:xfrm>
+        </p:spPr>
+        <p:txBody>
+          <a:bodyPr/>
+          <a:lstStyle/>
+          <a:p>
+            <a:r>
+              <a:rPr lang="en-US" sz="3200" u="none" dirty="0" smtClean="0">
+                <a:latin typeface="Constantia" pitchFamily="18" charset="0"/>
+              </a:rPr>
+              <a:t>Introduction and Motivation</a:t>
+            </a:r>
+            <a:endParaRPr lang="en-US" sz="3200" u="none" dirty="0">
+              <a:latin typeface="Constantia" pitchFamily="18" charset="0"/>
+            </a:endParaRPr>
+          </a:p>
+        </p:txBody>
+      </p:sp>
+      <p:sp>
+        <p:nvSpPr>
+          <p:cNvPr id="185" name="Text Placeholder 184"/>
+          <p:cNvSpPr>
+            <a:spLocks noGrp="1"/>
+          </p:cNvSpPr>
+          <p:nvPr>
+            <p:ph type="body" sz="quarter" idx="20"/>
+          </p:nvPr>
+        </p:nvSpPr>
+        <p:spPr>
+          <a:xfrm>
+            <a:off x="628544" y="12262908"/>
+            <a:ext cx="7537847" cy="624326"/>
+          </a:xfrm>
+        </p:spPr>
+        <p:txBody>
+          <a:bodyPr/>
+          <a:lstStyle/>
+          <a:p>
+            <a:r>
+              <a:rPr lang="en-US" sz="3200" u="none" dirty="0" err="1" smtClean="0">
+                <a:latin typeface="Constantia" pitchFamily="18" charset="0"/>
+              </a:rPr>
+              <a:t>Minimax</a:t>
+            </a:r>
+            <a:r>
+              <a:rPr lang="en-US" sz="3200" u="none" dirty="0" smtClean="0">
+                <a:latin typeface="Constantia" pitchFamily="18" charset="0"/>
+              </a:rPr>
+              <a:t> Game Tree with Heuristics</a:t>
+            </a:r>
+            <a:endParaRPr lang="en-US" sz="3200" u="none" dirty="0">
+              <a:latin typeface="Constantia" pitchFamily="18" charset="0"/>
+            </a:endParaRPr>
+          </a:p>
+        </p:txBody>
+      </p:sp>
+      <p:sp>
+        <p:nvSpPr>
+          <p:cNvPr id="186" name="Text Placeholder 185"/>
+          <p:cNvSpPr>
+            <a:spLocks noGrp="1"/>
+          </p:cNvSpPr>
+          <p:nvPr>
+            <p:ph type="body" sz="quarter" idx="21"/>
+          </p:nvPr>
+        </p:nvSpPr>
+        <p:spPr>
+          <a:xfrm>
+            <a:off x="8687069" y="4026220"/>
+            <a:ext cx="6974109" cy="6977678"/>
+          </a:xfrm>
+        </p:spPr>
+        <p:txBody>
+          <a:bodyPr/>
+          <a:lstStyle/>
+          <a:p>
+            <a:r>
+              <a:rPr lang="en-US" sz="2000" dirty="0" smtClean="0">
+                <a:latin typeface="Constantia" pitchFamily="18" charset="0"/>
+              </a:rPr>
+              <a:t>    A </a:t>
+            </a:r>
+            <a:r>
+              <a:rPr lang="en-US" sz="2000" dirty="0" err="1" smtClean="0">
+                <a:latin typeface="Constantia" pitchFamily="18" charset="0"/>
+              </a:rPr>
+              <a:t>minimax</a:t>
+            </a:r>
+            <a:r>
+              <a:rPr lang="en-US" sz="2000" dirty="0" smtClean="0">
+                <a:latin typeface="Constantia" pitchFamily="18" charset="0"/>
+              </a:rPr>
+              <a:t> game tree is an embarrassingly parallel problem.  For each ply, one more depth of all possible moves must be evaluated.  If we do not consider any optimization, which we will not in this section, our full game tree can be evenly divided if we break off the work at the first layer.  Thus, each processor will handle a subset of depth (max-1) trees, or in other words, each processor will examine  all the future moves based on fixing a subset of the immediate next move.  We plan to use MPI communication.  Master-slave  approaches may be implemented  but with a pure </a:t>
+            </a:r>
+            <a:r>
+              <a:rPr lang="en-US" sz="2000" dirty="0" err="1" smtClean="0">
+                <a:latin typeface="Constantia" pitchFamily="18" charset="0"/>
+              </a:rPr>
+              <a:t>minimax</a:t>
+            </a:r>
+            <a:r>
+              <a:rPr lang="en-US" sz="2000" dirty="0" smtClean="0">
+                <a:latin typeface="Constantia" pitchFamily="18" charset="0"/>
+              </a:rPr>
+              <a:t> tree, the load will always be balanced and therefore scatter/gather methods may be simpler to implement.</a:t>
+            </a:r>
+          </a:p>
+          <a:p>
+            <a:endParaRPr lang="en-US" sz="2000" dirty="0" smtClean="0">
+              <a:latin typeface="Constantia" pitchFamily="18" charset="0"/>
+            </a:endParaRPr>
+          </a:p>
+          <a:p>
+            <a:r>
+              <a:rPr lang="en-US" sz="2000" dirty="0" smtClean="0">
+                <a:latin typeface="Constantia" pitchFamily="18" charset="0"/>
+              </a:rPr>
+              <a:t>    In principle, the heuristic computation could also be done by GPU but because of the nature of the various heuristics – only needing to check the immediate squares affected by the last move played, the actual heuristic computation is not as time consuming as simply computing over the space of possible game states.</a:t>
+            </a:r>
+          </a:p>
+          <a:p>
+            <a:endParaRPr lang="en-US" sz="2000" dirty="0" smtClean="0">
+              <a:latin typeface="Constantia" pitchFamily="18" charset="0"/>
+            </a:endParaRPr>
+          </a:p>
+        </p:txBody>
+      </p:sp>
+      <p:sp>
+        <p:nvSpPr>
+          <p:cNvPr id="187" name="Text Placeholder 186"/>
+          <p:cNvSpPr>
+            <a:spLocks noGrp="1"/>
+          </p:cNvSpPr>
+          <p:nvPr>
+            <p:ph type="body" sz="quarter" idx="22"/>
+          </p:nvPr>
+        </p:nvSpPr>
+        <p:spPr>
+          <a:xfrm>
+            <a:off x="8687068" y="3464327"/>
+            <a:ext cx="15540038" cy="624326"/>
+          </a:xfrm>
+        </p:spPr>
+        <p:txBody>
+          <a:bodyPr/>
+          <a:lstStyle/>
+          <a:p>
+            <a:r>
+              <a:rPr lang="en-US" sz="3200" u="none" dirty="0" smtClean="0">
+                <a:latin typeface="Constantia" pitchFamily="18" charset="0"/>
+              </a:rPr>
+              <a:t>Parallelizing </a:t>
+            </a:r>
+            <a:r>
+              <a:rPr lang="en-US" sz="3200" u="none" dirty="0" err="1" smtClean="0">
+                <a:latin typeface="Constantia" pitchFamily="18" charset="0"/>
+              </a:rPr>
+              <a:t>Minimax</a:t>
+            </a:r>
+            <a:r>
+              <a:rPr lang="en-US" sz="3200" u="none" dirty="0" smtClean="0">
+                <a:latin typeface="Constantia" pitchFamily="18" charset="0"/>
+              </a:rPr>
+              <a:t> and Heuristic Computations</a:t>
+            </a:r>
+            <a:endParaRPr lang="en-US" sz="3200" u="none" dirty="0">
+              <a:latin typeface="Constantia" pitchFamily="18" charset="0"/>
+            </a:endParaRPr>
+          </a:p>
+        </p:txBody>
+      </p:sp>
+      <p:sp>
+        <p:nvSpPr>
+          <p:cNvPr id="188" name="Text Placeholder 187"/>
+          <p:cNvSpPr>
+            <a:spLocks noGrp="1"/>
+          </p:cNvSpPr>
+          <p:nvPr>
+            <p:ph type="body" sz="quarter" idx="23"/>
+          </p:nvPr>
+        </p:nvSpPr>
+        <p:spPr>
+          <a:xfrm>
+            <a:off x="8687068" y="17648029"/>
+            <a:ext cx="15540038" cy="3210493"/>
+          </a:xfrm>
+        </p:spPr>
+        <p:txBody>
+          <a:bodyPr/>
+          <a:lstStyle/>
+          <a:p>
+            <a:r>
               <a:rPr lang="en-US" dirty="0" smtClean="0">
                 <a:latin typeface="Constantia" pitchFamily="18" charset="0"/>
               </a:rPr>
-              <a:t>Connect-5 (also known as </a:t>
-            </a:r>
-            <a:r>
-              <a:rPr lang="en-US" dirty="0" err="1" smtClean="0">
-                <a:latin typeface="Constantia" pitchFamily="18" charset="0"/>
-              </a:rPr>
-              <a:t>Gomoku</a:t>
-            </a:r>
-            <a:r>
-              <a:rPr lang="en-US" dirty="0" smtClean="0">
-                <a:latin typeface="Constantia" pitchFamily="18" charset="0"/>
-              </a:rPr>
-              <a:t>) is a 2-player, zero-sum board game normally played on a 15x15 grid.  The players alternate turns, placing a piece anywhere on the grid.  The first to have at least 5 pieces in a row (horizontally, vertically or diagonally) wins.</a:t>
-            </a:r>
-          </a:p>
-          <a:p>
-            <a:r>
-              <a:rPr lang="en-US" dirty="0" smtClean="0">
-                <a:latin typeface="Constantia" pitchFamily="18" charset="0"/>
-              </a:rPr>
-              <a:t>We were inspired to create an AI for Connect-5 after both seeing </a:t>
-            </a:r>
-            <a:r>
-              <a:rPr lang="en-US" dirty="0" err="1" smtClean="0">
-                <a:latin typeface="Constantia" pitchFamily="18" charset="0"/>
-              </a:rPr>
-              <a:t>Cris</a:t>
-            </a:r>
-            <a:r>
-              <a:rPr lang="en-US" dirty="0" smtClean="0">
-                <a:latin typeface="Constantia" pitchFamily="18" charset="0"/>
-              </a:rPr>
-              <a:t>’ Connect-4 parallel AI as well as reading about game state trees for tic-tac-toe.  Such zero-sum games are perfect candidates for </a:t>
-            </a:r>
-            <a:r>
-              <a:rPr lang="en-US" dirty="0" err="1" smtClean="0">
-                <a:latin typeface="Constantia" pitchFamily="18" charset="0"/>
-              </a:rPr>
-              <a:t>minimax</a:t>
-            </a:r>
-            <a:r>
-              <a:rPr lang="en-US" dirty="0" smtClean="0">
-                <a:latin typeface="Constantia" pitchFamily="18" charset="0"/>
-              </a:rPr>
-              <a:t> game state trees with further optimization from </a:t>
+              <a:t>Parallelizing search space reduction is an area that we will experiment with.  The easiest technique would be  to run this optimization portion serially, - meaning each processor will use the optimization algorithm from its own first node and below.  This should give a speedup over the non-pruned version.  However, this setup will not allow for the information on one branch to prune the other branches.  As discussed above, full </a:t>
             </a:r>
             <a:r>
               <a:rPr lang="el-GR" dirty="0" smtClean="0">
@@ -11519,31 +11933,44 @@
                 <a:latin typeface="Cambria Math"/>
                 <a:ea typeface="Cambria Math"/>
               </a:rPr>
-              <a:t> pruning.  An expansion to Connect-5 as compared to Connect-4 brings the follow challenges we seek to address with parallel approaches:</a:t>
-            </a:r>
-          </a:p>
-          <a:p>
-            <a:pPr marL="342900" indent="-342900">
-              <a:buAutoNum type="arabicParenR"/>
-            </a:pPr>
+              <a:t> is naturally a serial algorithm as the more that is searched serially allows for more pruning to follow.  Below are a couple of methods we have considered to parallelize </a:t>
+            </a:r>
+            <a:r>
+              <a:rPr lang="el-GR" dirty="0" smtClean="0">
+                <a:latin typeface="Cambria Math"/>
+                <a:ea typeface="Cambria Math"/>
+              </a:rPr>
+              <a:t>α</a:t>
+            </a:r>
             <a:r>
               <a:rPr lang="en-US" dirty="0" smtClean="0">
                 <a:latin typeface="Cambria Math"/>
                 <a:ea typeface="Cambria Math"/>
               </a:rPr>
-              <a:t>The number of possible moves per turn increases by 20-30 fold depending on the size of the Connect-4 since pieces fall to the bottom in Connect-4 thus making Connect-4 moves 1D compared to the 2D possibilities of Connect-5.  This in turn magnifies our search space per ply as well.</a:t>
-            </a:r>
-          </a:p>
-          <a:p>
-            <a:pPr marL="342900" indent="-342900">
-              <a:buAutoNum type="arabicParenR"/>
-            </a:pPr>
+              <a:t>-</a:t>
+            </a:r>
+            <a:r>
+              <a:rPr lang="el-GR" dirty="0" smtClean="0">
+                <a:latin typeface="Cambria Math"/>
+                <a:ea typeface="Cambria Math"/>
+              </a:rPr>
+              <a:t>β</a:t>
+            </a:r>
             <a:r>
               <a:rPr lang="en-US" dirty="0" smtClean="0">
                 <a:latin typeface="Cambria Math"/>
                 <a:ea typeface="Cambria Math"/>
               </a:rPr>
-              <a:t>With a larger search space, there will be more room for optimization, with possibly different approaches at different times in the game (early vs. late), including tree-ordering, </a:t>
+              <a:t> pruning if necessary:</a:t>
+            </a:r>
+          </a:p>
+          <a:p>
+            <a:r>
+              <a:rPr lang="en-US" dirty="0" smtClean="0">
+                <a:latin typeface="Cambria Math"/>
+                <a:ea typeface="Cambria Math"/>
+              </a:rPr>
+              <a:t>1) One processor  will be dedicated to sampling evenly from all the processor’s branches a set of states from which it will constantly update and broadcast the </a:t>
             </a:r>
             <a:r>
               <a:rPr lang="el-GR" dirty="0" smtClean="0">
@@ -11571,35 +11998,224 @@
                 <a:latin typeface="Cambria Math"/>
                 <a:ea typeface="Cambria Math"/>
               </a:rPr>
-              <a:t> pruning and other possible techniques</a:t>
-            </a:r>
-          </a:p>
-          <a:p>
-            <a:pPr marL="342900" indent="-342900">
-              <a:buAutoNum type="arabicParenR"/>
-            </a:pPr>
+              <a:t> values that will be used for pruning – this will not always result in the mot optimal </a:t>
+            </a:r>
+            <a:r>
+              <a:rPr lang="el-GR" dirty="0" smtClean="0">
+                <a:latin typeface="Cambria Math"/>
+                <a:ea typeface="Cambria Math"/>
+              </a:rPr>
+              <a:t>α</a:t>
+            </a:r>
             <a:r>
               <a:rPr lang="en-US" dirty="0" smtClean="0">
                 <a:latin typeface="Cambria Math"/>
                 <a:ea typeface="Cambria Math"/>
               </a:rPr>
-              <a:t>Extending the winning sequence by 1 results in the possibility of more complex heuristics to score each game state, allowing for various strategies including trap-setting such a double, open-ended 3’s</a:t>
-            </a:r>
-          </a:p>
-          <a:p>
-            <a:pPr marL="342900" indent="-342900">
-              <a:buAutoNum type="arabicParenR"/>
-            </a:pPr>
-            <a:endParaRPr lang="en-US" dirty="0" smtClean="0">
-              <a:latin typeface="Cambria Math"/>
-              <a:ea typeface="Cambria Math"/>
-            </a:endParaRPr>
-          </a:p>
-          <a:p>
-            <a:pPr marL="342900" indent="-342900">
-              <a:buAutoNum type="arabicParenR"/>
-            </a:pPr>
-            <a:endParaRPr lang="en-US" dirty="0">
+              <a:t>-</a:t>
+            </a:r>
+            <a:r>
+              <a:rPr lang="el-GR" dirty="0" smtClean="0">
+                <a:latin typeface="Cambria Math"/>
+                <a:ea typeface="Cambria Math"/>
+              </a:rPr>
+              <a:t>β</a:t>
+            </a:r>
+            <a:r>
+              <a:rPr lang="en-US" dirty="0" smtClean="0">
+                <a:latin typeface="Cambria Math"/>
+                <a:ea typeface="Cambria Math"/>
+              </a:rPr>
+              <a:t> to prune with but will allow the most parallel work to be done</a:t>
+            </a:r>
+          </a:p>
+          <a:p>
+            <a:r>
+              <a:rPr lang="en-US" dirty="0" smtClean="0">
+                <a:latin typeface="Cambria Math"/>
+                <a:ea typeface="Cambria Math"/>
+              </a:rPr>
+              <a:t>2) Each processor will </a:t>
+            </a:r>
+            <a:r>
+              <a:rPr lang="en-US" dirty="0" smtClean="0">
+                <a:latin typeface="Cambria Math"/>
+                <a:ea typeface="Cambria Math"/>
+              </a:rPr>
+              <a:t>asynchronously </a:t>
+            </a:r>
+            <a:r>
+              <a:rPr lang="en-US" dirty="0" smtClean="0">
+                <a:latin typeface="Cambria Math"/>
+                <a:ea typeface="Cambria Math"/>
+              </a:rPr>
+              <a:t>send and receive current best </a:t>
+            </a:r>
+            <a:r>
+              <a:rPr lang="el-GR" dirty="0" smtClean="0">
+                <a:latin typeface="Cambria Math"/>
+                <a:ea typeface="Cambria Math"/>
+              </a:rPr>
+              <a:t>α</a:t>
+            </a:r>
+            <a:r>
+              <a:rPr lang="en-US" dirty="0" smtClean="0">
+                <a:latin typeface="Cambria Math"/>
+                <a:ea typeface="Cambria Math"/>
+              </a:rPr>
+              <a:t>-</a:t>
+            </a:r>
+            <a:r>
+              <a:rPr lang="el-GR" dirty="0" smtClean="0">
+                <a:latin typeface="Cambria Math"/>
+                <a:ea typeface="Cambria Math"/>
+              </a:rPr>
+              <a:t>β</a:t>
+            </a:r>
+            <a:r>
+              <a:rPr lang="en-US" dirty="0" smtClean="0">
+                <a:latin typeface="Cambria Math"/>
+                <a:ea typeface="Cambria Math"/>
+              </a:rPr>
+              <a:t> values for every other processor to see and use to prune.  This should result in full pruning but may have issues with simultaneous updates when two processors try to update the “new” best </a:t>
+            </a:r>
+            <a:r>
+              <a:rPr lang="el-GR" dirty="0" smtClean="0">
+                <a:latin typeface="Cambria Math"/>
+                <a:ea typeface="Cambria Math"/>
+              </a:rPr>
+              <a:t>α</a:t>
+            </a:r>
+            <a:r>
+              <a:rPr lang="en-US" dirty="0" smtClean="0">
+                <a:latin typeface="Cambria Math"/>
+                <a:ea typeface="Cambria Math"/>
+              </a:rPr>
+              <a:t>-</a:t>
+            </a:r>
+            <a:r>
+              <a:rPr lang="el-GR" dirty="0" smtClean="0">
+                <a:latin typeface="Cambria Math"/>
+                <a:ea typeface="Cambria Math"/>
+              </a:rPr>
+              <a:t>β</a:t>
+            </a:r>
+            <a:r>
+              <a:rPr lang="en-US" dirty="0" smtClean="0">
+                <a:latin typeface="Cambria Math"/>
+                <a:ea typeface="Cambria Math"/>
+              </a:rPr>
+              <a:t> values</a:t>
+            </a:r>
+          </a:p>
+        </p:txBody>
+      </p:sp>
+      <p:sp>
+        <p:nvSpPr>
+          <p:cNvPr id="189" name="Text Placeholder 188"/>
+          <p:cNvSpPr>
+            <a:spLocks noGrp="1"/>
+          </p:cNvSpPr>
+          <p:nvPr>
+            <p:ph type="body" sz="quarter" idx="24"/>
+          </p:nvPr>
+        </p:nvSpPr>
+        <p:spPr>
+          <a:xfrm>
+            <a:off x="8687067" y="16594602"/>
+            <a:ext cx="15540038" cy="1116768"/>
+          </a:xfrm>
+        </p:spPr>
+        <p:txBody>
+          <a:bodyPr/>
+          <a:lstStyle/>
+          <a:p>
+            <a:r>
+              <a:rPr lang="en-US" sz="3200" u="none" dirty="0" smtClean="0">
+                <a:latin typeface="Constantia" pitchFamily="18" charset="0"/>
+              </a:rPr>
+              <a:t>Parallelizing Complexity Reduction and Optimization </a:t>
+            </a:r>
+            <a:r>
+              <a:rPr lang="en-US" sz="3200" u="none" dirty="0" smtClean="0">
+                <a:solidFill>
+                  <a:srgbClr val="FF0000"/>
+                </a:solidFill>
+                <a:latin typeface="Constantia" pitchFamily="18" charset="0"/>
+              </a:rPr>
+              <a:t>(</a:t>
+            </a:r>
+            <a:r>
+              <a:rPr lang="en-US" sz="3200" u="none" dirty="0" err="1" smtClean="0">
+                <a:solidFill>
+                  <a:srgbClr val="FF0000"/>
+                </a:solidFill>
+                <a:latin typeface="Constantia" pitchFamily="18" charset="0"/>
+              </a:rPr>
+              <a:t>im</a:t>
+            </a:r>
+            <a:r>
+              <a:rPr lang="en-US" sz="3200" u="none" dirty="0" smtClean="0">
+                <a:solidFill>
+                  <a:srgbClr val="FF0000"/>
+                </a:solidFill>
+                <a:latin typeface="Constantia" pitchFamily="18" charset="0"/>
+              </a:rPr>
+              <a:t> talking about </a:t>
+            </a:r>
+            <a:r>
+              <a:rPr lang="el-GR" sz="3200" u="none" dirty="0" smtClean="0">
+                <a:solidFill>
+                  <a:srgbClr val="FF0000"/>
+                </a:solidFill>
+                <a:latin typeface="Cambria Math"/>
+                <a:ea typeface="Cambria Math"/>
+              </a:rPr>
+              <a:t>α</a:t>
+            </a:r>
+            <a:r>
+              <a:rPr lang="en-US" sz="3200" u="none" dirty="0" smtClean="0">
+                <a:solidFill>
+                  <a:srgbClr val="FF0000"/>
+                </a:solidFill>
+                <a:latin typeface="Cambria Math"/>
+                <a:ea typeface="Cambria Math"/>
+              </a:rPr>
+              <a:t>-</a:t>
+            </a:r>
+            <a:r>
+              <a:rPr lang="el-GR" sz="3200" u="none" dirty="0" smtClean="0">
+                <a:solidFill>
+                  <a:srgbClr val="FF0000"/>
+                </a:solidFill>
+                <a:latin typeface="Cambria Math"/>
+                <a:ea typeface="Cambria Math"/>
+              </a:rPr>
+              <a:t>β</a:t>
+            </a:r>
+            <a:r>
+              <a:rPr lang="en-US" sz="3200" u="none" dirty="0" smtClean="0">
+                <a:solidFill>
+                  <a:srgbClr val="FF0000"/>
+                </a:solidFill>
+                <a:latin typeface="Cambria Math"/>
+                <a:ea typeface="Cambria Math"/>
+              </a:rPr>
+              <a:t> </a:t>
+            </a:r>
+            <a:r>
+              <a:rPr lang="en-US" sz="3200" u="none" dirty="0" smtClean="0">
+                <a:solidFill>
+                  <a:srgbClr val="FF0000"/>
+                </a:solidFill>
+                <a:latin typeface="Constantia" pitchFamily="18" charset="0"/>
+              </a:rPr>
+              <a:t>pruning – hope it makes sense parallel read this for sure)</a:t>
+            </a:r>
+            <a:endParaRPr lang="en-US" sz="3200" u="none" dirty="0">
+              <a:solidFill>
+                <a:srgbClr val="FF0000"/>
+              </a:solidFill>
               <a:latin typeface="Constantia" pitchFamily="18" charset="0"/>
             </a:endParaRPr>
           </a:p>
@@ -11607,18 +12223,18 @@
       </p:sp>
       <p:sp>
         <p:nvSpPr>
-          <p:cNvPr id="181" name="Text Placeholder 180"/>
-          <p:cNvSpPr>
-            <a:spLocks noGrp="1"/>
-          </p:cNvSpPr>
-          <p:nvPr>
-            <p:ph type="body" sz="quarter" idx="11"/>
-          </p:nvPr>
-        </p:nvSpPr>
-        <p:spPr>
-          <a:xfrm>
-            <a:off x="691756" y="3510047"/>
-            <a:ext cx="7536656" cy="624326"/>
+          <p:cNvPr id="190" name="Text Placeholder 189"/>
+          <p:cNvSpPr>
+            <a:spLocks noGrp="1"/>
+          </p:cNvSpPr>
+          <p:nvPr>
+            <p:ph type="body" sz="quarter" idx="25"/>
+          </p:nvPr>
+        </p:nvSpPr>
+        <p:spPr>
+          <a:xfrm>
+            <a:off x="24679152" y="3464327"/>
+            <a:ext cx="7535264" cy="624326"/>
           </a:xfrm>
         </p:spPr>
         <p:txBody>
@@ -11629,7 +12245,7 @@
               <a:rPr lang="en-US" sz="3200" u="none" dirty="0" smtClean="0">
                 <a:latin typeface="Constantia" pitchFamily="18" charset="0"/>
               </a:rPr>
-              <a:t>Introduction and Motivation</a:t>
+              <a:t>Current Work</a:t>
             </a:r>
             <a:endParaRPr lang="en-US" sz="3200" u="none" dirty="0">
               <a:latin typeface="Constantia" pitchFamily="18" charset="0"/>
@@ -11639,35 +12255,146 @@
       </p:sp>
       <p:sp>
         <p:nvSpPr>
-          <p:cNvPr id="184" name="Text Placeholder 183"/>
-          <p:cNvSpPr>
-            <a:spLocks noGrp="1"/>
-          </p:cNvSpPr>
-          <p:nvPr>
-            <p:ph type="body" sz="quarter" idx="19"/>
-          </p:nvPr>
-        </p:nvSpPr>
-        <p:spPr>
-          <a:xfrm>
-            <a:off x="651856" y="12730499"/>
-            <a:ext cx="7543800" cy="1880899"/>
+          <p:cNvPr id="191" name="Text Placeholder 190"/>
+          <p:cNvSpPr>
+            <a:spLocks noGrp="1"/>
+          </p:cNvSpPr>
+          <p:nvPr>
+            <p:ph type="body" sz="quarter" idx="26"/>
+          </p:nvPr>
+        </p:nvSpPr>
+        <p:spPr>
+          <a:xfrm>
+            <a:off x="24599982" y="4310007"/>
+            <a:ext cx="3497036" cy="5592684"/>
           </a:xfrm>
         </p:spPr>
         <p:txBody>
           <a:bodyPr/>
           <a:lstStyle/>
           <a:p>
+            <a:pPr algn="just"/>
             <a:r>
               <a:rPr lang="en-US" dirty="0" smtClean="0">
+                <a:latin typeface="Constantia" pitchFamily="18" charset="0"/>
+              </a:rPr>
+              <a:t>    We </a:t>
+            </a:r>
+            <a:r>
+              <a:rPr lang="en-US" dirty="0" smtClean="0">
+                <a:latin typeface="Constantia" pitchFamily="18" charset="0"/>
+              </a:rPr>
+              <a:t>are currently in the midst of parallelizing the </a:t>
+            </a:r>
+            <a:r>
+              <a:rPr lang="en-US" dirty="0" err="1" smtClean="0">
+                <a:latin typeface="Constantia" pitchFamily="18" charset="0"/>
+              </a:rPr>
+              <a:t>minimax</a:t>
+            </a:r>
+            <a:r>
+              <a:rPr lang="en-US" dirty="0" smtClean="0">
+                <a:latin typeface="Constantia" pitchFamily="18" charset="0"/>
+              </a:rPr>
+              <a:t> game tree as well as planning how we chose to parallelize the search space reduction portion.  The first step will be to compare the parallelize </a:t>
+            </a:r>
+            <a:r>
+              <a:rPr lang="en-US" dirty="0" err="1" smtClean="0">
+                <a:latin typeface="Constantia" pitchFamily="18" charset="0"/>
+              </a:rPr>
+              <a:t>minimax</a:t>
+            </a:r>
+            <a:r>
+              <a:rPr lang="en-US" dirty="0" smtClean="0">
+                <a:latin typeface="Constantia" pitchFamily="18" charset="0"/>
+              </a:rPr>
+              <a:t> to the </a:t>
+            </a:r>
+            <a:r>
+              <a:rPr lang="en-US" dirty="0" smtClean="0">
+                <a:latin typeface="Constantia" pitchFamily="18" charset="0"/>
+              </a:rPr>
+              <a:t>serial </a:t>
+            </a:r>
+            <a:r>
+              <a:rPr lang="en-US" dirty="0" smtClean="0">
+                <a:latin typeface="Constantia" pitchFamily="18" charset="0"/>
+              </a:rPr>
+              <a:t>version.  For reference, our serial version, thinking just 2 moves ahead takes 10 seconds per turn pre search-space reduction.  We hope to use these numbers to calculate our efficiency for the parallel version – which we expect something close to 1 – as we are perfectly dividing the number of nodes across the processors if we do not prune the tree beforehand</a:t>
+            </a:r>
+            <a:r>
+              <a:rPr lang="en-US" dirty="0" smtClean="0">
+                <a:latin typeface="Constantia" pitchFamily="18" charset="0"/>
+              </a:rPr>
+              <a:t>.</a:t>
+            </a:r>
+            <a:endParaRPr lang="en-US" dirty="0" smtClean="0">
+              <a:latin typeface="Constantia" pitchFamily="18" charset="0"/>
+            </a:endParaRPr>
+          </a:p>
+        </p:txBody>
+      </p:sp>
+      <p:sp>
+        <p:nvSpPr>
+          <p:cNvPr id="192" name="Text Placeholder 191"/>
+          <p:cNvSpPr>
+            <a:spLocks noGrp="1"/>
+          </p:cNvSpPr>
+          <p:nvPr>
+            <p:ph type="body" sz="quarter" idx="27"/>
+          </p:nvPr>
+        </p:nvSpPr>
+        <p:spPr>
+          <a:xfrm>
+            <a:off x="24675378" y="17762401"/>
+            <a:ext cx="7535264" cy="624326"/>
+          </a:xfrm>
+        </p:spPr>
+        <p:txBody>
+          <a:bodyPr/>
+          <a:lstStyle/>
+          <a:p>
+            <a:r>
+              <a:rPr lang="en-US" sz="3200" u="none" dirty="0" smtClean="0">
+                <a:latin typeface="Constantia" pitchFamily="18" charset="0"/>
+              </a:rPr>
+              <a:t>References</a:t>
+            </a:r>
+            <a:endParaRPr lang="en-US" sz="3200" u="none" dirty="0">
+              <a:latin typeface="Constantia" pitchFamily="18" charset="0"/>
+            </a:endParaRPr>
+          </a:p>
+        </p:txBody>
+      </p:sp>
+      <p:sp>
+        <p:nvSpPr>
+          <p:cNvPr id="193" name="Text Placeholder 192"/>
+          <p:cNvSpPr>
+            <a:spLocks noGrp="1"/>
+          </p:cNvSpPr>
+          <p:nvPr>
+            <p:ph type="body" sz="quarter" idx="28"/>
+          </p:nvPr>
+        </p:nvSpPr>
+        <p:spPr>
+          <a:xfrm>
+            <a:off x="36808986" y="30546407"/>
+            <a:ext cx="9321868" cy="1362962"/>
+          </a:xfrm>
+        </p:spPr>
+        <p:txBody>
+          <a:bodyPr/>
+          <a:lstStyle/>
+          <a:p>
+            <a:r>
+              <a:rPr lang="en-US" dirty="0" err="1" smtClean="0">
                 <a:solidFill>
                   <a:srgbClr val="FF0000"/>
                 </a:solidFill>
                 <a:latin typeface="Constantia" pitchFamily="18" charset="0"/>
               </a:rPr>
-              <a:t>Diagram to show the game state tree</a:t>
-            </a:r>
-          </a:p>
-          <a:p>
+              <a:t>Rivest</a:t>
+            </a:r>
             <a:r>
               <a:rPr lang="en-US" dirty="0" smtClean="0">
                 <a:solidFill>
@@ -11675,102 +12402,10 @@
                 </a:solidFill>
                 <a:latin typeface="Constantia" pitchFamily="18" charset="0"/>
               </a:rPr>
-              <a:t>Talk about the </a:t>
-            </a:r>
-            <a:r>
-              <a:rPr lang="en-US" dirty="0" err="1" smtClean="0">
-                <a:solidFill>
-                  <a:srgbClr val="FF0000"/>
-                </a:solidFill>
-                <a:latin typeface="Constantia" pitchFamily="18" charset="0"/>
-              </a:rPr>
-              <a:t>minimax</a:t>
-            </a:r>
-            <a:r>
-              <a:rPr lang="en-US" dirty="0" smtClean="0">
-                <a:solidFill>
-                  <a:srgbClr val="FF0000"/>
-                </a:solidFill>
-                <a:latin typeface="Constantia" pitchFamily="18" charset="0"/>
-              </a:rPr>
-              <a:t> recursive design</a:t>
-            </a:r>
-          </a:p>
-          <a:p>
-            <a:r>
-              <a:rPr lang="en-US" dirty="0" smtClean="0">
-                <a:solidFill>
-                  <a:srgbClr val="FF0000"/>
-                </a:solidFill>
-                <a:latin typeface="Constantia" pitchFamily="18" charset="0"/>
-              </a:rPr>
-              <a:t>Talk about the various </a:t>
-            </a:r>
-            <a:r>
-              <a:rPr lang="en-US" dirty="0" err="1" smtClean="0">
-                <a:solidFill>
-                  <a:srgbClr val="FF0000"/>
-                </a:solidFill>
-                <a:latin typeface="Constantia" pitchFamily="18" charset="0"/>
-              </a:rPr>
-              <a:t>herusitcs</a:t>
-            </a:r>
-            <a:r>
-              <a:rPr lang="en-US" dirty="0" smtClean="0">
-                <a:solidFill>
-                  <a:srgbClr val="FF0000"/>
-                </a:solidFill>
-                <a:latin typeface="Constantia" pitchFamily="18" charset="0"/>
-              </a:rPr>
-              <a:t> to use, </a:t>
-            </a:r>
-            <a:r>
-              <a:rPr lang="en-US" dirty="0" err="1" smtClean="0">
-                <a:solidFill>
-                  <a:srgbClr val="FF0000"/>
-                </a:solidFill>
-                <a:latin typeface="Constantia" pitchFamily="18" charset="0"/>
-              </a:rPr>
-              <a:t>includign</a:t>
-            </a:r>
-            <a:r>
-              <a:rPr lang="en-US" dirty="0" smtClean="0">
-                <a:solidFill>
-                  <a:srgbClr val="FF0000"/>
-                </a:solidFill>
-                <a:latin typeface="Constantia" pitchFamily="18" charset="0"/>
-              </a:rPr>
-              <a:t> our current </a:t>
-            </a:r>
-            <a:r>
-              <a:rPr lang="en-US" dirty="0" err="1" smtClean="0">
-                <a:solidFill>
-                  <a:srgbClr val="FF0000"/>
-                </a:solidFill>
-                <a:latin typeface="Constantia" pitchFamily="18" charset="0"/>
-              </a:rPr>
-              <a:t>xinarow</a:t>
-            </a:r>
-            <a:r>
-              <a:rPr lang="en-US" dirty="0" smtClean="0">
-                <a:solidFill>
-                  <a:srgbClr val="FF0000"/>
-                </a:solidFill>
-                <a:latin typeface="Constantia" pitchFamily="18" charset="0"/>
-              </a:rPr>
-              <a:t> counter</a:t>
-            </a:r>
-          </a:p>
-          <a:p>
-            <a:r>
-              <a:rPr lang="en-US" dirty="0" smtClean="0">
-                <a:solidFill>
-                  <a:srgbClr val="FF0000"/>
-                </a:solidFill>
-                <a:latin typeface="Constantia" pitchFamily="18" charset="0"/>
-              </a:rPr>
-              <a:t>Also place a graphic</a:t>
-            </a:r>
+              <a:t>, R. Game Tree Searching by Min/Max Approximation.</a:t>
+            </a:r>
+          </a:p>
+          <a:p>
             <a:endParaRPr lang="en-US" dirty="0">
               <a:solidFill>
                 <a:srgbClr val="FF0000"/>
@@ -11782,18 +12417,18 @@
       </p:sp>
       <p:sp>
         <p:nvSpPr>
-          <p:cNvPr id="185" name="Text Placeholder 184"/>
-          <p:cNvSpPr>
-            <a:spLocks noGrp="1"/>
-          </p:cNvSpPr>
-          <p:nvPr>
-            <p:ph type="body" sz="quarter" idx="20"/>
-          </p:nvPr>
-        </p:nvSpPr>
-        <p:spPr>
-          <a:xfrm>
-            <a:off x="678141" y="11041601"/>
-            <a:ext cx="7537847" cy="624326"/>
+          <p:cNvPr id="165" name="Text Placeholder 164"/>
+          <p:cNvSpPr>
+            <a:spLocks noGrp="1"/>
+          </p:cNvSpPr>
+          <p:nvPr>
+            <p:ph type="body" sz="quarter" idx="29"/>
+          </p:nvPr>
+        </p:nvSpPr>
+        <p:spPr>
+          <a:xfrm>
+            <a:off x="24679152" y="19253975"/>
+            <a:ext cx="7535264" cy="624326"/>
           </a:xfrm>
         </p:spPr>
         <p:txBody>
@@ -11801,16 +12436,10 @@
           <a:lstStyle/>
           <a:p>
             <a:r>
-              <a:rPr lang="en-US" sz="3200" u="none" dirty="0" err="1" smtClean="0">
-                <a:latin typeface="Constantia" pitchFamily="18" charset="0"/>
-              </a:rPr>
-              <a:t>Minimax</a:t>
-            </a:r>
-            <a:r>
               <a:rPr lang="en-US" sz="3200" u="none" dirty="0" smtClean="0">
                 <a:latin typeface="Constantia" pitchFamily="18" charset="0"/>
               </a:rPr>
-              <a:t> Game Tree with Heuristics</a:t>
+              <a:t>Acknowledgments</a:t>
             </a:r>
             <a:endParaRPr lang="en-US" sz="3200" u="none" dirty="0">
               <a:latin typeface="Constantia" pitchFamily="18" charset="0"/>
@@ -11820,756 +12449,6 @@
       </p:sp>
       <p:sp>
         <p:nvSpPr>
-          <p:cNvPr id="186" name="Text Placeholder 185"/>
-          <p:cNvSpPr>
-            <a:spLocks noGrp="1"/>
-          </p:cNvSpPr>
-          <p:nvPr>
-            <p:ph type="body" sz="quarter" idx="21"/>
-          </p:nvPr>
-        </p:nvSpPr>
-        <p:spPr>
-          <a:xfrm>
-            <a:off x="8687069" y="4026220"/>
-            <a:ext cx="15540036" cy="7254677"/>
-          </a:xfrm>
-        </p:spPr>
-        <p:txBody>
-          <a:bodyPr/>
-          <a:lstStyle/>
-          <a:p>
-            <a:r>
-              <a:rPr lang="en-US" dirty="0" smtClean="0">
-                <a:latin typeface="Constantia" pitchFamily="18" charset="0"/>
-              </a:rPr>
-              <a:t>A </a:t>
-            </a:r>
-            <a:r>
-              <a:rPr lang="en-US" dirty="0" err="1" smtClean="0">
-                <a:latin typeface="Constantia" pitchFamily="18" charset="0"/>
-              </a:rPr>
-              <a:t>minimax</a:t>
-            </a:r>
-            <a:r>
-              <a:rPr lang="en-US" dirty="0" smtClean="0">
-                <a:latin typeface="Constantia" pitchFamily="18" charset="0"/>
-              </a:rPr>
-              <a:t> game tree is an embarrassingly parallel problem.  For each ply, one more depth of all possible moves must be evaluated.  If we do not consider any optimization, which we will not in this section, our full game tree can be evenly divided if we break off the work at the first layer.  Thus, each processor will handle a subset of depth (max-1) trees, or in other words, each processor will examine  all the future moves based on fixing a subset of the immediate next move.  We plan to use MPI communication.  Master-slave  approaches may be implemented  but with a pure </a:t>
-            </a:r>
-            <a:r>
-              <a:rPr lang="en-US" dirty="0" err="1" smtClean="0">
-                <a:latin typeface="Constantia" pitchFamily="18" charset="0"/>
-              </a:rPr>
-              <a:t>minimax</a:t>
-            </a:r>
-            <a:r>
-              <a:rPr lang="en-US" dirty="0" smtClean="0">
-                <a:latin typeface="Constantia" pitchFamily="18" charset="0"/>
-              </a:rPr>
-              <a:t> tree, the load will always be balanced and therefore scatter/gather methods may be simpler to implement</a:t>
-            </a:r>
-          </a:p>
-          <a:p>
-            <a:endParaRPr lang="en-US" dirty="0" smtClean="0">
-              <a:latin typeface="Constantia" pitchFamily="18" charset="0"/>
-            </a:endParaRPr>
-          </a:p>
-          <a:p>
-            <a:r>
-              <a:rPr lang="en-US" dirty="0" smtClean="0">
-                <a:solidFill>
-                  <a:srgbClr val="FF0000"/>
-                </a:solidFill>
-                <a:latin typeface="Constantia" pitchFamily="18" charset="0"/>
-              </a:rPr>
-              <a:t>Get graphic similar to the one before just with the different primary branches colored differently or boxed for each processor</a:t>
-            </a:r>
-          </a:p>
-          <a:p>
-            <a:endParaRPr lang="en-US" dirty="0" smtClean="0">
-              <a:latin typeface="Constantia" pitchFamily="18" charset="0"/>
-            </a:endParaRPr>
-          </a:p>
-          <a:p>
-            <a:endParaRPr lang="en-US" dirty="0" smtClean="0">
-              <a:latin typeface="Constantia" pitchFamily="18" charset="0"/>
-            </a:endParaRPr>
-          </a:p>
-          <a:p>
-            <a:endParaRPr lang="en-US" dirty="0" smtClean="0">
-              <a:latin typeface="Constantia" pitchFamily="18" charset="0"/>
-            </a:endParaRPr>
-          </a:p>
-          <a:p>
-            <a:endParaRPr lang="en-US" dirty="0" smtClean="0">
-              <a:latin typeface="Constantia" pitchFamily="18" charset="0"/>
-            </a:endParaRPr>
-          </a:p>
-          <a:p>
-            <a:endParaRPr lang="en-US" dirty="0" smtClean="0">
-              <a:latin typeface="Constantia" pitchFamily="18" charset="0"/>
-            </a:endParaRPr>
-          </a:p>
-          <a:p>
-            <a:endParaRPr lang="en-US" dirty="0" smtClean="0">
-              <a:latin typeface="Constantia" pitchFamily="18" charset="0"/>
-            </a:endParaRPr>
-          </a:p>
-          <a:p>
-            <a:endParaRPr lang="en-US" dirty="0" smtClean="0">
-              <a:latin typeface="Constantia" pitchFamily="18" charset="0"/>
-            </a:endParaRPr>
-          </a:p>
-          <a:p>
-            <a:endParaRPr lang="en-US" dirty="0" smtClean="0">
-              <a:latin typeface="Constantia" pitchFamily="18" charset="0"/>
-            </a:endParaRPr>
-          </a:p>
-          <a:p>
-            <a:endParaRPr lang="en-US" dirty="0" smtClean="0">
-              <a:latin typeface="Constantia" pitchFamily="18" charset="0"/>
-            </a:endParaRPr>
-          </a:p>
-          <a:p>
-            <a:endParaRPr lang="en-US" dirty="0" smtClean="0">
-              <a:latin typeface="Constantia" pitchFamily="18" charset="0"/>
-            </a:endParaRPr>
-          </a:p>
-          <a:p>
-            <a:endParaRPr lang="en-US" dirty="0" smtClean="0">
-              <a:latin typeface="Constantia" pitchFamily="18" charset="0"/>
-            </a:endParaRPr>
-          </a:p>
-          <a:p>
-            <a:r>
-              <a:rPr lang="en-US" dirty="0" smtClean="0">
-                <a:latin typeface="Constantia" pitchFamily="18" charset="0"/>
-              </a:rPr>
-              <a:t>In principle, the heuristic computation could also be done by GPU but because of the nature of the various heuristics – only needing to check the immediate squares affected by the last move played, the actual heuristic computation is not as time consuming as simply computing over the space of possible game states.</a:t>
-            </a:r>
-          </a:p>
-          <a:p>
-            <a:endParaRPr lang="en-US" dirty="0" smtClean="0">
-              <a:latin typeface="Constantia" pitchFamily="18" charset="0"/>
-            </a:endParaRPr>
-          </a:p>
-        </p:txBody>
-      </p:sp>
-      <p:sp>
-        <p:nvSpPr>
-          <p:cNvPr id="187" name="Text Placeholder 186"/>
-          <p:cNvSpPr>
-            <a:spLocks noGrp="1"/>
-          </p:cNvSpPr>
-          <p:nvPr>
-            <p:ph type="body" sz="quarter" idx="22"/>
-          </p:nvPr>
-        </p:nvSpPr>
-        <p:spPr>
-          <a:xfrm>
-            <a:off x="8687068" y="3464327"/>
-            <a:ext cx="15540038" cy="624326"/>
-          </a:xfrm>
-        </p:spPr>
-        <p:txBody>
-          <a:bodyPr/>
-          <a:lstStyle/>
-          <a:p>
-            <a:r>
-              <a:rPr lang="en-US" sz="3200" u="none" dirty="0" smtClean="0">
-                <a:latin typeface="Constantia" pitchFamily="18" charset="0"/>
-              </a:rPr>
-              <a:t>Parallelizing </a:t>
-            </a:r>
-            <a:r>
-              <a:rPr lang="en-US" sz="3200" u="none" dirty="0" err="1" smtClean="0">
-                <a:latin typeface="Constantia" pitchFamily="18" charset="0"/>
-              </a:rPr>
-              <a:t>Minimax</a:t>
-            </a:r>
-            <a:r>
-              <a:rPr lang="en-US" sz="3200" u="none" dirty="0" smtClean="0">
-                <a:latin typeface="Constantia" pitchFamily="18" charset="0"/>
-              </a:rPr>
-              <a:t> and Heuristic Computations</a:t>
-            </a:r>
-            <a:endParaRPr lang="en-US" sz="3200" u="none" dirty="0">
-              <a:latin typeface="Constantia" pitchFamily="18" charset="0"/>
-            </a:endParaRPr>
-          </a:p>
-        </p:txBody>
-      </p:sp>
-      <p:sp>
-        <p:nvSpPr>
-          <p:cNvPr id="188" name="Text Placeholder 187"/>
-          <p:cNvSpPr>
-            <a:spLocks noGrp="1"/>
-          </p:cNvSpPr>
-          <p:nvPr>
-            <p:ph type="body" sz="quarter" idx="23"/>
-          </p:nvPr>
-        </p:nvSpPr>
-        <p:spPr>
-          <a:xfrm>
-            <a:off x="8687068" y="17648029"/>
-            <a:ext cx="15540038" cy="3210493"/>
-          </a:xfrm>
-        </p:spPr>
-        <p:txBody>
-          <a:bodyPr/>
-          <a:lstStyle/>
-          <a:p>
-            <a:r>
-              <a:rPr lang="en-US" dirty="0" smtClean="0">
-                <a:latin typeface="Constantia" pitchFamily="18" charset="0"/>
-              </a:rPr>
-              <a:t>Parallelizing search space reduction is an area that we will experiment with.  The easiest technique would be  to run this optimization portion serially, - meaning each processor will use the optimization algorithm from its own first node and below.  This should give a speedup over the non-pruned version.  However, this setup will not allow for the information on one branch to prune the other branches.  As discussed above, full </a:t>
-            </a:r>
-            <a:r>
-              <a:rPr lang="el-GR" dirty="0" smtClean="0">
-                <a:latin typeface="Cambria Math"/>
-                <a:ea typeface="Cambria Math"/>
-              </a:rPr>
-              <a:t>α</a:t>
-            </a:r>
-            <a:r>
-              <a:rPr lang="en-US" dirty="0" smtClean="0">
-                <a:latin typeface="Cambria Math"/>
-                <a:ea typeface="Cambria Math"/>
-              </a:rPr>
-              <a:t>-</a:t>
-            </a:r>
-            <a:r>
-              <a:rPr lang="el-GR" dirty="0" smtClean="0">
-                <a:latin typeface="Cambria Math"/>
-                <a:ea typeface="Cambria Math"/>
-              </a:rPr>
-              <a:t>β</a:t>
-            </a:r>
-            <a:r>
-              <a:rPr lang="en-US" dirty="0" smtClean="0">
-                <a:latin typeface="Cambria Math"/>
-                <a:ea typeface="Cambria Math"/>
-              </a:rPr>
-              <a:t> is naturally a serial algorithm as the more that is searched serially allows for more pruning to follow.  Below are a couple of methods we have considered to parallelize </a:t>
-            </a:r>
-            <a:r>
-              <a:rPr lang="el-GR" dirty="0" smtClean="0">
-                <a:latin typeface="Cambria Math"/>
-                <a:ea typeface="Cambria Math"/>
-              </a:rPr>
-              <a:t>α</a:t>
-            </a:r>
-            <a:r>
-              <a:rPr lang="en-US" dirty="0" smtClean="0">
-                <a:latin typeface="Cambria Math"/>
-                <a:ea typeface="Cambria Math"/>
-              </a:rPr>
-              <a:t>-</a:t>
-            </a:r>
-            <a:r>
-              <a:rPr lang="el-GR" dirty="0" smtClean="0">
-                <a:latin typeface="Cambria Math"/>
-                <a:ea typeface="Cambria Math"/>
-              </a:rPr>
-              <a:t>β</a:t>
-            </a:r>
-            <a:r>
-              <a:rPr lang="en-US" dirty="0" smtClean="0">
-                <a:latin typeface="Cambria Math"/>
-                <a:ea typeface="Cambria Math"/>
-              </a:rPr>
-              <a:t> pruning if necessary:</a:t>
-            </a:r>
-          </a:p>
-          <a:p>
-            <a:r>
-              <a:rPr lang="en-US" dirty="0" smtClean="0">
-                <a:latin typeface="Cambria Math"/>
-                <a:ea typeface="Cambria Math"/>
-              </a:rPr>
-              <a:t>1) One processor  will be dedicated to sampling evenly from all the processor’s branches a set of states from which it will constantly update and broadcast the </a:t>
-            </a:r>
-            <a:r>
-              <a:rPr lang="el-GR" dirty="0" smtClean="0">
-                <a:latin typeface="Cambria Math"/>
-                <a:ea typeface="Cambria Math"/>
-              </a:rPr>
-              <a:t>α</a:t>
-            </a:r>
-            <a:r>
-              <a:rPr lang="en-US" dirty="0" smtClean="0">
-                <a:latin typeface="Cambria Math"/>
-                <a:ea typeface="Cambria Math"/>
-              </a:rPr>
-              <a:t>-</a:t>
-            </a:r>
-            <a:r>
-              <a:rPr lang="el-GR" dirty="0" smtClean="0">
-                <a:latin typeface="Cambria Math"/>
-                <a:ea typeface="Cambria Math"/>
-              </a:rPr>
-              <a:t>β</a:t>
-            </a:r>
-            <a:r>
-              <a:rPr lang="en-US" dirty="0" smtClean="0">
-                <a:latin typeface="Cambria Math"/>
-                <a:ea typeface="Cambria Math"/>
-              </a:rPr>
-              <a:t> values that will be used for pruning – this will not always result in the mot optimal </a:t>
-            </a:r>
-            <a:r>
-              <a:rPr lang="el-GR" dirty="0" smtClean="0">
-                <a:latin typeface="Cambria Math"/>
-                <a:ea typeface="Cambria Math"/>
-              </a:rPr>
-              <a:t>α</a:t>
-            </a:r>
-            <a:r>
-              <a:rPr lang="en-US" dirty="0" smtClean="0">
-                <a:latin typeface="Cambria Math"/>
-                <a:ea typeface="Cambria Math"/>
-              </a:rPr>
-              <a:t>-</a:t>
-            </a:r>
-            <a:r>
-              <a:rPr lang="el-GR" dirty="0" smtClean="0">
-                <a:latin typeface="Cambria Math"/>
-                <a:ea typeface="Cambria Math"/>
-              </a:rPr>
-              <a:t>β</a:t>
-            </a:r>
-            <a:r>
-              <a:rPr lang="en-US" dirty="0" smtClean="0">
-                <a:latin typeface="Cambria Math"/>
-                <a:ea typeface="Cambria Math"/>
-              </a:rPr>
-              <a:t> to prune with but will allow the most parallel work to be done</a:t>
-            </a:r>
-          </a:p>
-          <a:p>
-            <a:r>
-              <a:rPr lang="en-US" dirty="0" smtClean="0">
-                <a:latin typeface="Cambria Math"/>
-                <a:ea typeface="Cambria Math"/>
-              </a:rPr>
-              <a:t>2) Each processor will </a:t>
-            </a:r>
-            <a:r>
-              <a:rPr lang="en-US" dirty="0" err="1" smtClean="0">
-                <a:latin typeface="Cambria Math"/>
-                <a:ea typeface="Cambria Math"/>
-              </a:rPr>
-              <a:t>asynchonously</a:t>
-            </a:r>
-            <a:r>
-              <a:rPr lang="en-US" dirty="0" smtClean="0">
-                <a:latin typeface="Cambria Math"/>
-                <a:ea typeface="Cambria Math"/>
-              </a:rPr>
-              <a:t> send and receive current best </a:t>
-            </a:r>
-            <a:r>
-              <a:rPr lang="el-GR" dirty="0" smtClean="0">
-                <a:latin typeface="Cambria Math"/>
-                <a:ea typeface="Cambria Math"/>
-              </a:rPr>
-              <a:t>α</a:t>
-            </a:r>
-            <a:r>
-              <a:rPr lang="en-US" dirty="0" smtClean="0">
-                <a:latin typeface="Cambria Math"/>
-                <a:ea typeface="Cambria Math"/>
-              </a:rPr>
-              <a:t>-</a:t>
-            </a:r>
-            <a:r>
-              <a:rPr lang="el-GR" dirty="0" smtClean="0">
-                <a:latin typeface="Cambria Math"/>
-                <a:ea typeface="Cambria Math"/>
-              </a:rPr>
-              <a:t>β</a:t>
-            </a:r>
-            <a:r>
-              <a:rPr lang="en-US" dirty="0" smtClean="0">
-                <a:latin typeface="Cambria Math"/>
-                <a:ea typeface="Cambria Math"/>
-              </a:rPr>
-              <a:t> values for every other processor to see and use to prune.  This should result in full pruning but may have issues with simultaneous updates when two processors try to update the “new” best </a:t>
-            </a:r>
-            <a:r>
-              <a:rPr lang="el-GR" dirty="0" smtClean="0">
-                <a:latin typeface="Cambria Math"/>
-                <a:ea typeface="Cambria Math"/>
-              </a:rPr>
-              <a:t>α</a:t>
-            </a:r>
-            <a:r>
-              <a:rPr lang="en-US" dirty="0" smtClean="0">
-                <a:latin typeface="Cambria Math"/>
-                <a:ea typeface="Cambria Math"/>
-              </a:rPr>
-              <a:t>-</a:t>
-            </a:r>
-            <a:r>
-              <a:rPr lang="el-GR" dirty="0" smtClean="0">
-                <a:latin typeface="Cambria Math"/>
-                <a:ea typeface="Cambria Math"/>
-              </a:rPr>
-              <a:t>β</a:t>
-            </a:r>
-            <a:r>
-              <a:rPr lang="en-US" dirty="0" smtClean="0">
-                <a:latin typeface="Cambria Math"/>
-                <a:ea typeface="Cambria Math"/>
-              </a:rPr>
-              <a:t> values</a:t>
-            </a:r>
-          </a:p>
-        </p:txBody>
-      </p:sp>
-      <p:sp>
-        <p:nvSpPr>
-          <p:cNvPr id="189" name="Text Placeholder 188"/>
-          <p:cNvSpPr>
-            <a:spLocks noGrp="1"/>
-          </p:cNvSpPr>
-          <p:nvPr>
-            <p:ph type="body" sz="quarter" idx="24"/>
-          </p:nvPr>
-        </p:nvSpPr>
-        <p:spPr>
-          <a:xfrm>
-            <a:off x="8687067" y="16594602"/>
-            <a:ext cx="15540038" cy="1116768"/>
-          </a:xfrm>
-        </p:spPr>
-        <p:txBody>
-          <a:bodyPr/>
-          <a:lstStyle/>
-          <a:p>
-            <a:r>
-              <a:rPr lang="en-US" sz="3200" u="none" dirty="0" smtClean="0">
-                <a:latin typeface="Constantia" pitchFamily="18" charset="0"/>
-              </a:rPr>
-              <a:t>Parallelizing Complexity Reduction and Optimization </a:t>
-            </a:r>
-            <a:r>
-              <a:rPr lang="en-US" sz="3200" u="none" dirty="0" smtClean="0">
-                <a:solidFill>
-                  <a:srgbClr val="FF0000"/>
-                </a:solidFill>
-                <a:latin typeface="Constantia" pitchFamily="18" charset="0"/>
-              </a:rPr>
-              <a:t>(</a:t>
-            </a:r>
-            <a:r>
-              <a:rPr lang="en-US" sz="3200" u="none" dirty="0" err="1" smtClean="0">
-                <a:solidFill>
-                  <a:srgbClr val="FF0000"/>
-                </a:solidFill>
-                <a:latin typeface="Constantia" pitchFamily="18" charset="0"/>
-              </a:rPr>
-              <a:t>im</a:t>
-            </a:r>
-            <a:r>
-              <a:rPr lang="en-US" sz="3200" u="none" dirty="0" smtClean="0">
-                <a:solidFill>
-                  <a:srgbClr val="FF0000"/>
-                </a:solidFill>
-                <a:latin typeface="Constantia" pitchFamily="18" charset="0"/>
-              </a:rPr>
-              <a:t> talking about </a:t>
-            </a:r>
-            <a:r>
-              <a:rPr lang="el-GR" sz="3200" u="none" dirty="0" smtClean="0">
-                <a:solidFill>
-                  <a:srgbClr val="FF0000"/>
-                </a:solidFill>
-                <a:latin typeface="Cambria Math"/>
-                <a:ea typeface="Cambria Math"/>
-              </a:rPr>
-              <a:t>α</a:t>
-            </a:r>
-            <a:r>
-              <a:rPr lang="en-US" sz="3200" u="none" dirty="0" smtClean="0">
-                <a:solidFill>
-                  <a:srgbClr val="FF0000"/>
-                </a:solidFill>
-                <a:latin typeface="Cambria Math"/>
-                <a:ea typeface="Cambria Math"/>
-              </a:rPr>
-              <a:t>-</a:t>
-            </a:r>
-            <a:r>
-              <a:rPr lang="el-GR" sz="3200" u="none" dirty="0" smtClean="0">
-                <a:solidFill>
-                  <a:srgbClr val="FF0000"/>
-                </a:solidFill>
-                <a:latin typeface="Cambria Math"/>
-                <a:ea typeface="Cambria Math"/>
-              </a:rPr>
-              <a:t>β</a:t>
-            </a:r>
-            <a:r>
-              <a:rPr lang="en-US" sz="3200" u="none" dirty="0" smtClean="0">
-                <a:solidFill>
-                  <a:srgbClr val="FF0000"/>
-                </a:solidFill>
-                <a:latin typeface="Cambria Math"/>
-                <a:ea typeface="Cambria Math"/>
-              </a:rPr>
-              <a:t> </a:t>
-            </a:r>
-            <a:r>
-              <a:rPr lang="en-US" sz="3200" u="none" dirty="0" smtClean="0">
-                <a:solidFill>
-                  <a:srgbClr val="FF0000"/>
-                </a:solidFill>
-                <a:latin typeface="Constantia" pitchFamily="18" charset="0"/>
-              </a:rPr>
-              <a:t>pruning – hope it makes sense parallel read this for sure)</a:t>
-            </a:r>
-            <a:endParaRPr lang="en-US" sz="3200" u="none" dirty="0">
-              <a:solidFill>
-                <a:srgbClr val="FF0000"/>
-              </a:solidFill>
-              <a:latin typeface="Constantia" pitchFamily="18" charset="0"/>
-            </a:endParaRPr>
-          </a:p>
-        </p:txBody>
-      </p:sp>
-      <p:sp>
-        <p:nvSpPr>
-          <p:cNvPr id="190" name="Text Placeholder 189"/>
-          <p:cNvSpPr>
-            <a:spLocks noGrp="1"/>
-          </p:cNvSpPr>
-          <p:nvPr>
-            <p:ph type="body" sz="quarter" idx="25"/>
-          </p:nvPr>
-        </p:nvSpPr>
-        <p:spPr>
-          <a:xfrm>
-            <a:off x="24679152" y="3464327"/>
-            <a:ext cx="7535264" cy="624326"/>
-          </a:xfrm>
-        </p:spPr>
-        <p:txBody>
-          <a:bodyPr/>
-          <a:lstStyle/>
-          <a:p>
-            <a:r>
-              <a:rPr lang="en-US" sz="3200" u="none" dirty="0" smtClean="0">
-                <a:latin typeface="Constantia" pitchFamily="18" charset="0"/>
-              </a:rPr>
-              <a:t>Current Work</a:t>
-            </a:r>
-            <a:endParaRPr lang="en-US" sz="3200" u="none" dirty="0">
-              <a:latin typeface="Constantia" pitchFamily="18" charset="0"/>
-            </a:endParaRPr>
-          </a:p>
-        </p:txBody>
-      </p:sp>
-      <p:sp>
-        <p:nvSpPr>
-          <p:cNvPr id="191" name="Text Placeholder 190"/>
-          <p:cNvSpPr>
-            <a:spLocks noGrp="1"/>
-          </p:cNvSpPr>
-          <p:nvPr>
-            <p:ph type="body" sz="quarter" idx="26"/>
-          </p:nvPr>
-        </p:nvSpPr>
-        <p:spPr>
-          <a:xfrm>
-            <a:off x="24697336" y="4088653"/>
-            <a:ext cx="7535264" cy="4096890"/>
-          </a:xfrm>
-        </p:spPr>
-        <p:txBody>
-          <a:bodyPr/>
-          <a:lstStyle/>
-          <a:p>
-            <a:r>
-              <a:rPr lang="en-US" dirty="0" smtClean="0">
-                <a:latin typeface="Constantia" pitchFamily="18" charset="0"/>
-              </a:rPr>
-              <a:t>We are currently in the midst of parallelizing the </a:t>
-            </a:r>
-            <a:r>
-              <a:rPr lang="en-US" dirty="0" err="1" smtClean="0">
-                <a:latin typeface="Constantia" pitchFamily="18" charset="0"/>
-              </a:rPr>
-              <a:t>minimax</a:t>
-            </a:r>
-            <a:r>
-              <a:rPr lang="en-US" dirty="0" smtClean="0">
-                <a:latin typeface="Constantia" pitchFamily="18" charset="0"/>
-              </a:rPr>
-              <a:t> game tree as well as planning how we chose to parallelize the search space reduction portion.  The first step will be to compare the parallelize </a:t>
-            </a:r>
-            <a:r>
-              <a:rPr lang="en-US" dirty="0" err="1" smtClean="0">
-                <a:latin typeface="Constantia" pitchFamily="18" charset="0"/>
-              </a:rPr>
-              <a:t>minimax</a:t>
-            </a:r>
-            <a:r>
-              <a:rPr lang="en-US" dirty="0" smtClean="0">
-                <a:latin typeface="Constantia" pitchFamily="18" charset="0"/>
-              </a:rPr>
-              <a:t> to the </a:t>
-            </a:r>
-            <a:r>
-              <a:rPr lang="en-US" dirty="0" err="1" smtClean="0">
-                <a:latin typeface="Constantia" pitchFamily="18" charset="0"/>
-              </a:rPr>
-              <a:t>serail</a:t>
-            </a:r>
-            <a:r>
-              <a:rPr lang="en-US" dirty="0" smtClean="0">
-                <a:latin typeface="Constantia" pitchFamily="18" charset="0"/>
-              </a:rPr>
-              <a:t> version.  For reference, our serial version, thinking just 2 moves ahead takes 10 seconds per turn pre search-space reduction.  We hope to use these numbers to calculate our efficiency for the parallel version – which we expect something close to 1 – as we are perfectly dividing the number of nodes across the processors if we do not prune the tree beforehand.</a:t>
-            </a:r>
-          </a:p>
-          <a:p>
-            <a:r>
-              <a:rPr lang="en-US" dirty="0" smtClean="0">
-                <a:latin typeface="Constantia" pitchFamily="18" charset="0"/>
-              </a:rPr>
-              <a:t>From there, we will test if further search space parallel methods actually help or are necessary and see how many ply deep we can compute.</a:t>
-            </a:r>
-          </a:p>
-          <a:p>
-            <a:endParaRPr lang="en-US" dirty="0" smtClean="0">
-              <a:latin typeface="Constantia" pitchFamily="18" charset="0"/>
-            </a:endParaRPr>
-          </a:p>
-          <a:p>
-            <a:r>
-              <a:rPr lang="en-US" dirty="0" smtClean="0">
-                <a:solidFill>
-                  <a:srgbClr val="FF0000"/>
-                </a:solidFill>
-                <a:latin typeface="Constantia" pitchFamily="18" charset="0"/>
-              </a:rPr>
-              <a:t>Get graphic of our game board showing a winning state?</a:t>
-            </a:r>
-            <a:endParaRPr lang="en-US" dirty="0">
-              <a:solidFill>
-                <a:srgbClr val="FF0000"/>
-              </a:solidFill>
-              <a:latin typeface="Constantia" pitchFamily="18" charset="0"/>
-            </a:endParaRPr>
-          </a:p>
-        </p:txBody>
-      </p:sp>
-      <p:sp>
-        <p:nvSpPr>
-          <p:cNvPr id="192" name="Text Placeholder 191"/>
-          <p:cNvSpPr>
-            <a:spLocks noGrp="1"/>
-          </p:cNvSpPr>
-          <p:nvPr>
-            <p:ph type="body" sz="quarter" idx="27"/>
-          </p:nvPr>
-        </p:nvSpPr>
-        <p:spPr>
-          <a:xfrm>
-            <a:off x="24675378" y="16650066"/>
-            <a:ext cx="7535264" cy="624326"/>
-          </a:xfrm>
-        </p:spPr>
-        <p:txBody>
-          <a:bodyPr/>
-          <a:lstStyle/>
-          <a:p>
-            <a:r>
-              <a:rPr lang="en-US" sz="3200" u="none" dirty="0" smtClean="0">
-                <a:latin typeface="Constantia" pitchFamily="18" charset="0"/>
-              </a:rPr>
-              <a:t>References</a:t>
-            </a:r>
-            <a:endParaRPr lang="en-US" sz="3200" u="none" dirty="0">
-              <a:latin typeface="Constantia" pitchFamily="18" charset="0"/>
-            </a:endParaRPr>
-          </a:p>
-        </p:txBody>
-      </p:sp>
-      <p:sp>
-        <p:nvSpPr>
-          <p:cNvPr id="193" name="Text Placeholder 192"/>
-          <p:cNvSpPr>
-            <a:spLocks noGrp="1"/>
-          </p:cNvSpPr>
-          <p:nvPr>
-            <p:ph type="body" sz="quarter" idx="28"/>
-          </p:nvPr>
-        </p:nvSpPr>
-        <p:spPr>
-          <a:xfrm>
-            <a:off x="24675378" y="17037270"/>
-            <a:ext cx="7539038" cy="606704"/>
-          </a:xfrm>
-        </p:spPr>
-        <p:txBody>
-          <a:bodyPr/>
-          <a:lstStyle/>
-          <a:p>
-            <a:r>
-              <a:rPr lang="en-US" dirty="0" smtClean="0">
-                <a:solidFill>
-                  <a:srgbClr val="FF0000"/>
-                </a:solidFill>
-                <a:latin typeface="Constantia" pitchFamily="18" charset="0"/>
-              </a:rPr>
-              <a:t>Insert our references here</a:t>
-            </a:r>
-            <a:endParaRPr lang="en-US" dirty="0">
-              <a:solidFill>
-                <a:srgbClr val="FF0000"/>
-              </a:solidFill>
-              <a:latin typeface="Constantia" pitchFamily="18" charset="0"/>
-            </a:endParaRPr>
-          </a:p>
-        </p:txBody>
-      </p:sp>
-      <p:sp>
-        <p:nvSpPr>
-          <p:cNvPr id="165" name="Text Placeholder 164"/>
-          <p:cNvSpPr>
-            <a:spLocks noGrp="1"/>
-          </p:cNvSpPr>
-          <p:nvPr>
-            <p:ph type="body" sz="quarter" idx="29"/>
-          </p:nvPr>
-        </p:nvSpPr>
-        <p:spPr>
-          <a:xfrm>
-            <a:off x="24679152" y="19253975"/>
-            <a:ext cx="7535264" cy="624326"/>
-          </a:xfrm>
-        </p:spPr>
-        <p:txBody>
-          <a:bodyPr/>
-          <a:lstStyle/>
-          <a:p>
-            <a:r>
-              <a:rPr lang="en-US" sz="3200" u="none" dirty="0" smtClean="0">
-                <a:latin typeface="Constantia" pitchFamily="18" charset="0"/>
-              </a:rPr>
-              <a:t>Acknowledgments</a:t>
-            </a:r>
-            <a:endParaRPr lang="en-US" sz="3200" u="none" dirty="0">
-              <a:latin typeface="Constantia" pitchFamily="18" charset="0"/>
-            </a:endParaRPr>
-          </a:p>
-        </p:txBody>
-      </p:sp>
-      <p:sp>
-        <p:nvSpPr>
           <p:cNvPr id="194" name="Text Placeholder 193"/>
           <p:cNvSpPr>
             <a:spLocks noGrp="1"/>
@@ -12655,6 +12534,159 @@
             <p:ph type="body" sz="quarter" idx="107"/>
           </p:nvPr>
         </p:nvSpPr>
+        <p:spPr>
+          <a:xfrm>
+            <a:off x="692411" y="17992165"/>
+            <a:ext cx="7542610" cy="2988894"/>
+          </a:xfrm>
+        </p:spPr>
+        <p:txBody>
+          <a:bodyPr/>
+          <a:lstStyle/>
+          <a:p>
+            <a:r>
+              <a:rPr lang="en-US" dirty="0" smtClean="0">
+                <a:latin typeface="Constantia" pitchFamily="18" charset="0"/>
+              </a:rPr>
+              <a:t>Heuristic: “X-in-a-row”</a:t>
+            </a:r>
+          </a:p>
+          <a:p>
+            <a:r>
+              <a:rPr lang="en-US" dirty="0" smtClean="0">
+                <a:latin typeface="Constantia" pitchFamily="18" charset="0"/>
+              </a:rPr>
+              <a:t>Currently, we evaluate (efficiently) the number of 1-in-a-row, 2-in-a-row, 3-in-a-row, 4-in-a-row, and 5-in-a-rows (game over) for each player on the board. We then evaluate the utility by taking the dot product of this vector of numbers with another vector of exponentially increasing weights, to weigh longer combos higher than shorter combos.</a:t>
+            </a:r>
+          </a:p>
+          <a:p>
+            <a:endParaRPr lang="en-US" dirty="0">
+              <a:latin typeface="Constantia" pitchFamily="18" charset="0"/>
+            </a:endParaRPr>
+          </a:p>
+          <a:p>
+            <a:r>
+              <a:rPr lang="en-US" dirty="0" smtClean="0">
+                <a:latin typeface="Constantia" pitchFamily="18" charset="0"/>
+              </a:rPr>
+              <a:t>The serial </a:t>
+            </a:r>
+            <a:r>
+              <a:rPr lang="en-US" dirty="0" err="1" smtClean="0">
+                <a:latin typeface="Constantia" pitchFamily="18" charset="0"/>
+              </a:rPr>
+              <a:t>minimax</a:t>
+            </a:r>
+            <a:r>
+              <a:rPr lang="en-US" dirty="0">
+                <a:latin typeface="Constantia" pitchFamily="18" charset="0"/>
+              </a:rPr>
+              <a:t> </a:t>
+            </a:r>
+            <a:r>
+              <a:rPr lang="en-US" dirty="0" smtClean="0">
+                <a:latin typeface="Constantia" pitchFamily="18" charset="0"/>
+              </a:rPr>
+              <a:t>tree essentially maximizes this score assuming that the opponent will play optimally.</a:t>
+            </a:r>
+            <a:endParaRPr lang="en-US" dirty="0">
+              <a:latin typeface="Constantia" pitchFamily="18" charset="0"/>
+            </a:endParaRPr>
+          </a:p>
+        </p:txBody>
+      </p:sp>
+      <p:sp>
+        <p:nvSpPr>
+          <p:cNvPr id="198" name="Text Placeholder 197"/>
+          <p:cNvSpPr>
+            <a:spLocks noGrp="1"/>
+          </p:cNvSpPr>
+          <p:nvPr>
+            <p:ph type="body" sz="quarter" idx="116"/>
+          </p:nvPr>
+        </p:nvSpPr>
+        <p:spPr>
+          <a:xfrm>
+            <a:off x="24668032" y="18382510"/>
+            <a:ext cx="7542610" cy="939102"/>
+          </a:xfrm>
+        </p:spPr>
+        <p:txBody>
+          <a:bodyPr/>
+          <a:lstStyle/>
+          <a:p>
+            <a:r>
+              <a:rPr lang="en-US" dirty="0" err="1" smtClean="0">
+                <a:latin typeface="Constantia" pitchFamily="18" charset="0"/>
+              </a:rPr>
+              <a:t>Rivest</a:t>
+            </a:r>
+            <a:r>
+              <a:rPr lang="en-US" dirty="0" smtClean="0">
+                <a:latin typeface="Constantia" pitchFamily="18" charset="0"/>
+              </a:rPr>
+              <a:t>, R. Game Tree Searching by Min/Max Approximation.</a:t>
+            </a:r>
+          </a:p>
+          <a:p>
+            <a:r>
+              <a:rPr lang="en-US" dirty="0" smtClean="0">
+                <a:latin typeface="Constantia" pitchFamily="18" charset="0"/>
+              </a:rPr>
+              <a:t>Stuart, R, </a:t>
+            </a:r>
+            <a:r>
+              <a:rPr lang="en-US" dirty="0" err="1" smtClean="0">
+                <a:latin typeface="Constantia" pitchFamily="18" charset="0"/>
+              </a:rPr>
+              <a:t>Norvig</a:t>
+            </a:r>
+            <a:r>
+              <a:rPr lang="en-US" dirty="0" smtClean="0">
+                <a:latin typeface="Constantia" pitchFamily="18" charset="0"/>
+              </a:rPr>
+              <a:t>, P. Artificial Intelligence: A Modern Approach (3</a:t>
+            </a:r>
+            <a:r>
+              <a:rPr lang="en-US" baseline="30000" dirty="0" smtClean="0">
+                <a:latin typeface="Constantia" pitchFamily="18" charset="0"/>
+              </a:rPr>
+              <a:t>rd</a:t>
+            </a:r>
+            <a:r>
+              <a:rPr lang="en-US" dirty="0" smtClean="0">
+                <a:latin typeface="Constantia" pitchFamily="18" charset="0"/>
+              </a:rPr>
+              <a:t> </a:t>
+            </a:r>
+            <a:r>
+              <a:rPr lang="en-US" dirty="0" err="1" smtClean="0">
+                <a:latin typeface="Constantia" pitchFamily="18" charset="0"/>
+              </a:rPr>
+              <a:t>ed</a:t>
+            </a:r>
+            <a:r>
+              <a:rPr lang="en-US" dirty="0" smtClean="0">
+                <a:latin typeface="Constantia" pitchFamily="18" charset="0"/>
+              </a:rPr>
+              <a:t>).</a:t>
+            </a:r>
+            <a:endParaRPr lang="en-US" dirty="0">
+              <a:latin typeface="Constantia" pitchFamily="18" charset="0"/>
+            </a:endParaRPr>
+          </a:p>
+        </p:txBody>
+      </p:sp>
+      <p:sp>
+        <p:nvSpPr>
+          <p:cNvPr id="199" name="Text Placeholder 198"/>
+          <p:cNvSpPr>
+            <a:spLocks noGrp="1"/>
+          </p:cNvSpPr>
+          <p:nvPr>
+            <p:ph type="body" sz="quarter" idx="117"/>
+          </p:nvPr>
+        </p:nvSpPr>
         <p:spPr/>
         <p:txBody>
           <a:bodyPr/>
@@ -12668,12 +12700,12 @@
       </p:sp>
       <p:sp>
         <p:nvSpPr>
-          <p:cNvPr id="198" name="Text Placeholder 197"/>
-          <p:cNvSpPr>
-            <a:spLocks noGrp="1"/>
-          </p:cNvSpPr>
-          <p:nvPr>
-            <p:ph type="body" sz="quarter" idx="116"/>
+          <p:cNvPr id="200" name="Text Placeholder 199"/>
+          <p:cNvSpPr>
+            <a:spLocks noGrp="1"/>
+          </p:cNvSpPr>
+          <p:nvPr>
+            <p:ph type="body" sz="quarter" idx="118"/>
           </p:nvPr>
         </p:nvSpPr>
         <p:spPr/>
@@ -12689,12 +12721,12 @@
       </p:sp>
       <p:sp>
         <p:nvSpPr>
-          <p:cNvPr id="199" name="Text Placeholder 198"/>
-          <p:cNvSpPr>
-            <a:spLocks noGrp="1"/>
-          </p:cNvSpPr>
-          <p:nvPr>
-            <p:ph type="body" sz="quarter" idx="117"/>
+          <p:cNvPr id="201" name="Text Placeholder 200"/>
+          <p:cNvSpPr>
+            <a:spLocks noGrp="1"/>
+          </p:cNvSpPr>
+          <p:nvPr>
+            <p:ph type="body" sz="quarter" idx="119"/>
           </p:nvPr>
         </p:nvSpPr>
         <p:spPr/>
@@ -12710,12 +12742,12 @@
       </p:sp>
       <p:sp>
         <p:nvSpPr>
-          <p:cNvPr id="200" name="Text Placeholder 199"/>
-          <p:cNvSpPr>
-            <a:spLocks noGrp="1"/>
-          </p:cNvSpPr>
-          <p:nvPr>
-            <p:ph type="body" sz="quarter" idx="118"/>
+          <p:cNvPr id="202" name="Text Placeholder 201"/>
+          <p:cNvSpPr>
+            <a:spLocks noGrp="1"/>
+          </p:cNvSpPr>
+          <p:nvPr>
+            <p:ph type="body" sz="quarter" idx="120"/>
           </p:nvPr>
         </p:nvSpPr>
         <p:spPr/>
@@ -12731,12 +12763,12 @@
       </p:sp>
       <p:sp>
         <p:nvSpPr>
-          <p:cNvPr id="201" name="Text Placeholder 200"/>
-          <p:cNvSpPr>
-            <a:spLocks noGrp="1"/>
-          </p:cNvSpPr>
-          <p:nvPr>
-            <p:ph type="body" sz="quarter" idx="119"/>
+          <p:cNvPr id="203" name="Text Placeholder 202"/>
+          <p:cNvSpPr>
+            <a:spLocks noGrp="1"/>
+          </p:cNvSpPr>
+          <p:nvPr>
+            <p:ph type="body" sz="quarter" idx="121"/>
           </p:nvPr>
         </p:nvSpPr>
         <p:spPr/>
@@ -12752,12 +12784,12 @@
       </p:sp>
       <p:sp>
         <p:nvSpPr>
-          <p:cNvPr id="202" name="Text Placeholder 201"/>
-          <p:cNvSpPr>
-            <a:spLocks noGrp="1"/>
-          </p:cNvSpPr>
-          <p:nvPr>
-            <p:ph type="body" sz="quarter" idx="120"/>
+          <p:cNvPr id="204" name="Text Placeholder 203"/>
+          <p:cNvSpPr>
+            <a:spLocks noGrp="1"/>
+          </p:cNvSpPr>
+          <p:nvPr>
+            <p:ph type="body" sz="quarter" idx="122"/>
           </p:nvPr>
         </p:nvSpPr>
         <p:spPr/>
@@ -12773,12 +12805,12 @@
       </p:sp>
       <p:sp>
         <p:nvSpPr>
-          <p:cNvPr id="203" name="Text Placeholder 202"/>
-          <p:cNvSpPr>
-            <a:spLocks noGrp="1"/>
-          </p:cNvSpPr>
-          <p:nvPr>
-            <p:ph type="body" sz="quarter" idx="121"/>
+          <p:cNvPr id="205" name="Text Placeholder 204"/>
+          <p:cNvSpPr>
+            <a:spLocks noGrp="1"/>
+          </p:cNvSpPr>
+          <p:nvPr>
+            <p:ph type="body" sz="quarter" idx="123"/>
           </p:nvPr>
         </p:nvSpPr>
         <p:spPr/>
@@ -12794,12 +12826,12 @@
       </p:sp>
       <p:sp>
         <p:nvSpPr>
-          <p:cNvPr id="204" name="Text Placeholder 203"/>
-          <p:cNvSpPr>
-            <a:spLocks noGrp="1"/>
-          </p:cNvSpPr>
-          <p:nvPr>
-            <p:ph type="body" sz="quarter" idx="122"/>
+          <p:cNvPr id="206" name="Text Placeholder 205"/>
+          <p:cNvSpPr>
+            <a:spLocks noGrp="1"/>
+          </p:cNvSpPr>
+          <p:nvPr>
+            <p:ph type="body" sz="quarter" idx="124"/>
           </p:nvPr>
         </p:nvSpPr>
         <p:spPr/>
@@ -12815,12 +12847,12 @@
       </p:sp>
       <p:sp>
         <p:nvSpPr>
-          <p:cNvPr id="205" name="Text Placeholder 204"/>
-          <p:cNvSpPr>
-            <a:spLocks noGrp="1"/>
-          </p:cNvSpPr>
-          <p:nvPr>
-            <p:ph type="body" sz="quarter" idx="123"/>
+          <p:cNvPr id="207" name="Text Placeholder 206"/>
+          <p:cNvSpPr>
+            <a:spLocks noGrp="1"/>
+          </p:cNvSpPr>
+          <p:nvPr>
+            <p:ph type="body" sz="quarter" idx="125"/>
           </p:nvPr>
         </p:nvSpPr>
         <p:spPr/>
@@ -12828,49 +12860,7 @@
           <a:bodyPr/>
           <a:lstStyle/>
           <a:p>
-            <a:endParaRPr lang="en-US">
-              <a:latin typeface="Constantia" pitchFamily="18" charset="0"/>
-            </a:endParaRPr>
-          </a:p>
-        </p:txBody>
-      </p:sp>
-      <p:sp>
-        <p:nvSpPr>
-          <p:cNvPr id="206" name="Text Placeholder 205"/>
-          <p:cNvSpPr>
-            <a:spLocks noGrp="1"/>
-          </p:cNvSpPr>
-          <p:nvPr>
-            <p:ph type="body" sz="quarter" idx="124"/>
-          </p:nvPr>
-        </p:nvSpPr>
-        <p:spPr/>
-        <p:txBody>
-          <a:bodyPr/>
-          <a:lstStyle/>
-          <a:p>
-            <a:endParaRPr lang="en-US">
-              <a:latin typeface="Constantia" pitchFamily="18" charset="0"/>
-            </a:endParaRPr>
-          </a:p>
-        </p:txBody>
-      </p:sp>
-      <p:sp>
-        <p:nvSpPr>
-          <p:cNvPr id="207" name="Text Placeholder 206"/>
-          <p:cNvSpPr>
-            <a:spLocks noGrp="1"/>
-          </p:cNvSpPr>
-          <p:nvPr>
-            <p:ph type="body" sz="quarter" idx="125"/>
-          </p:nvPr>
-        </p:nvSpPr>
-        <p:spPr/>
-        <p:txBody>
-          <a:bodyPr/>
-          <a:lstStyle/>
-          <a:p>
-            <a:endParaRPr lang="en-US">
+            <a:endParaRPr lang="en-US" dirty="0">
               <a:latin typeface="Constantia" pitchFamily="18" charset="0"/>
             </a:endParaRPr>
           </a:p>
@@ -13489,7 +13479,7 @@
         <p:spPr>
           <a:xfrm>
             <a:off x="24772732" y="11002087"/>
-            <a:ext cx="7535264" cy="5703483"/>
+            <a:ext cx="7535264" cy="6608347"/>
           </a:xfrm>
           <a:prstGeom prst="rect">
             <a:avLst/>
@@ -13519,7 +13509,7 @@
               <a:defRPr/>
             </a:pPr>
             <a:r>
-              <a:rPr lang="en-US" sz="1800" dirty="0" smtClean="0">
+              <a:rPr lang="en-US" sz="2000" dirty="0" smtClean="0">
                 <a:solidFill>
                   <a:schemeClr val="accent5">
                     <a:lumMod val="50000"/>
@@ -13530,7 +13520,7 @@
               <a:t>There are many ideas to pursue in optimizing our AI.  We recognize that with the limitations on pruning with our parallel case, a well-designed (tree ordering and </a:t>
             </a:r>
             <a:r>
-              <a:rPr lang="el-GR" sz="1800" dirty="0" smtClean="0">
+              <a:rPr lang="el-GR" sz="2000" dirty="0" smtClean="0">
                 <a:solidFill>
                   <a:schemeClr val="accent5">
                     <a:lumMod val="50000"/>
@@ -13542,7 +13532,7 @@
               <a:t>α</a:t>
             </a:r>
             <a:r>
-              <a:rPr lang="en-US" sz="1800" dirty="0" smtClean="0">
+              <a:rPr lang="en-US" sz="2000" dirty="0" smtClean="0">
                 <a:solidFill>
                   <a:schemeClr val="accent5">
                     <a:lumMod val="50000"/>
@@ -13554,7 +13544,7 @@
               <a:t>-</a:t>
             </a:r>
             <a:r>
-              <a:rPr lang="el-GR" sz="1800" dirty="0" smtClean="0">
+              <a:rPr lang="el-GR" sz="2000" dirty="0" smtClean="0">
                 <a:solidFill>
                   <a:schemeClr val="accent5">
                     <a:lumMod val="50000"/>
@@ -13566,7 +13556,7 @@
               <a:t>β</a:t>
             </a:r>
             <a:r>
-              <a:rPr lang="en-US" sz="1800" dirty="0" smtClean="0">
+              <a:rPr lang="en-US" sz="2000" dirty="0" smtClean="0">
                 <a:solidFill>
                   <a:schemeClr val="accent5">
                     <a:lumMod val="50000"/>
@@ -13597,7 +13587,7 @@
               <a:defRPr/>
             </a:pPr>
             <a:r>
-              <a:rPr lang="en-US" sz="1800" noProof="0" dirty="0" smtClean="0">
+              <a:rPr lang="en-US" sz="2000" noProof="0" dirty="0" smtClean="0">
                 <a:solidFill>
                   <a:schemeClr val="accent5">
                     <a:lumMod val="50000"/>
@@ -13628,7 +13618,7 @@
               <a:defRPr/>
             </a:pPr>
             <a:r>
-              <a:rPr kumimoji="0" lang="en-US" sz="1800" b="0" i="0" u="none" strike="noStrike" kern="1200" cap="none" spc="0" normalizeH="0" baseline="0" dirty="0" smtClean="0">
+              <a:rPr kumimoji="0" lang="en-US" sz="2000" b="0" i="0" u="none" strike="noStrike" kern="1200" cap="none" spc="0" normalizeH="0" baseline="0" dirty="0" smtClean="0">
                 <a:ln>
                   <a:noFill/>
                 </a:ln>
@@ -13642,12 +13632,11 @@
                 <a:uFillTx/>
                 <a:latin typeface="Cambria Math"/>
                 <a:ea typeface="Cambria Math"/>
-                <a:cs typeface="+mn-cs"/>
               </a:rPr>
               <a:t>Finally, the nature of the </a:t>
             </a:r>
             <a:r>
-              <a:rPr kumimoji="0" lang="en-US" sz="1800" b="0" i="0" u="none" strike="noStrike" kern="1200" cap="none" spc="0" normalizeH="0" baseline="0" dirty="0" err="1" smtClean="0">
+              <a:rPr kumimoji="0" lang="en-US" sz="2000" b="0" i="0" u="none" strike="noStrike" kern="1200" cap="none" spc="0" normalizeH="0" baseline="0" dirty="0" err="1" smtClean="0">
                 <a:ln>
                   <a:noFill/>
                 </a:ln>
@@ -13661,12 +13650,11 @@
                 <a:uFillTx/>
                 <a:latin typeface="Cambria Math"/>
                 <a:ea typeface="Cambria Math"/>
-                <a:cs typeface="+mn-cs"/>
               </a:rPr>
               <a:t>minimax</a:t>
             </a:r>
             <a:r>
-              <a:rPr kumimoji="0" lang="en-US" sz="1800" b="0" i="0" u="none" strike="noStrike" kern="1200" cap="none" spc="0" normalizeH="0" dirty="0" smtClean="0">
+              <a:rPr kumimoji="0" lang="en-US" sz="2000" b="0" i="0" u="none" strike="noStrike" kern="1200" cap="none" spc="0" normalizeH="0" dirty="0" smtClean="0">
                 <a:ln>
                   <a:noFill/>
                 </a:ln>
@@ -13680,12 +13668,11 @@
                 <a:uFillTx/>
                 <a:latin typeface="Cambria Math"/>
                 <a:ea typeface="Cambria Math"/>
-                <a:cs typeface="+mn-cs"/>
               </a:rPr>
               <a:t> algorithm always assumes perfect play by the opponent and does not capitalize on possible mistakes or traps that a human opponent could make.  Thus it plays very passively but a more aggressive algorithm would deviate from the well-studied </a:t>
             </a:r>
             <a:r>
-              <a:rPr kumimoji="0" lang="en-US" sz="1800" b="0" i="0" u="none" strike="noStrike" kern="1200" cap="none" spc="0" normalizeH="0" dirty="0" err="1" smtClean="0">
+              <a:rPr kumimoji="0" lang="en-US" sz="2000" b="0" i="0" u="none" strike="noStrike" kern="1200" cap="none" spc="0" normalizeH="0" dirty="0" err="1" smtClean="0">
                 <a:ln>
                   <a:noFill/>
                 </a:ln>
@@ -13699,12 +13686,11 @@
                 <a:uFillTx/>
                 <a:latin typeface="Cambria Math"/>
                 <a:ea typeface="Cambria Math"/>
-                <a:cs typeface="+mn-cs"/>
               </a:rPr>
               <a:t>minimax</a:t>
             </a:r>
             <a:r>
-              <a:rPr lang="en-US" sz="1800" dirty="0" smtClean="0">
+              <a:rPr lang="en-US" sz="2000" dirty="0" smtClean="0">
                 <a:solidFill>
                   <a:schemeClr val="accent5">
                     <a:lumMod val="50000"/>
@@ -13715,7 +13701,7 @@
               </a:rPr>
               <a:t> and is also non-trivial.</a:t>
             </a:r>
-            <a:endParaRPr kumimoji="0" lang="en-US" sz="1800" b="0" i="0" u="none" strike="noStrike" kern="1200" cap="none" spc="0" normalizeH="0" baseline="0" noProof="0" dirty="0">
+            <a:endParaRPr kumimoji="0" lang="en-US" sz="2000" b="0" i="0" u="none" strike="noStrike" kern="1200" cap="none" spc="0" normalizeH="0" baseline="0" noProof="0" dirty="0">
               <a:ln>
                 <a:noFill/>
               </a:ln>
@@ -13728,8 +13714,6 @@
               <a:uLnTx/>
               <a:uFillTx/>
               <a:latin typeface="Constantia" pitchFamily="18" charset="0"/>
-              <a:ea typeface="+mn-ea"/>
-              <a:cs typeface="+mn-cs"/>
             </a:endParaRPr>
           </a:p>
         </p:txBody>
@@ -13913,97 +13897,6 @@
           </a:p>
         </p:txBody>
       </p:sp>
-      <p:sp>
-        <p:nvSpPr>
-          <p:cNvPr id="237" name="Text Placeholder 183"/>
-          <p:cNvSpPr txBox="1">
-            <a:spLocks/>
-          </p:cNvSpPr>
-          <p:nvPr/>
-        </p:nvSpPr>
-        <p:spPr>
-          <a:xfrm>
-            <a:off x="8687068" y="11362575"/>
-            <a:ext cx="15540037" cy="606704"/>
-          </a:xfrm>
-          <a:prstGeom prst="rect">
-            <a:avLst/>
-          </a:prstGeom>
-        </p:spPr>
-        <p:txBody>
-          <a:bodyPr wrap="square" lIns="163258" tIns="163258" rIns="163258" bIns="163258">
-            <a:spAutoFit/>
-          </a:bodyPr>
-          <a:lstStyle/>
-          <a:p>
-            <a:pPr marL="244887" marR="0" lvl="0" indent="-244887" algn="l" defTabSz="3134552" rtl="0" eaLnBrk="1" fontAlgn="auto" latinLnBrk="0" hangingPunct="1">
-              <a:lnSpc>
-                <a:spcPct val="100000"/>
-              </a:lnSpc>
-              <a:spcBef>
-                <a:spcPct val="20000"/>
-              </a:spcBef>
-              <a:spcAft>
-                <a:spcPts val="0"/>
-              </a:spcAft>
-              <a:buClrTx/>
-              <a:buSzTx/>
-              <a:buFont typeface="Arial" pitchFamily="34" charset="0"/>
-              <a:buNone/>
-              <a:tabLst/>
-              <a:defRPr/>
-            </a:pPr>
-            <a:r>
-              <a:rPr kumimoji="0" lang="en-US" sz="1800" b="0" i="0" u="none" strike="noStrike" kern="1200" cap="none" spc="0" normalizeH="0" baseline="0" noProof="0" dirty="0" smtClean="0">
-                <a:ln>
-                  <a:noFill/>
-                </a:ln>
-                <a:solidFill>
-                  <a:srgbClr val="FF0000"/>
-                </a:solidFill>
-                <a:effectLst/>
-                <a:uLnTx/>
-                <a:uFillTx/>
-                <a:latin typeface="Constantia" pitchFamily="18" charset="0"/>
-                <a:ea typeface="+mn-ea"/>
-                <a:cs typeface="+mn-cs"/>
-              </a:rPr>
-              <a:t>Talk about the various optimizations or even just pick one +</a:t>
-            </a:r>
-            <a:r>
-              <a:rPr kumimoji="0" lang="en-US" sz="1800" b="0" i="0" u="none" strike="noStrike" kern="1200" cap="none" spc="0" normalizeH="0" noProof="0" dirty="0" smtClean="0">
-                <a:ln>
-                  <a:noFill/>
-                </a:ln>
-                <a:solidFill>
-                  <a:srgbClr val="FF0000"/>
-                </a:solidFill>
-                <a:effectLst/>
-                <a:uLnTx/>
-                <a:uFillTx/>
-                <a:latin typeface="Constantia" pitchFamily="18" charset="0"/>
-                <a:ea typeface="+mn-ea"/>
-                <a:cs typeface="+mn-cs"/>
-              </a:rPr>
-              <a:t> graphic</a:t>
-            </a:r>
-            <a:endParaRPr kumimoji="0" lang="en-US" sz="1800" b="0" i="0" u="none" strike="noStrike" kern="1200" cap="none" spc="0" normalizeH="0" baseline="0" noProof="0" dirty="0">
-              <a:ln>
-                <a:noFill/>
-              </a:ln>
-              <a:solidFill>
-                <a:srgbClr val="FF0000"/>
-              </a:solidFill>
-              <a:effectLst/>
-              <a:uLnTx/>
-              <a:uFillTx/>
-              <a:latin typeface="Constantia" pitchFamily="18" charset="0"/>
-              <a:ea typeface="+mn-ea"/>
-              <a:cs typeface="+mn-cs"/>
-            </a:endParaRPr>
-          </a:p>
-        </p:txBody>
-      </p:sp>
       <p:pic>
         <p:nvPicPr>
           <p:cNvPr id="246" name="Picture 245" descr="SEASLogo.png"/>
@@ -14013,10 +13906,10 @@
           <p:nvPr/>
         </p:nvPicPr>
         <p:blipFill>
-          <a:blip r:embed="rId2" cstate="print">
+          <a:blip r:embed="rId3" cstate="print">
             <a:extLst>
               <a:ext uri="{28A0092B-C50C-407E-A947-70E740481C1C}">
-                <a14:useLocalDpi xmlns="" xmlns:a14="http://schemas.microsoft.com/office/drawing/2010/main" val="0"/>
+                <a14:useLocalDpi xmlns:a14="http://schemas.microsoft.com/office/drawing/2010/main" val="0"/>
               </a:ext>
             </a:extLst>
           </a:blip>
@@ -14048,7 +13941,7 @@
           </p:nvPr>
         </p:nvPicPr>
         <p:blipFill>
-          <a:blip r:embed="rId3" cstate="print"/>
+          <a:blip r:embed="rId4" cstate="print"/>
           <a:srcRect t="745" b="745"/>
           <a:stretch>
             <a:fillRect/>
@@ -14061,10 +13954,202 @@
           </a:xfrm>
         </p:spPr>
       </p:pic>
+      <p:sp>
+        <p:nvSpPr>
+          <p:cNvPr id="2" name="Rectangle 1"/>
+          <p:cNvSpPr/>
+          <p:nvPr/>
+        </p:nvSpPr>
+        <p:spPr bwMode="auto">
+          <a:xfrm>
+            <a:off x="17606470" y="6952887"/>
+            <a:ext cx="3058970" cy="3674126"/>
+          </a:xfrm>
+          <a:prstGeom prst="rect">
+            <a:avLst/>
+          </a:prstGeom>
+          <a:noFill/>
+          <a:ln>
+            <a:headEnd/>
+            <a:tailEnd/>
+          </a:ln>
+        </p:spPr>
+        <p:style>
+          <a:lnRef idx="2">
+            <a:schemeClr val="accent2"/>
+          </a:lnRef>
+          <a:fillRef idx="1">
+            <a:schemeClr val="lt1"/>
+          </a:fillRef>
+          <a:effectRef idx="0">
+            <a:schemeClr val="accent2"/>
+          </a:effectRef>
+          <a:fontRef idx="minor">
+            <a:schemeClr val="dk1"/>
+          </a:fontRef>
+        </p:style>
+        <p:txBody>
+          <a:bodyPr wrap="none" lIns="65304" tIns="32651" rIns="65304" bIns="32651" rtlCol="0" anchor="ctr"/>
+          <a:lstStyle/>
+          <a:p>
+            <a:pPr algn="ctr"/>
+            <a:endParaRPr lang="en-US" dirty="0"/>
+          </a:p>
+        </p:txBody>
+      </p:sp>
+      <p:sp>
+        <p:nvSpPr>
+          <p:cNvPr id="65" name="Rectangle 64"/>
+          <p:cNvSpPr/>
+          <p:nvPr/>
+        </p:nvSpPr>
+        <p:spPr bwMode="auto">
+          <a:xfrm>
+            <a:off x="20762793" y="6952888"/>
+            <a:ext cx="3111359" cy="3657014"/>
+          </a:xfrm>
+          <a:prstGeom prst="rect">
+            <a:avLst/>
+          </a:prstGeom>
+          <a:noFill/>
+          <a:ln>
+            <a:headEnd/>
+            <a:tailEnd/>
+          </a:ln>
+        </p:spPr>
+        <p:style>
+          <a:lnRef idx="2">
+            <a:schemeClr val="accent2"/>
+          </a:lnRef>
+          <a:fillRef idx="1">
+            <a:schemeClr val="lt1"/>
+          </a:fillRef>
+          <a:effectRef idx="0">
+            <a:schemeClr val="accent2"/>
+          </a:effectRef>
+          <a:fontRef idx="minor">
+            <a:schemeClr val="dk1"/>
+          </a:fontRef>
+        </p:style>
+        <p:txBody>
+          <a:bodyPr wrap="none" lIns="65304" tIns="32651" rIns="65304" bIns="32651" rtlCol="0" anchor="ctr"/>
+          <a:lstStyle/>
+          <a:p>
+            <a:pPr algn="ctr"/>
+            <a:endParaRPr lang="en-US" dirty="0"/>
+          </a:p>
+        </p:txBody>
+      </p:sp>
+      <p:pic>
+        <p:nvPicPr>
+          <p:cNvPr id="1028" name="Picture 4" descr="gametree_minimax"/>
+          <p:cNvPicPr>
+            <a:picLocks noChangeAspect="1" noChangeArrowheads="1"/>
+          </p:cNvPicPr>
+          <p:nvPr/>
+        </p:nvPicPr>
+        <p:blipFill>
+          <a:blip r:embed="rId2">
+            <a:extLst>
+              <a:ext uri="{28A0092B-C50C-407E-A947-70E740481C1C}">
+                <a14:useLocalDpi xmlns:a14="http://schemas.microsoft.com/office/drawing/2010/main" val="0"/>
+              </a:ext>
+            </a:extLst>
+          </a:blip>
+          <a:srcRect/>
+          <a:stretch>
+            <a:fillRect/>
+          </a:stretch>
+        </p:blipFill>
+        <p:spPr bwMode="auto">
+          <a:xfrm>
+            <a:off x="692411" y="12958528"/>
+            <a:ext cx="7459142" cy="4843064"/>
+          </a:xfrm>
+          <a:prstGeom prst="rect">
+            <a:avLst/>
+          </a:prstGeom>
+          <a:noFill/>
+          <a:extLst>
+            <a:ext uri="{909E8E84-426E-40DD-AFC4-6F175D3DCCD1}">
+              <a14:hiddenFill xmlns:a14="http://schemas.microsoft.com/office/drawing/2010/main">
+                <a:solidFill>
+                  <a:srgbClr val="FFFFFF"/>
+                </a:solidFill>
+              </a14:hiddenFill>
+            </a:ext>
+          </a:extLst>
+        </p:spPr>
+      </p:pic>
+      <p:pic>
+        <p:nvPicPr>
+          <p:cNvPr id="1030" name="Picture 6" descr="http://pages.cs.wisc.edu/~dyer/cs540/notes/gametree.gif"/>
+          <p:cNvPicPr>
+            <a:picLocks noChangeAspect="1" noChangeArrowheads="1"/>
+          </p:cNvPicPr>
+          <p:nvPr/>
+        </p:nvPicPr>
+        <p:blipFill>
+          <a:blip r:embed="rId5">
+            <a:extLst>
+              <a:ext uri="{28A0092B-C50C-407E-A947-70E740481C1C}">
+                <a14:useLocalDpi xmlns:a14="http://schemas.microsoft.com/office/drawing/2010/main" val="0"/>
+              </a:ext>
+            </a:extLst>
+          </a:blip>
+          <a:srcRect/>
+          <a:stretch>
+            <a:fillRect/>
+          </a:stretch>
+        </p:blipFill>
+        <p:spPr bwMode="auto">
+          <a:xfrm>
+            <a:off x="11575799" y="11370212"/>
+            <a:ext cx="10885190" cy="5192958"/>
+          </a:xfrm>
+          <a:prstGeom prst="rect">
+            <a:avLst/>
+          </a:prstGeom>
+          <a:noFill/>
+          <a:extLst>
+            <a:ext uri="{909E8E84-426E-40DD-AFC4-6F175D3DCCD1}">
+              <a14:hiddenFill xmlns:a14="http://schemas.microsoft.com/office/drawing/2010/main">
+                <a:solidFill>
+                  <a:srgbClr val="FFFFFF"/>
+                </a:solidFill>
+              </a14:hiddenFill>
+            </a:ext>
+          </a:extLst>
+        </p:spPr>
+      </p:pic>
+      <p:pic>
+        <p:nvPicPr>
+          <p:cNvPr id="4" name="Picture 3"/>
+          <p:cNvPicPr>
+            <a:picLocks noChangeAspect="1"/>
+          </p:cNvPicPr>
+          <p:nvPr/>
+        </p:nvPicPr>
+        <p:blipFill>
+          <a:blip r:embed="rId6"/>
+          <a:stretch>
+            <a:fillRect/>
+          </a:stretch>
+        </p:blipFill>
+        <p:spPr>
+          <a:xfrm>
+            <a:off x="28255886" y="4954852"/>
+            <a:ext cx="3789215" cy="4036087"/>
+          </a:xfrm>
+          <a:prstGeom prst="rect">
+            <a:avLst/>
+          </a:prstGeom>
+        </p:spPr>
+      </p:pic>
     </p:spTree>
     <p:extLst>
       <p:ext uri="{BB962C8B-B14F-4D97-AF65-F5344CB8AC3E}">
-        <p14:creationId xmlns="" xmlns:p14="http://schemas.microsoft.com/office/powerpoint/2010/main" val="2212419635"/>
+        <p14:creationId xmlns:p14="http://schemas.microsoft.com/office/powerpoint/2010/main" val="2212419635"/>
       </p:ext>
     </p:extLst>
   </p:cSld>

--- a/CS205 Poster - Chen Sim 2013.pptx
+++ b/CS205 Poster - Chen Sim 2013.pptx
@@ -110,7 +110,7 @@
   </p:defaultTextStyle>
   <p:extLst>
     <p:ext uri="{EFAFB233-063F-42B5-8137-9DF3F51BA10A}">
-      <p15:sldGuideLst xmlns:p15="http://schemas.microsoft.com/office/powerpoint/2012/main">
+      <p15:sldGuideLst xmlns:p15="http://schemas.microsoft.com/office/powerpoint/2012/main" xmlns="">
         <p15:guide id="1" orient="horz" pos="2212">
           <p15:clr>
             <a:srgbClr val="A4A3A4"/>
@@ -144,7 +144,7 @@
       </p15:sldGuideLst>
     </p:ext>
     <p:ext uri="{2D200454-40CA-4A62-9FC3-DE9A4176ACB9}">
-      <p15:notesGuideLst xmlns:p15="http://schemas.microsoft.com/office/powerpoint/2012/main">
+      <p15:notesGuideLst xmlns:p15="http://schemas.microsoft.com/office/powerpoint/2012/main" xmlns="">
         <p15:guide id="1" orient="horz" pos="2880">
           <p15:clr>
             <a:srgbClr val="A4A3A4"/>
@@ -424,7 +424,7 @@
     </p:spTree>
     <p:extLst>
       <p:ext uri="{BB962C8B-B14F-4D97-AF65-F5344CB8AC3E}">
-        <p14:creationId xmlns:p14="http://schemas.microsoft.com/office/powerpoint/2010/main" val="3784840913"/>
+        <p14:creationId xmlns:p14="http://schemas.microsoft.com/office/powerpoint/2010/main" xmlns="" val="3784840913"/>
       </p:ext>
     </p:extLst>
   </p:cSld>
@@ -11482,10 +11482,10 @@
           <p:nvPr/>
         </p:nvPicPr>
         <p:blipFill>
-          <a:blip r:embed="rId2">
+          <a:blip r:embed="rId2" cstate="print">
             <a:extLst>
               <a:ext uri="{28A0092B-C50C-407E-A947-70E740481C1C}">
-                <a14:useLocalDpi xmlns:a14="http://schemas.microsoft.com/office/drawing/2010/main" val="0"/>
+                <a14:useLocalDpi xmlns:a14="http://schemas.microsoft.com/office/drawing/2010/main" xmlns="" val="0"/>
               </a:ext>
             </a:extLst>
           </a:blip>
@@ -11496,8 +11496,8 @@
         </p:blipFill>
         <p:spPr bwMode="auto">
           <a:xfrm>
-            <a:off x="15829908" y="4265304"/>
-            <a:ext cx="8163713" cy="6344597"/>
+            <a:off x="15059130" y="4752984"/>
+            <a:ext cx="8964971" cy="5637387"/>
           </a:xfrm>
           <a:prstGeom prst="rect">
             <a:avLst/>
@@ -11505,7 +11505,7 @@
           <a:noFill/>
           <a:extLst>
             <a:ext uri="{909E8E84-426E-40DD-AFC4-6F175D3DCCD1}">
-              <a14:hiddenFill xmlns:a14="http://schemas.microsoft.com/office/drawing/2010/main">
+              <a14:hiddenFill xmlns:a14="http://schemas.microsoft.com/office/drawing/2010/main" xmlns="">
                 <a:solidFill>
                   <a:srgbClr val="FFFFFF"/>
                 </a:solidFill>
@@ -11708,7 +11708,7 @@
         </p:nvSpPr>
         <p:spPr>
           <a:xfrm>
-            <a:off x="691756" y="3510047"/>
+            <a:off x="691756" y="3601487"/>
             <a:ext cx="7536656" cy="624326"/>
           </a:xfrm>
         </p:spPr>
@@ -11740,7 +11740,7 @@
         </p:nvSpPr>
         <p:spPr>
           <a:xfrm>
-            <a:off x="628544" y="12262908"/>
+            <a:off x="628544" y="12537228"/>
             <a:ext cx="7537847" cy="624326"/>
           </a:xfrm>
         </p:spPr>
@@ -11778,8 +11778,8 @@
         </p:nvSpPr>
         <p:spPr>
           <a:xfrm>
-            <a:off x="8687069" y="4026220"/>
-            <a:ext cx="6974109" cy="6977678"/>
+            <a:off x="8717549" y="4087180"/>
+            <a:ext cx="6372061" cy="7874938"/>
           </a:xfrm>
         </p:spPr>
         <p:txBody>
@@ -11790,7 +11790,7 @@
               <a:rPr lang="en-US" sz="2000" dirty="0" smtClean="0">
                 <a:latin typeface="Constantia" pitchFamily="18" charset="0"/>
               </a:rPr>
-              <a:t>    A </a:t>
+              <a:t>A </a:t>
             </a:r>
             <a:r>
               <a:rPr lang="en-US" sz="2000" dirty="0" err="1" smtClean="0">
@@ -11825,9 +11825,22 @@
           <a:p>
             <a:r>
               <a:rPr lang="en-US" sz="2000" dirty="0" smtClean="0">
+                <a:latin typeface="Cambria Math"/>
+                <a:ea typeface="Cambria Math"/>
+              </a:rPr>
+              <a:t>I</a:t>
+            </a:r>
+            <a:r>
+              <a:rPr lang="en-US" sz="2000" dirty="0" smtClean="0">
                 <a:latin typeface="Constantia" pitchFamily="18" charset="0"/>
               </a:rPr>
-              <a:t>    In principle, the heuristic computation could also be done by GPU but because of the nature of the various heuristics – only needing to check the immediate squares affected by the last move played, the actual heuristic computation is not as time consuming as simply computing over the space of possible game states.</a:t>
+              <a:t>n </a:t>
+            </a:r>
+            <a:r>
+              <a:rPr lang="en-US" sz="2000" dirty="0" smtClean="0">
+                <a:latin typeface="Constantia" pitchFamily="18" charset="0"/>
+              </a:rPr>
+              <a:t>principle, the heuristic computation could also be done by GPU but because of the nature of the various heuristics – only needing to check the immediate squares affected by the last move played, the actual heuristic computation is not as time consuming as simply computing over the space of possible game states.</a:t>
             </a:r>
           </a:p>
           <a:p>
@@ -11893,7 +11906,7 @@
         </p:nvSpPr>
         <p:spPr>
           <a:xfrm>
-            <a:off x="8687068" y="17648029"/>
+            <a:off x="8687068" y="18105229"/>
             <a:ext cx="15540038" cy="3210493"/>
           </a:xfrm>
         </p:spPr>
@@ -11905,7 +11918,13 @@
               <a:rPr lang="en-US" dirty="0" smtClean="0">
                 <a:latin typeface="Constantia" pitchFamily="18" charset="0"/>
               </a:rPr>
-              <a:t>Parallelizing search space reduction is an area that we will experiment with.  The easiest technique would be  to run this optimization portion serially, - meaning each processor will use the optimization algorithm from its own first node and below.  This should give a speedup over the non-pruned version.  However, this setup will not allow for the information on one branch to prune the other branches.  As discussed above, full </a:t>
+              <a:t>Parallelizing search space reduction is an area that we will experiment with.  The easiest technique would be  to run this optimization portion serially, - meaning each processor will use the optimization algorithm from its own first node and below.  This should give a speedup over the non-pruned version.  However, this setup will not allow for the information on one branch to prune the other branches.  </a:t>
+            </a:r>
+            <a:r>
+              <a:rPr lang="en-US" dirty="0" smtClean="0">
+                <a:latin typeface="Constantia" pitchFamily="18" charset="0"/>
+              </a:rPr>
+              <a:t>Complete </a:t>
             </a:r>
             <a:r>
               <a:rPr lang="el-GR" dirty="0" smtClean="0">
@@ -11933,7 +11952,21 @@
                 <a:latin typeface="Cambria Math"/>
                 <a:ea typeface="Cambria Math"/>
               </a:rPr>
-              <a:t> is naturally a serial algorithm as the more that is searched serially allows for more pruning to follow.  Below are a couple of methods we have considered to parallelize </a:t>
+              <a:t> </a:t>
+            </a:r>
+            <a:r>
+              <a:rPr lang="en-US" dirty="0" smtClean="0">
+                <a:latin typeface="Cambria Math"/>
+                <a:ea typeface="Cambria Math"/>
+              </a:rPr>
+              <a:t>pruning is by nature, a </a:t>
+            </a:r>
+            <a:r>
+              <a:rPr lang="en-US" dirty="0" smtClean="0">
+                <a:latin typeface="Cambria Math"/>
+                <a:ea typeface="Cambria Math"/>
+              </a:rPr>
+              <a:t>serial algorithm as the more that is searched serially allows for more pruning to follow.  Below are a couple of methods we have considered to parallelize </a:t>
             </a:r>
             <a:r>
               <a:rPr lang="el-GR" dirty="0" smtClean="0">
@@ -12035,21 +12068,35 @@
                 <a:latin typeface="Cambria Math"/>
                 <a:ea typeface="Cambria Math"/>
               </a:rPr>
-              <a:t>2) Each processor will </a:t>
+              <a:t>2) Each processor will asynchronously send and receive current best </a:t>
+            </a:r>
+            <a:r>
+              <a:rPr lang="el-GR" dirty="0" smtClean="0">
+                <a:latin typeface="Cambria Math"/>
+                <a:ea typeface="Cambria Math"/>
+              </a:rPr>
+              <a:t>α</a:t>
             </a:r>
             <a:r>
               <a:rPr lang="en-US" dirty="0" smtClean="0">
                 <a:latin typeface="Cambria Math"/>
                 <a:ea typeface="Cambria Math"/>
               </a:rPr>
-              <a:t>asynchronously </a:t>
+              <a:t>-</a:t>
+            </a:r>
+            <a:r>
+              <a:rPr lang="el-GR" dirty="0" smtClean="0">
+                <a:latin typeface="Cambria Math"/>
+                <a:ea typeface="Cambria Math"/>
+              </a:rPr>
+              <a:t>β</a:t>
             </a:r>
             <a:r>
               <a:rPr lang="en-US" dirty="0" smtClean="0">
                 <a:latin typeface="Cambria Math"/>
                 <a:ea typeface="Cambria Math"/>
               </a:rPr>
-              <a:t>send and receive current best </a:t>
+              <a:t> values for every other processor to see and use to prune.  This should result in full pruning but may have issues with simultaneous updates when two processors try to update the “new” best </a:t>
             </a:r>
             <a:r>
               <a:rPr lang="el-GR" dirty="0" smtClean="0">
@@ -12077,34 +12124,6 @@
                 <a:latin typeface="Cambria Math"/>
                 <a:ea typeface="Cambria Math"/>
               </a:rPr>
-              <a:t> values for every other processor to see and use to prune.  This should result in full pruning but may have issues with simultaneous updates when two processors try to update the “new” best </a:t>
-            </a:r>
-            <a:r>
-              <a:rPr lang="el-GR" dirty="0" smtClean="0">
-                <a:latin typeface="Cambria Math"/>
-                <a:ea typeface="Cambria Math"/>
-              </a:rPr>
-              <a:t>α</a:t>
-            </a:r>
-            <a:r>
-              <a:rPr lang="en-US" dirty="0" smtClean="0">
-                <a:latin typeface="Cambria Math"/>
-                <a:ea typeface="Cambria Math"/>
-              </a:rPr>
-              <a:t>-</a:t>
-            </a:r>
-            <a:r>
-              <a:rPr lang="el-GR" dirty="0" smtClean="0">
-                <a:latin typeface="Cambria Math"/>
-                <a:ea typeface="Cambria Math"/>
-              </a:rPr>
-              <a:t>β</a:t>
-            </a:r>
-            <a:r>
-              <a:rPr lang="en-US" dirty="0" smtClean="0">
-                <a:latin typeface="Cambria Math"/>
-                <a:ea typeface="Cambria Math"/>
-              </a:rPr>
               <a:t> values</a:t>
             </a:r>
           </a:p>
@@ -12122,8 +12141,8 @@
         </p:nvSpPr>
         <p:spPr>
           <a:xfrm>
-            <a:off x="8687067" y="16594602"/>
-            <a:ext cx="15540038" cy="1116768"/>
+            <a:off x="8687067" y="17479676"/>
+            <a:ext cx="15540038" cy="624326"/>
           </a:xfrm>
         </p:spPr>
         <p:txBody>
@@ -12134,83 +12153,13 @@
               <a:rPr lang="en-US" sz="3200" u="none" dirty="0" smtClean="0">
                 <a:latin typeface="Constantia" pitchFamily="18" charset="0"/>
               </a:rPr>
-              <a:t>Parallelizing Complexity Reduction and Optimization </a:t>
+              <a:t>Parallelizing Complexity Reduction and </a:t>
             </a:r>
             <a:r>
               <a:rPr lang="en-US" sz="3200" u="none" dirty="0" smtClean="0">
-                <a:solidFill>
-                  <a:srgbClr val="FF0000"/>
-                </a:solidFill>
                 <a:latin typeface="Constantia" pitchFamily="18" charset="0"/>
               </a:rPr>
-              <a:t>(</a:t>
-            </a:r>
-            <a:r>
-              <a:rPr lang="en-US" sz="3200" u="none" dirty="0" err="1" smtClean="0">
-                <a:solidFill>
-                  <a:srgbClr val="FF0000"/>
-                </a:solidFill>
-                <a:latin typeface="Constantia" pitchFamily="18" charset="0"/>
-              </a:rPr>
-              <a:t>im</a:t>
-            </a:r>
-            <a:r>
-              <a:rPr lang="en-US" sz="3200" u="none" dirty="0" smtClean="0">
-                <a:solidFill>
-                  <a:srgbClr val="FF0000"/>
-                </a:solidFill>
-                <a:latin typeface="Constantia" pitchFamily="18" charset="0"/>
-              </a:rPr>
-              <a:t> talking about </a:t>
-            </a:r>
-            <a:r>
-              <a:rPr lang="el-GR" sz="3200" u="none" dirty="0" smtClean="0">
-                <a:solidFill>
-                  <a:srgbClr val="FF0000"/>
-                </a:solidFill>
-                <a:latin typeface="Cambria Math"/>
-                <a:ea typeface="Cambria Math"/>
-              </a:rPr>
-              <a:t>α</a:t>
-            </a:r>
-            <a:r>
-              <a:rPr lang="en-US" sz="3200" u="none" dirty="0" smtClean="0">
-                <a:solidFill>
-                  <a:srgbClr val="FF0000"/>
-                </a:solidFill>
-                <a:latin typeface="Cambria Math"/>
-                <a:ea typeface="Cambria Math"/>
-              </a:rPr>
-              <a:t>-</a:t>
-            </a:r>
-            <a:r>
-              <a:rPr lang="el-GR" sz="3200" u="none" dirty="0" smtClean="0">
-                <a:solidFill>
-                  <a:srgbClr val="FF0000"/>
-                </a:solidFill>
-                <a:latin typeface="Cambria Math"/>
-                <a:ea typeface="Cambria Math"/>
-              </a:rPr>
-              <a:t>β</a:t>
-            </a:r>
-            <a:r>
-              <a:rPr lang="en-US" sz="3200" u="none" dirty="0" smtClean="0">
-                <a:solidFill>
-                  <a:srgbClr val="FF0000"/>
-                </a:solidFill>
-                <a:latin typeface="Cambria Math"/>
-                <a:ea typeface="Cambria Math"/>
-              </a:rPr>
-              <a:t> </a:t>
-            </a:r>
-            <a:r>
-              <a:rPr lang="en-US" sz="3200" u="none" dirty="0" smtClean="0">
-                <a:solidFill>
-                  <a:srgbClr val="FF0000"/>
-                </a:solidFill>
-                <a:latin typeface="Constantia" pitchFamily="18" charset="0"/>
-              </a:rPr>
-              <a:t>pruning – hope it makes sense parallel read this for sure)</a:t>
+              <a:t>Optimization</a:t>
             </a:r>
             <a:endParaRPr lang="en-US" sz="3200" u="none" dirty="0">
               <a:solidFill>
@@ -12233,7 +12182,7 @@
         </p:nvSpPr>
         <p:spPr>
           <a:xfrm>
-            <a:off x="24679152" y="3464327"/>
+            <a:off x="24679152" y="3555767"/>
             <a:ext cx="7535264" cy="624326"/>
           </a:xfrm>
         </p:spPr>
@@ -12265,26 +12214,31 @@
         </p:nvSpPr>
         <p:spPr>
           <a:xfrm>
-            <a:off x="24599982" y="4310007"/>
-            <a:ext cx="3497036" cy="5592684"/>
+            <a:off x="24599982" y="4149987"/>
+            <a:ext cx="3497036" cy="6146682"/>
           </a:xfrm>
         </p:spPr>
         <p:txBody>
           <a:bodyPr/>
           <a:lstStyle/>
           <a:p>
-            <a:pPr algn="just"/>
             <a:r>
               <a:rPr lang="en-US" dirty="0" smtClean="0">
                 <a:latin typeface="Constantia" pitchFamily="18" charset="0"/>
               </a:rPr>
-              <a:t>    We </a:t>
+              <a:t> </a:t>
             </a:r>
             <a:r>
               <a:rPr lang="en-US" dirty="0" smtClean="0">
                 <a:latin typeface="Constantia" pitchFamily="18" charset="0"/>
               </a:rPr>
-              <a:t>are currently in the midst of parallelizing the </a:t>
+              <a:t>We are currently </a:t>
+            </a:r>
+            <a:r>
+              <a:rPr lang="en-US" dirty="0" smtClean="0">
+                <a:latin typeface="Constantia" pitchFamily="18" charset="0"/>
+              </a:rPr>
+              <a:t>in the midst of parallelizing the </a:t>
             </a:r>
             <a:r>
               <a:rPr lang="en-US" dirty="0" err="1" smtClean="0">
@@ -12308,29 +12262,8 @@
               <a:rPr lang="en-US" dirty="0" smtClean="0">
                 <a:latin typeface="Constantia" pitchFamily="18" charset="0"/>
               </a:rPr>
-              <a:t> to the </a:t>
-            </a:r>
-            <a:r>
-              <a:rPr lang="en-US" dirty="0" smtClean="0">
-                <a:latin typeface="Constantia" pitchFamily="18" charset="0"/>
-              </a:rPr>
-              <a:t>serial </a:t>
-            </a:r>
-            <a:r>
-              <a:rPr lang="en-US" dirty="0" smtClean="0">
-                <a:latin typeface="Constantia" pitchFamily="18" charset="0"/>
-              </a:rPr>
-              <a:t>version.  For reference, our serial version, thinking just 2 moves ahead takes 10 seconds per turn pre search-space reduction.  We hope to use these numbers to calculate our efficiency for the parallel version – which we expect something close to 1 – as we are perfectly dividing the number of nodes across the processors if we do not prune the tree beforehand</a:t>
-            </a:r>
-            <a:r>
-              <a:rPr lang="en-US" dirty="0" smtClean="0">
-                <a:latin typeface="Constantia" pitchFamily="18" charset="0"/>
-              </a:rPr>
-              <a:t>.</a:t>
-            </a:r>
-            <a:endParaRPr lang="en-US" dirty="0" smtClean="0">
-              <a:latin typeface="Constantia" pitchFamily="18" charset="0"/>
-            </a:endParaRPr>
+              <a:t> to the serial version.  For reference, our serial version, thinking just 2 moves ahead takes 10 seconds per turn pre search-space reduction.  We hope to use these numbers to calculate our efficiency for the parallel version – which we expect something close to 1 – as we are perfectly dividing the number of nodes across the processors if we do not prune the tree beforehand.</a:t>
+            </a:r>
           </a:p>
         </p:txBody>
       </p:sp>
@@ -12346,7 +12279,7 @@
         </p:nvSpPr>
         <p:spPr>
           <a:xfrm>
-            <a:off x="24675378" y="17762401"/>
+            <a:off x="24675378" y="17724301"/>
             <a:ext cx="7535264" cy="624326"/>
           </a:xfrm>
         </p:spPr>
@@ -12427,7 +12360,7 @@
         </p:nvSpPr>
         <p:spPr>
           <a:xfrm>
-            <a:off x="24679152" y="19253975"/>
+            <a:off x="24679152" y="19292589"/>
             <a:ext cx="7535264" cy="624326"/>
           </a:xfrm>
         </p:spPr>
@@ -12459,7 +12392,7 @@
         </p:nvSpPr>
         <p:spPr>
           <a:xfrm>
-            <a:off x="24679152" y="19882172"/>
+            <a:off x="24679152" y="19794995"/>
             <a:ext cx="7539038" cy="1160701"/>
           </a:xfrm>
         </p:spPr>
@@ -12536,8 +12469,8 @@
         </p:nvSpPr>
         <p:spPr>
           <a:xfrm>
-            <a:off x="692411" y="17992165"/>
-            <a:ext cx="7542610" cy="2988894"/>
+            <a:off x="692411" y="18129325"/>
+            <a:ext cx="7542610" cy="3210493"/>
           </a:xfrm>
         </p:spPr>
         <p:txBody>
@@ -12548,7 +12481,7 @@
               <a:rPr lang="en-US" dirty="0" smtClean="0">
                 <a:latin typeface="Constantia" pitchFamily="18" charset="0"/>
               </a:rPr>
-              <a:t>Heuristic: “X-in-a-row”</a:t>
+              <a:t>Current Heuristic: “X-in-a-row”</a:t>
             </a:r>
           </a:p>
           <a:p>
@@ -12556,10 +12489,44 @@
               <a:rPr lang="en-US" dirty="0" smtClean="0">
                 <a:latin typeface="Constantia" pitchFamily="18" charset="0"/>
               </a:rPr>
-              <a:t>Currently, we evaluate (efficiently) the number of 1-in-a-row, 2-in-a-row, 3-in-a-row, 4-in-a-row, and 5-in-a-rows (game over) for each player on the board. We then evaluate the utility by taking the dot product of this vector of numbers with another vector of exponentially increasing weights, to weigh longer combos higher than shorter combos.</a:t>
-            </a:r>
-          </a:p>
-          <a:p>
+              <a:t>We evaluate </a:t>
+            </a:r>
+            <a:r>
+              <a:rPr lang="en-US" dirty="0" smtClean="0">
+                <a:latin typeface="Constantia" pitchFamily="18" charset="0"/>
+              </a:rPr>
+              <a:t>(efficiently) the number of 1-in-a-row, 2-in-a-row, 3-in-a-row, </a:t>
+            </a:r>
+            <a:r>
+              <a:rPr lang="en-US" dirty="0" smtClean="0">
+                <a:latin typeface="Constantia" pitchFamily="18" charset="0"/>
+              </a:rPr>
+              <a:t>4-in-a-row</a:t>
+            </a:r>
+            <a:r>
+              <a:rPr lang="en-US" dirty="0" smtClean="0">
+                <a:latin typeface="Constantia" pitchFamily="18" charset="0"/>
+              </a:rPr>
+              <a:t>, and 5-in-a-rows (game over) for each player on the board. We then evaluate the utility by taking the dot product of this vector of numbers with another vector of exponentially increasing weights, to weigh longer combos higher than shorter combos</a:t>
+            </a:r>
+            <a:r>
+              <a:rPr lang="en-US" dirty="0" smtClean="0">
+                <a:latin typeface="Constantia" pitchFamily="18" charset="0"/>
+              </a:rPr>
+              <a:t>.  This </a:t>
+            </a:r>
+            <a:r>
+              <a:rPr lang="en-US" dirty="0" smtClean="0">
+                <a:latin typeface="Constantia" pitchFamily="18" charset="0"/>
+              </a:rPr>
+              <a:t> </a:t>
+            </a:r>
+            <a:r>
+              <a:rPr lang="en-US" dirty="0" smtClean="0">
+                <a:latin typeface="Constantia" pitchFamily="18" charset="0"/>
+              </a:rPr>
+              <a:t>heuristic can be adjusted but we feel with proper weighting of the X-in-a-row for scoring, this heuristic will be efficient.</a:t>
+            </a:r>
             <a:endParaRPr lang="en-US" dirty="0">
               <a:latin typeface="Constantia" pitchFamily="18" charset="0"/>
             </a:endParaRPr>
@@ -12587,7 +12554,19 @@
               <a:rPr lang="en-US" dirty="0" smtClean="0">
                 <a:latin typeface="Constantia" pitchFamily="18" charset="0"/>
               </a:rPr>
-              <a:t>tree essentially maximizes this score assuming that the opponent will play optimally.</a:t>
+              <a:t>tree essentially maximizes this </a:t>
+            </a:r>
+            <a:r>
+              <a:rPr lang="en-US" dirty="0" smtClean="0">
+                <a:latin typeface="Constantia" pitchFamily="18" charset="0"/>
+              </a:rPr>
+              <a:t>score, no matter what the heuristic is, </a:t>
+            </a:r>
+            <a:r>
+              <a:rPr lang="en-US" dirty="0" smtClean="0">
+                <a:latin typeface="Constantia" pitchFamily="18" charset="0"/>
+              </a:rPr>
+              <a:t>assuming that the opponent will play optimally.</a:t>
             </a:r>
             <a:endParaRPr lang="en-US" dirty="0">
               <a:latin typeface="Constantia" pitchFamily="18" charset="0"/>
@@ -12607,8 +12586,8 @@
         </p:nvSpPr>
         <p:spPr>
           <a:xfrm>
-            <a:off x="24668032" y="18382510"/>
-            <a:ext cx="7542610" cy="939102"/>
+            <a:off x="24698512" y="18226707"/>
+            <a:ext cx="7542610" cy="1369835"/>
           </a:xfrm>
         </p:spPr>
         <p:txBody>
@@ -12671,6 +12650,8 @@
               </a:rPr>
               <a:t>).</a:t>
             </a:r>
+          </a:p>
+          <a:p>
             <a:endParaRPr lang="en-US" dirty="0">
               <a:latin typeface="Constantia" pitchFamily="18" charset="0"/>
             </a:endParaRPr>
@@ -12986,18 +12967,30 @@
         </p:nvSpPr>
         <p:spPr/>
       </p:sp>
-      <p:sp>
-        <p:nvSpPr>
-          <p:cNvPr id="217" name="Picture Placeholder 216"/>
-          <p:cNvSpPr>
-            <a:spLocks noGrp="1"/>
-          </p:cNvSpPr>
+      <p:pic>
+        <p:nvPicPr>
+          <p:cNvPr id="67" name="Picture Placeholder 66" descr="800px-AB_pruning.svg.png"/>
+          <p:cNvPicPr>
+            <a:picLocks noGrp="1" noChangeAspect="1"/>
+          </p:cNvPicPr>
           <p:nvPr>
             <p:ph type="pic" sz="quarter" idx="135"/>
           </p:nvPr>
-        </p:nvSpPr>
-        <p:spPr/>
-      </p:sp>
+        </p:nvPicPr>
+        <p:blipFill>
+          <a:blip r:embed="rId3" cstate="print"/>
+          <a:srcRect t="128" b="128"/>
+          <a:stretch>
+            <a:fillRect/>
+          </a:stretch>
+        </p:blipFill>
+        <p:spPr>
+          <a:xfrm>
+            <a:off x="9106218" y="11811221"/>
+            <a:ext cx="10371137" cy="5249862"/>
+          </a:xfrm>
+        </p:spPr>
+      </p:pic>
       <p:sp>
         <p:nvSpPr>
           <p:cNvPr id="218" name="Text Placeholder 217"/>
@@ -13399,7 +13392,7 @@
         </p:nvSpPr>
         <p:spPr>
           <a:xfrm>
-            <a:off x="24675378" y="10257255"/>
+            <a:off x="24675378" y="10508715"/>
             <a:ext cx="7535264" cy="624326"/>
           </a:xfrm>
           <a:prstGeom prst="rect">
@@ -13478,7 +13471,7 @@
         </p:nvSpPr>
         <p:spPr>
           <a:xfrm>
-            <a:off x="24772732" y="11002087"/>
+            <a:off x="24772732" y="10941127"/>
             <a:ext cx="7535264" cy="6608347"/>
           </a:xfrm>
           <a:prstGeom prst="rect">
@@ -13728,7 +13721,7 @@
         </p:nvSpPr>
         <p:spPr>
           <a:xfrm>
-            <a:off x="8687067" y="10714455"/>
+            <a:off x="8687067" y="11186895"/>
             <a:ext cx="15540037" cy="624326"/>
           </a:xfrm>
           <a:prstGeom prst="rect">
@@ -13799,10 +13792,10 @@
                 <a:ea typeface="+mn-ea"/>
                 <a:cs typeface="+mn-cs"/>
               </a:rPr>
-              <a:t> Pruning</a:t>
-            </a:r>
-            <a:r>
-              <a:rPr kumimoji="0" lang="en-US" sz="3200" b="1" i="0" u="none" strike="noStrike" kern="1200" cap="none" spc="0" normalizeH="0" noProof="0" dirty="0" smtClean="0">
+              <a:t> </a:t>
+            </a:r>
+            <a:r>
+              <a:rPr kumimoji="0" lang="en-US" sz="3200" b="1" i="0" u="none" strike="noStrike" kern="1200" cap="none" spc="0" normalizeH="0" baseline="0" noProof="0" dirty="0" smtClean="0">
                 <a:ln>
                   <a:noFill/>
                 </a:ln>
@@ -13818,67 +13811,7 @@
                 <a:ea typeface="+mn-ea"/>
                 <a:cs typeface="+mn-cs"/>
               </a:rPr>
-              <a:t> </a:t>
-            </a:r>
-            <a:r>
-              <a:rPr lang="en-US" sz="3200" b="1" dirty="0" smtClean="0">
-                <a:solidFill>
-                  <a:srgbClr val="FF0000"/>
-                </a:solidFill>
-                <a:latin typeface="Constantia" pitchFamily="18" charset="0"/>
-              </a:rPr>
-              <a:t>or</a:t>
-            </a:r>
-            <a:r>
-              <a:rPr kumimoji="0" lang="en-US" sz="3200" b="1" i="0" u="none" strike="noStrike" kern="1200" cap="none" spc="0" normalizeH="0" noProof="0" dirty="0" smtClean="0">
-                <a:ln>
-                  <a:noFill/>
-                </a:ln>
-                <a:solidFill>
-                  <a:srgbClr val="FF0000"/>
-                </a:solidFill>
-                <a:effectLst/>
-                <a:uLnTx/>
-                <a:uFillTx/>
-                <a:latin typeface="Constantia" pitchFamily="18" charset="0"/>
-                <a:ea typeface="+mn-ea"/>
-                <a:cs typeface="+mn-cs"/>
-              </a:rPr>
-              <a:t> </a:t>
-            </a:r>
-            <a:r>
-              <a:rPr kumimoji="0" lang="en-US" sz="3200" b="1" i="0" u="none" strike="noStrike" kern="1200" cap="none" spc="0" normalizeH="0" noProof="0" dirty="0" err="1" smtClean="0">
-                <a:ln>
-                  <a:noFill/>
-                </a:ln>
-                <a:solidFill>
-                  <a:srgbClr val="FF0000"/>
-                </a:solidFill>
-                <a:effectLst/>
-                <a:uLnTx/>
-                <a:uFillTx/>
-                <a:latin typeface="Constantia" pitchFamily="18" charset="0"/>
-                <a:ea typeface="+mn-ea"/>
-                <a:cs typeface="+mn-cs"/>
-              </a:rPr>
-              <a:t>Minimax</a:t>
-            </a:r>
-            <a:r>
-              <a:rPr kumimoji="0" lang="en-US" sz="3200" b="1" i="0" u="none" strike="noStrike" kern="1200" cap="none" spc="0" normalizeH="0" noProof="0" dirty="0" smtClean="0">
-                <a:ln>
-                  <a:noFill/>
-                </a:ln>
-                <a:solidFill>
-                  <a:srgbClr val="FF0000"/>
-                </a:solidFill>
-                <a:effectLst/>
-                <a:uLnTx/>
-                <a:uFillTx/>
-                <a:latin typeface="Constantia" pitchFamily="18" charset="0"/>
-                <a:ea typeface="+mn-ea"/>
-                <a:cs typeface="+mn-cs"/>
-              </a:rPr>
-              <a:t> Approx. (the MIT paper) or both?</a:t>
+              <a:t>Pruning</a:t>
             </a:r>
             <a:endParaRPr kumimoji="0" lang="en-US" sz="3200" b="1" i="0" u="none" strike="noStrike" kern="1200" cap="none" spc="0" normalizeH="0" baseline="0" noProof="0" dirty="0">
               <a:ln>
@@ -13906,10 +13839,10 @@
           <p:nvPr/>
         </p:nvPicPr>
         <p:blipFill>
-          <a:blip r:embed="rId3" cstate="print">
+          <a:blip r:embed="rId4" cstate="print">
             <a:extLst>
               <a:ext uri="{28A0092B-C50C-407E-A947-70E740481C1C}">
-                <a14:useLocalDpi xmlns:a14="http://schemas.microsoft.com/office/drawing/2010/main" val="0"/>
+                <a14:useLocalDpi xmlns:a14="http://schemas.microsoft.com/office/drawing/2010/main" xmlns="" val="0"/>
               </a:ext>
             </a:extLst>
           </a:blip>
@@ -13941,7 +13874,7 @@
           </p:nvPr>
         </p:nvPicPr>
         <p:blipFill>
-          <a:blip r:embed="rId4" cstate="print"/>
+          <a:blip r:embed="rId5" cstate="print"/>
           <a:srcRect t="745" b="745"/>
           <a:stretch>
             <a:fillRect/>
@@ -13962,8 +13895,8 @@
         </p:nvSpPr>
         <p:spPr bwMode="auto">
           <a:xfrm>
-            <a:off x="17606470" y="6952887"/>
-            <a:ext cx="3058970" cy="3674126"/>
+            <a:off x="16946880" y="7132320"/>
+            <a:ext cx="3459480" cy="3258051"/>
           </a:xfrm>
           <a:prstGeom prst="rect">
             <a:avLst/>
@@ -14005,8 +13938,8 @@
         </p:nvSpPr>
         <p:spPr bwMode="auto">
           <a:xfrm>
-            <a:off x="20762793" y="6952888"/>
-            <a:ext cx="3111359" cy="3657014"/>
+            <a:off x="20427513" y="7132320"/>
+            <a:ext cx="3596588" cy="3258051"/>
           </a:xfrm>
           <a:prstGeom prst="rect">
             <a:avLst/>
@@ -14049,10 +13982,10 @@
           <p:nvPr/>
         </p:nvPicPr>
         <p:blipFill>
-          <a:blip r:embed="rId2">
+          <a:blip r:embed="rId2" cstate="print">
             <a:extLst>
               <a:ext uri="{28A0092B-C50C-407E-A947-70E740481C1C}">
-                <a14:useLocalDpi xmlns:a14="http://schemas.microsoft.com/office/drawing/2010/main" val="0"/>
+                <a14:useLocalDpi xmlns:a14="http://schemas.microsoft.com/office/drawing/2010/main" xmlns="" val="0"/>
               </a:ext>
             </a:extLst>
           </a:blip>
@@ -14063,7 +13996,7 @@
         </p:blipFill>
         <p:spPr bwMode="auto">
           <a:xfrm>
-            <a:off x="692411" y="12958528"/>
+            <a:off x="692411" y="13255708"/>
             <a:ext cx="7459142" cy="4843064"/>
           </a:xfrm>
           <a:prstGeom prst="rect">
@@ -14072,48 +14005,7 @@
           <a:noFill/>
           <a:extLst>
             <a:ext uri="{909E8E84-426E-40DD-AFC4-6F175D3DCCD1}">
-              <a14:hiddenFill xmlns:a14="http://schemas.microsoft.com/office/drawing/2010/main">
-                <a:solidFill>
-                  <a:srgbClr val="FFFFFF"/>
-                </a:solidFill>
-              </a14:hiddenFill>
-            </a:ext>
-          </a:extLst>
-        </p:spPr>
-      </p:pic>
-      <p:pic>
-        <p:nvPicPr>
-          <p:cNvPr id="1030" name="Picture 6" descr="http://pages.cs.wisc.edu/~dyer/cs540/notes/gametree.gif"/>
-          <p:cNvPicPr>
-            <a:picLocks noChangeAspect="1" noChangeArrowheads="1"/>
-          </p:cNvPicPr>
-          <p:nvPr/>
-        </p:nvPicPr>
-        <p:blipFill>
-          <a:blip r:embed="rId5">
-            <a:extLst>
-              <a:ext uri="{28A0092B-C50C-407E-A947-70E740481C1C}">
-                <a14:useLocalDpi xmlns:a14="http://schemas.microsoft.com/office/drawing/2010/main" val="0"/>
-              </a:ext>
-            </a:extLst>
-          </a:blip>
-          <a:srcRect/>
-          <a:stretch>
-            <a:fillRect/>
-          </a:stretch>
-        </p:blipFill>
-        <p:spPr bwMode="auto">
-          <a:xfrm>
-            <a:off x="11575799" y="11370212"/>
-            <a:ext cx="10885190" cy="5192958"/>
-          </a:xfrm>
-          <a:prstGeom prst="rect">
-            <a:avLst/>
-          </a:prstGeom>
-          <a:noFill/>
-          <a:extLst>
-            <a:ext uri="{909E8E84-426E-40DD-AFC4-6F175D3DCCD1}">
-              <a14:hiddenFill xmlns:a14="http://schemas.microsoft.com/office/drawing/2010/main">
+              <a14:hiddenFill xmlns:a14="http://schemas.microsoft.com/office/drawing/2010/main" xmlns="">
                 <a:solidFill>
                   <a:srgbClr val="FFFFFF"/>
                 </a:solidFill>
@@ -14131,25 +14023,180 @@
           <p:nvPr/>
         </p:nvPicPr>
         <p:blipFill>
-          <a:blip r:embed="rId6"/>
+          <a:blip r:embed="rId6" cstate="print"/>
           <a:stretch>
             <a:fillRect/>
           </a:stretch>
         </p:blipFill>
         <p:spPr>
           <a:xfrm>
-            <a:off x="28255886" y="4954852"/>
-            <a:ext cx="3789215" cy="4036087"/>
+            <a:off x="28119878" y="4798704"/>
+            <a:ext cx="4030295" cy="4292873"/>
           </a:xfrm>
           <a:prstGeom prst="rect">
             <a:avLst/>
           </a:prstGeom>
         </p:spPr>
       </p:pic>
+      <p:sp>
+        <p:nvSpPr>
+          <p:cNvPr id="68" name="Text Placeholder 185"/>
+          <p:cNvSpPr>
+            <a:spLocks noGrp="1"/>
+          </p:cNvSpPr>
+          <p:nvPr>
+            <p:ph type="body" sz="quarter" idx="21"/>
+          </p:nvPr>
+        </p:nvSpPr>
+        <p:spPr>
+          <a:xfrm>
+            <a:off x="19477355" y="11651201"/>
+            <a:ext cx="4749749" cy="5623462"/>
+          </a:xfrm>
+        </p:spPr>
+        <p:txBody>
+          <a:bodyPr/>
+          <a:lstStyle/>
+          <a:p>
+            <a:r>
+              <a:rPr lang="el-GR" sz="2000" dirty="0" smtClean="0">
+                <a:latin typeface="Cambria Math"/>
+                <a:ea typeface="Cambria Math"/>
+              </a:rPr>
+              <a:t>α</a:t>
+            </a:r>
+            <a:r>
+              <a:rPr lang="en-US" sz="2000" dirty="0" smtClean="0">
+                <a:latin typeface="Cambria Math"/>
+                <a:ea typeface="Cambria Math"/>
+              </a:rPr>
+              <a:t>-</a:t>
+            </a:r>
+            <a:r>
+              <a:rPr lang="el-GR" sz="2000" dirty="0" smtClean="0">
+                <a:latin typeface="Cambria Math"/>
+                <a:ea typeface="Cambria Math"/>
+              </a:rPr>
+              <a:t>β</a:t>
+            </a:r>
+            <a:r>
+              <a:rPr lang="en-US" sz="2000" dirty="0" smtClean="0">
+                <a:latin typeface="Cambria Math"/>
+                <a:ea typeface="Cambria Math"/>
+              </a:rPr>
+              <a:t> pruning </a:t>
+            </a:r>
+            <a:r>
+              <a:rPr lang="en-US" sz="2000" dirty="0" smtClean="0">
+                <a:latin typeface="Cambria Math"/>
+                <a:ea typeface="Cambria Math"/>
+              </a:rPr>
+              <a:t>is the standard optimization technique for </a:t>
+            </a:r>
+            <a:r>
+              <a:rPr lang="en-US" sz="2000" dirty="0" err="1" smtClean="0">
+                <a:latin typeface="Cambria Math"/>
+                <a:ea typeface="Cambria Math"/>
+              </a:rPr>
+              <a:t>minimax</a:t>
+            </a:r>
+            <a:r>
+              <a:rPr lang="en-US" sz="2000" dirty="0" smtClean="0">
+                <a:latin typeface="Cambria Math"/>
+                <a:ea typeface="Cambria Math"/>
+              </a:rPr>
+              <a:t> game state trees.  The algorithm updates the </a:t>
+            </a:r>
+            <a:r>
+              <a:rPr lang="el-GR" sz="2000" dirty="0" smtClean="0">
+                <a:latin typeface="Cambria Math"/>
+                <a:ea typeface="Cambria Math"/>
+              </a:rPr>
+              <a:t>α</a:t>
+            </a:r>
+            <a:r>
+              <a:rPr lang="en-US" sz="2000" dirty="0" smtClean="0">
+                <a:latin typeface="Cambria Math"/>
+                <a:ea typeface="Cambria Math"/>
+              </a:rPr>
+              <a:t>-</a:t>
+            </a:r>
+            <a:r>
+              <a:rPr lang="el-GR" sz="2000" dirty="0" smtClean="0">
+                <a:latin typeface="Cambria Math"/>
+                <a:ea typeface="Cambria Math"/>
+              </a:rPr>
+              <a:t>β</a:t>
+            </a:r>
+            <a:r>
+              <a:rPr lang="en-US" sz="2000" dirty="0" smtClean="0">
+                <a:latin typeface="Cambria Math"/>
+                <a:ea typeface="Cambria Math"/>
+              </a:rPr>
+              <a:t> </a:t>
+            </a:r>
+            <a:r>
+              <a:rPr lang="en-US" sz="2000" dirty="0" smtClean="0">
+                <a:latin typeface="Cambria Math"/>
+                <a:ea typeface="Cambria Math"/>
+              </a:rPr>
+              <a:t>values which represent the minimum of the maximizing player and the maximum of the minimizing player.  All branches that are outside of these assured bounds need not be evaluated.</a:t>
+            </a:r>
+          </a:p>
+          <a:p>
+            <a:r>
+              <a:rPr lang="en-US" sz="2000" dirty="0" smtClean="0">
+                <a:latin typeface="Cambria Math"/>
+                <a:ea typeface="Cambria Math"/>
+              </a:rPr>
+              <a:t>Tree ordering, or evaluating the best moves first, will better prune the tree. – in other words the branches with the greatest pruning power will be evaluated first.  It has been shown that with optimal ordering, the same computation power will allow for twice the number of ply searched .</a:t>
+            </a:r>
+            <a:endParaRPr lang="en-US" sz="2000" dirty="0" smtClean="0">
+              <a:latin typeface="Constantia" pitchFamily="18" charset="0"/>
+            </a:endParaRPr>
+          </a:p>
+        </p:txBody>
+      </p:sp>
+      <p:sp>
+        <p:nvSpPr>
+          <p:cNvPr id="70" name="Rectangle 69"/>
+          <p:cNvSpPr/>
+          <p:nvPr/>
+        </p:nvSpPr>
+        <p:spPr bwMode="auto">
+          <a:xfrm>
+            <a:off x="1291389" y="21412200"/>
+            <a:ext cx="1660358" cy="441158"/>
+          </a:xfrm>
+          <a:prstGeom prst="rect">
+            <a:avLst/>
+          </a:prstGeom>
+          <a:solidFill>
+            <a:srgbClr val="233B5F">
+              <a:alpha val="98824"/>
+            </a:srgbClr>
+          </a:solidFill>
+          <a:ln w="9525">
+            <a:noFill/>
+            <a:miter lim="800000"/>
+            <a:headEnd/>
+            <a:tailEnd/>
+          </a:ln>
+          <a:effectLst/>
+        </p:spPr>
+        <p:txBody>
+          <a:bodyPr wrap="none" lIns="65304" tIns="32651" rIns="65304" bIns="32651" rtlCol="0" anchor="ctr"/>
+          <a:lstStyle/>
+          <a:p>
+            <a:pPr algn="ctr"/>
+            <a:endParaRPr lang="en-US" dirty="0"/>
+          </a:p>
+        </p:txBody>
+      </p:sp>
     </p:spTree>
     <p:extLst>
       <p:ext uri="{BB962C8B-B14F-4D97-AF65-F5344CB8AC3E}">
-        <p14:creationId xmlns:p14="http://schemas.microsoft.com/office/powerpoint/2010/main" val="2212419635"/>
+        <p14:creationId xmlns:p14="http://schemas.microsoft.com/office/powerpoint/2010/main" xmlns="" val="2212419635"/>
       </p:ext>
     </p:extLst>
   </p:cSld>
